--- a/2022년 6월 18일 메타버스.pptx
+++ b/2022년 6월 18일 메타버스.pptx
@@ -5,7 +5,7 @@
     <p:sldMasterId id="2147483648" r:id="rId1"/>
   </p:sldMasterIdLst>
   <p:notesMasterIdLst>
-    <p:notesMasterId r:id="rId16"/>
+    <p:notesMasterId r:id="rId15"/>
   </p:notesMasterIdLst>
   <p:sldIdLst>
     <p:sldId id="295" r:id="rId2"/>
@@ -14,14 +14,13 @@
     <p:sldId id="414" r:id="rId5"/>
     <p:sldId id="417" r:id="rId6"/>
     <p:sldId id="410" r:id="rId7"/>
-    <p:sldId id="418" r:id="rId8"/>
-    <p:sldId id="419" r:id="rId9"/>
-    <p:sldId id="411" r:id="rId10"/>
-    <p:sldId id="412" r:id="rId11"/>
-    <p:sldId id="413" r:id="rId12"/>
-    <p:sldId id="416" r:id="rId13"/>
-    <p:sldId id="415" r:id="rId14"/>
-    <p:sldId id="369" r:id="rId15"/>
+    <p:sldId id="419" r:id="rId8"/>
+    <p:sldId id="411" r:id="rId9"/>
+    <p:sldId id="412" r:id="rId10"/>
+    <p:sldId id="413" r:id="rId11"/>
+    <p:sldId id="416" r:id="rId12"/>
+    <p:sldId id="415" r:id="rId13"/>
+    <p:sldId id="369" r:id="rId14"/>
   </p:sldIdLst>
   <p:sldSz cx="12192000" cy="6858000"/>
   <p:notesSz cx="6858000" cy="9144000"/>
@@ -122,7 +121,7 @@
   </p:defaultTextStyle>
   <p:extLst>
     <p:ext uri="{EFAFB233-063F-42B5-8137-9DF3F51BA10A}">
-      <p15:sldGuideLst xmlns="" xmlns:p15="http://schemas.microsoft.com/office/powerpoint/2012/main">
+      <p15:sldGuideLst xmlns:p15="http://schemas.microsoft.com/office/powerpoint/2012/main" xmlns="">
         <p15:guide id="1" orient="horz" pos="2160" userDrawn="1">
           <p15:clr>
             <a:srgbClr val="A4A3A4"/>
@@ -267,7 +266,7 @@
             <a:fld id="{93ABF2C0-3C9C-7D49-B24A-64CA7C2343A0}" type="datetimeFigureOut">
               <a:rPr kumimoji="1" lang="x-none" altLang="en-US" smtClean="0"/>
               <a:pPr/>
-              <a:t>2022-06-17</a:t>
+              <a:t>2022-06-18</a:t>
             </a:fld>
             <a:endParaRPr kumimoji="1" lang="x-none" altLang="en-US"/>
           </a:p>
@@ -436,7 +435,7 @@
     </p:spTree>
     <p:extLst>
       <p:ext uri="{BB962C8B-B14F-4D97-AF65-F5344CB8AC3E}">
-        <p14:creationId xmlns="" xmlns:p14="http://schemas.microsoft.com/office/powerpoint/2010/main" val="1498810409"/>
+        <p14:creationId xmlns:p14="http://schemas.microsoft.com/office/powerpoint/2010/main" xmlns="" val="1498810409"/>
       </p:ext>
     </p:extLst>
   </p:cSld>
@@ -558,7 +557,7 @@
           <p:cNvPr id="2" name="제목 1">
             <a:extLst>
               <a:ext uri="{FF2B5EF4-FFF2-40B4-BE49-F238E27FC236}">
-                <a16:creationId xmlns="" xmlns:a16="http://schemas.microsoft.com/office/drawing/2014/main" id="{D21D6D92-C733-1642-8A21-5EECDE35E1A0}"/>
+                <a16:creationId xmlns:a16="http://schemas.microsoft.com/office/drawing/2014/main" xmlns="" id="{D21D6D92-C733-1642-8A21-5EECDE35E1A0}"/>
               </a:ext>
             </a:extLst>
           </p:cNvPr>
@@ -599,7 +598,7 @@
           <p:cNvPr id="3" name="부제목 2">
             <a:extLst>
               <a:ext uri="{FF2B5EF4-FFF2-40B4-BE49-F238E27FC236}">
-                <a16:creationId xmlns="" xmlns:a16="http://schemas.microsoft.com/office/drawing/2014/main" id="{734DE295-A08A-214D-9CBE-5ED378EB32DB}"/>
+                <a16:creationId xmlns:a16="http://schemas.microsoft.com/office/drawing/2014/main" xmlns="" id="{734DE295-A08A-214D-9CBE-5ED378EB32DB}"/>
               </a:ext>
             </a:extLst>
           </p:cNvPr>
@@ -673,7 +672,7 @@
           <p:cNvPr id="4" name="날짜 개체 틀 3">
             <a:extLst>
               <a:ext uri="{FF2B5EF4-FFF2-40B4-BE49-F238E27FC236}">
-                <a16:creationId xmlns="" xmlns:a16="http://schemas.microsoft.com/office/drawing/2014/main" id="{E1CC0D3A-BA10-FC46-9C9F-8A47BEDD4F96}"/>
+                <a16:creationId xmlns:a16="http://schemas.microsoft.com/office/drawing/2014/main" xmlns="" id="{E1CC0D3A-BA10-FC46-9C9F-8A47BEDD4F96}"/>
               </a:ext>
             </a:extLst>
           </p:cNvPr>
@@ -700,7 +699,7 @@
             <a:fld id="{FE20AB6E-091C-844F-ABF9-3EF4C2336578}" type="datetimeFigureOut">
               <a:rPr kumimoji="1" lang="x-none" altLang="en-US" smtClean="0"/>
               <a:pPr/>
-              <a:t>2022-06-17</a:t>
+              <a:t>2022-06-18</a:t>
             </a:fld>
             <a:endParaRPr kumimoji="1" lang="x-none" altLang="en-US"/>
           </a:p>
@@ -711,7 +710,7 @@
           <p:cNvPr id="5" name="바닥글 개체 틀 4">
             <a:extLst>
               <a:ext uri="{FF2B5EF4-FFF2-40B4-BE49-F238E27FC236}">
-                <a16:creationId xmlns="" xmlns:a16="http://schemas.microsoft.com/office/drawing/2014/main" id="{37FE8601-FB8B-9342-AE5B-89A3E0439C70}"/>
+                <a16:creationId xmlns:a16="http://schemas.microsoft.com/office/drawing/2014/main" xmlns="" id="{37FE8601-FB8B-9342-AE5B-89A3E0439C70}"/>
               </a:ext>
             </a:extLst>
           </p:cNvPr>
@@ -744,7 +743,7 @@
           <p:cNvPr id="6" name="슬라이드 번호 개체 틀 5">
             <a:extLst>
               <a:ext uri="{FF2B5EF4-FFF2-40B4-BE49-F238E27FC236}">
-                <a16:creationId xmlns="" xmlns:a16="http://schemas.microsoft.com/office/drawing/2014/main" id="{ED058E05-17A3-BF45-B0DA-D60B846DFB4B}"/>
+                <a16:creationId xmlns:a16="http://schemas.microsoft.com/office/drawing/2014/main" xmlns="" id="{ED058E05-17A3-BF45-B0DA-D60B846DFB4B}"/>
               </a:ext>
             </a:extLst>
           </p:cNvPr>
@@ -780,7 +779,7 @@
     </p:spTree>
     <p:extLst>
       <p:ext uri="{BB962C8B-B14F-4D97-AF65-F5344CB8AC3E}">
-        <p14:creationId xmlns="" xmlns:p14="http://schemas.microsoft.com/office/powerpoint/2010/main" val="12081050"/>
+        <p14:creationId xmlns:p14="http://schemas.microsoft.com/office/powerpoint/2010/main" xmlns="" val="12081050"/>
       </p:ext>
     </p:extLst>
   </p:cSld>
@@ -812,7 +811,7 @@
           <p:cNvPr id="2" name="제목 1">
             <a:extLst>
               <a:ext uri="{FF2B5EF4-FFF2-40B4-BE49-F238E27FC236}">
-                <a16:creationId xmlns="" xmlns:a16="http://schemas.microsoft.com/office/drawing/2014/main" id="{674D90CD-0454-2C43-94B9-D70BD947A5C4}"/>
+                <a16:creationId xmlns:a16="http://schemas.microsoft.com/office/drawing/2014/main" xmlns="" id="{674D90CD-0454-2C43-94B9-D70BD947A5C4}"/>
               </a:ext>
             </a:extLst>
           </p:cNvPr>
@@ -849,7 +848,7 @@
           <p:cNvPr id="3" name="세로 텍스트 개체 틀 2">
             <a:extLst>
               <a:ext uri="{FF2B5EF4-FFF2-40B4-BE49-F238E27FC236}">
-                <a16:creationId xmlns="" xmlns:a16="http://schemas.microsoft.com/office/drawing/2014/main" id="{858A2CB1-9A70-A542-8270-D9FCD307C6A0}"/>
+                <a16:creationId xmlns:a16="http://schemas.microsoft.com/office/drawing/2014/main" xmlns="" id="{858A2CB1-9A70-A542-8270-D9FCD307C6A0}"/>
               </a:ext>
             </a:extLst>
           </p:cNvPr>
@@ -915,7 +914,7 @@
           <p:cNvPr id="4" name="날짜 개체 틀 3">
             <a:extLst>
               <a:ext uri="{FF2B5EF4-FFF2-40B4-BE49-F238E27FC236}">
-                <a16:creationId xmlns="" xmlns:a16="http://schemas.microsoft.com/office/drawing/2014/main" id="{166ECFFA-44BE-5742-8DF8-D72529A7E041}"/>
+                <a16:creationId xmlns:a16="http://schemas.microsoft.com/office/drawing/2014/main" xmlns="" id="{166ECFFA-44BE-5742-8DF8-D72529A7E041}"/>
               </a:ext>
             </a:extLst>
           </p:cNvPr>
@@ -942,7 +941,7 @@
             <a:fld id="{FE20AB6E-091C-844F-ABF9-3EF4C2336578}" type="datetimeFigureOut">
               <a:rPr kumimoji="1" lang="x-none" altLang="en-US" smtClean="0"/>
               <a:pPr/>
-              <a:t>2022-06-17</a:t>
+              <a:t>2022-06-18</a:t>
             </a:fld>
             <a:endParaRPr kumimoji="1" lang="x-none" altLang="en-US"/>
           </a:p>
@@ -953,7 +952,7 @@
           <p:cNvPr id="5" name="바닥글 개체 틀 4">
             <a:extLst>
               <a:ext uri="{FF2B5EF4-FFF2-40B4-BE49-F238E27FC236}">
-                <a16:creationId xmlns="" xmlns:a16="http://schemas.microsoft.com/office/drawing/2014/main" id="{90AA712B-F4A3-9548-8006-8C6A33136989}"/>
+                <a16:creationId xmlns:a16="http://schemas.microsoft.com/office/drawing/2014/main" xmlns="" id="{90AA712B-F4A3-9548-8006-8C6A33136989}"/>
               </a:ext>
             </a:extLst>
           </p:cNvPr>
@@ -986,7 +985,7 @@
           <p:cNvPr id="6" name="슬라이드 번호 개체 틀 5">
             <a:extLst>
               <a:ext uri="{FF2B5EF4-FFF2-40B4-BE49-F238E27FC236}">
-                <a16:creationId xmlns="" xmlns:a16="http://schemas.microsoft.com/office/drawing/2014/main" id="{E78572B2-8B03-ED42-831C-7E5F3A7C35D7}"/>
+                <a16:creationId xmlns:a16="http://schemas.microsoft.com/office/drawing/2014/main" xmlns="" id="{E78572B2-8B03-ED42-831C-7E5F3A7C35D7}"/>
               </a:ext>
             </a:extLst>
           </p:cNvPr>
@@ -1022,7 +1021,7 @@
     </p:spTree>
     <p:extLst>
       <p:ext uri="{BB962C8B-B14F-4D97-AF65-F5344CB8AC3E}">
-        <p14:creationId xmlns="" xmlns:p14="http://schemas.microsoft.com/office/powerpoint/2010/main" val="2426936385"/>
+        <p14:creationId xmlns:p14="http://schemas.microsoft.com/office/powerpoint/2010/main" xmlns="" val="2426936385"/>
       </p:ext>
     </p:extLst>
   </p:cSld>
@@ -1054,7 +1053,7 @@
           <p:cNvPr id="2" name="세로 제목 1">
             <a:extLst>
               <a:ext uri="{FF2B5EF4-FFF2-40B4-BE49-F238E27FC236}">
-                <a16:creationId xmlns="" xmlns:a16="http://schemas.microsoft.com/office/drawing/2014/main" id="{33DB958B-9F52-5047-BA9C-CCD563B56D7B}"/>
+                <a16:creationId xmlns:a16="http://schemas.microsoft.com/office/drawing/2014/main" xmlns="" id="{33DB958B-9F52-5047-BA9C-CCD563B56D7B}"/>
               </a:ext>
             </a:extLst>
           </p:cNvPr>
@@ -1091,7 +1090,7 @@
           <p:cNvPr id="3" name="세로 텍스트 개체 틀 2">
             <a:extLst>
               <a:ext uri="{FF2B5EF4-FFF2-40B4-BE49-F238E27FC236}">
-                <a16:creationId xmlns="" xmlns:a16="http://schemas.microsoft.com/office/drawing/2014/main" id="{422964C8-EE40-014B-B029-2F0B840EE9EA}"/>
+                <a16:creationId xmlns:a16="http://schemas.microsoft.com/office/drawing/2014/main" xmlns="" id="{422964C8-EE40-014B-B029-2F0B840EE9EA}"/>
               </a:ext>
             </a:extLst>
           </p:cNvPr>
@@ -1157,7 +1156,7 @@
           <p:cNvPr id="4" name="날짜 개체 틀 3">
             <a:extLst>
               <a:ext uri="{FF2B5EF4-FFF2-40B4-BE49-F238E27FC236}">
-                <a16:creationId xmlns="" xmlns:a16="http://schemas.microsoft.com/office/drawing/2014/main" id="{5B4F3365-A4A2-264C-945A-DCBA1B6E6593}"/>
+                <a16:creationId xmlns:a16="http://schemas.microsoft.com/office/drawing/2014/main" xmlns="" id="{5B4F3365-A4A2-264C-945A-DCBA1B6E6593}"/>
               </a:ext>
             </a:extLst>
           </p:cNvPr>
@@ -1184,7 +1183,7 @@
             <a:fld id="{FE20AB6E-091C-844F-ABF9-3EF4C2336578}" type="datetimeFigureOut">
               <a:rPr kumimoji="1" lang="x-none" altLang="en-US" smtClean="0"/>
               <a:pPr/>
-              <a:t>2022-06-17</a:t>
+              <a:t>2022-06-18</a:t>
             </a:fld>
             <a:endParaRPr kumimoji="1" lang="x-none" altLang="en-US"/>
           </a:p>
@@ -1195,7 +1194,7 @@
           <p:cNvPr id="5" name="바닥글 개체 틀 4">
             <a:extLst>
               <a:ext uri="{FF2B5EF4-FFF2-40B4-BE49-F238E27FC236}">
-                <a16:creationId xmlns="" xmlns:a16="http://schemas.microsoft.com/office/drawing/2014/main" id="{3A3C17BB-7479-F74C-8605-96575BDE0D82}"/>
+                <a16:creationId xmlns:a16="http://schemas.microsoft.com/office/drawing/2014/main" xmlns="" id="{3A3C17BB-7479-F74C-8605-96575BDE0D82}"/>
               </a:ext>
             </a:extLst>
           </p:cNvPr>
@@ -1228,7 +1227,7 @@
           <p:cNvPr id="6" name="슬라이드 번호 개체 틀 5">
             <a:extLst>
               <a:ext uri="{FF2B5EF4-FFF2-40B4-BE49-F238E27FC236}">
-                <a16:creationId xmlns="" xmlns:a16="http://schemas.microsoft.com/office/drawing/2014/main" id="{C4511452-4FD6-374E-9D80-EE209AA3E840}"/>
+                <a16:creationId xmlns:a16="http://schemas.microsoft.com/office/drawing/2014/main" xmlns="" id="{C4511452-4FD6-374E-9D80-EE209AA3E840}"/>
               </a:ext>
             </a:extLst>
           </p:cNvPr>
@@ -1264,7 +1263,7 @@
     </p:spTree>
     <p:extLst>
       <p:ext uri="{BB962C8B-B14F-4D97-AF65-F5344CB8AC3E}">
-        <p14:creationId xmlns="" xmlns:p14="http://schemas.microsoft.com/office/powerpoint/2010/main" val="3521214391"/>
+        <p14:creationId xmlns:p14="http://schemas.microsoft.com/office/powerpoint/2010/main" xmlns="" val="3521214391"/>
       </p:ext>
     </p:extLst>
   </p:cSld>
@@ -1394,7 +1393,7 @@
             <a:fld id="{1D8BD707-D9CF-40AE-B4C6-C98DA3205C09}" type="datetimeFigureOut">
               <a:rPr lang="en-US"/>
               <a:pPr/>
-              <a:t>6/17/2022</a:t>
+              <a:t>6/18/2022</a:t>
             </a:fld>
             <a:endParaRPr lang="en-US"/>
           </a:p>
@@ -1446,7 +1445,7 @@
     </p:spTree>
     <p:extLst>
       <p:ext uri="{BB962C8B-B14F-4D97-AF65-F5344CB8AC3E}">
-        <p14:creationId xmlns="" xmlns:p14="http://schemas.microsoft.com/office/powerpoint/2010/main" val="2232792096"/>
+        <p14:creationId xmlns:p14="http://schemas.microsoft.com/office/powerpoint/2010/main" xmlns="" val="2232792096"/>
       </p:ext>
     </p:extLst>
   </p:cSld>
@@ -1478,7 +1477,7 @@
           <p:cNvPr id="2" name="제목 1">
             <a:extLst>
               <a:ext uri="{FF2B5EF4-FFF2-40B4-BE49-F238E27FC236}">
-                <a16:creationId xmlns="" xmlns:a16="http://schemas.microsoft.com/office/drawing/2014/main" id="{0013328A-F6B8-9340-A6CF-F201493A3506}"/>
+                <a16:creationId xmlns:a16="http://schemas.microsoft.com/office/drawing/2014/main" xmlns="" id="{0013328A-F6B8-9340-A6CF-F201493A3506}"/>
               </a:ext>
             </a:extLst>
           </p:cNvPr>
@@ -1515,7 +1514,7 @@
           <p:cNvPr id="3" name="내용 개체 틀 2">
             <a:extLst>
               <a:ext uri="{FF2B5EF4-FFF2-40B4-BE49-F238E27FC236}">
-                <a16:creationId xmlns="" xmlns:a16="http://schemas.microsoft.com/office/drawing/2014/main" id="{6ABED714-468C-514D-AD3B-7F3757A85B56}"/>
+                <a16:creationId xmlns:a16="http://schemas.microsoft.com/office/drawing/2014/main" xmlns="" id="{6ABED714-468C-514D-AD3B-7F3757A85B56}"/>
               </a:ext>
             </a:extLst>
           </p:cNvPr>
@@ -1581,7 +1580,7 @@
           <p:cNvPr id="9" name="바닥글 개체 틀 4">
             <a:extLst>
               <a:ext uri="{FF2B5EF4-FFF2-40B4-BE49-F238E27FC236}">
-                <a16:creationId xmlns="" xmlns:a16="http://schemas.microsoft.com/office/drawing/2014/main" id="{941514A0-0E2E-BA46-AF02-70942E3A9028}"/>
+                <a16:creationId xmlns:a16="http://schemas.microsoft.com/office/drawing/2014/main" xmlns="" id="{941514A0-0E2E-BA46-AF02-70942E3A9028}"/>
               </a:ext>
             </a:extLst>
           </p:cNvPr>
@@ -1766,7 +1765,7 @@
           <p:cNvPr id="12" name="바닥글 개체 틀 4">
             <a:extLst>
               <a:ext uri="{FF2B5EF4-FFF2-40B4-BE49-F238E27FC236}">
-                <a16:creationId xmlns="" xmlns:a16="http://schemas.microsoft.com/office/drawing/2014/main" id="{A1B7307E-0CA1-F649-9850-0C58E51E42FD}"/>
+                <a16:creationId xmlns:a16="http://schemas.microsoft.com/office/drawing/2014/main" xmlns="" id="{A1B7307E-0CA1-F649-9850-0C58E51E42FD}"/>
               </a:ext>
             </a:extLst>
           </p:cNvPr>
@@ -1913,7 +1912,7 @@
     </p:spTree>
     <p:extLst>
       <p:ext uri="{BB962C8B-B14F-4D97-AF65-F5344CB8AC3E}">
-        <p14:creationId xmlns="" xmlns:p14="http://schemas.microsoft.com/office/powerpoint/2010/main" val="1946730765"/>
+        <p14:creationId xmlns:p14="http://schemas.microsoft.com/office/powerpoint/2010/main" xmlns="" val="1946730765"/>
       </p:ext>
     </p:extLst>
   </p:cSld>
@@ -1945,7 +1944,7 @@
           <p:cNvPr id="2" name="제목 1">
             <a:extLst>
               <a:ext uri="{FF2B5EF4-FFF2-40B4-BE49-F238E27FC236}">
-                <a16:creationId xmlns="" xmlns:a16="http://schemas.microsoft.com/office/drawing/2014/main" id="{A4A4847D-5BB9-3945-B766-0EADB962F3FB}"/>
+                <a16:creationId xmlns:a16="http://schemas.microsoft.com/office/drawing/2014/main" xmlns="" id="{A4A4847D-5BB9-3945-B766-0EADB962F3FB}"/>
               </a:ext>
             </a:extLst>
           </p:cNvPr>
@@ -1986,7 +1985,7 @@
           <p:cNvPr id="3" name="텍스트 개체 틀 2">
             <a:extLst>
               <a:ext uri="{FF2B5EF4-FFF2-40B4-BE49-F238E27FC236}">
-                <a16:creationId xmlns="" xmlns:a16="http://schemas.microsoft.com/office/drawing/2014/main" id="{DA1BB496-D39C-A348-B1C7-B386FFA317AC}"/>
+                <a16:creationId xmlns:a16="http://schemas.microsoft.com/office/drawing/2014/main" xmlns="" id="{DA1BB496-D39C-A348-B1C7-B386FFA317AC}"/>
               </a:ext>
             </a:extLst>
           </p:cNvPr>
@@ -2114,7 +2113,7 @@
           <p:cNvPr id="4" name="날짜 개체 틀 3">
             <a:extLst>
               <a:ext uri="{FF2B5EF4-FFF2-40B4-BE49-F238E27FC236}">
-                <a16:creationId xmlns="" xmlns:a16="http://schemas.microsoft.com/office/drawing/2014/main" id="{CA45830F-5288-AD4A-A2E0-37872AD0746F}"/>
+                <a16:creationId xmlns:a16="http://schemas.microsoft.com/office/drawing/2014/main" xmlns="" id="{CA45830F-5288-AD4A-A2E0-37872AD0746F}"/>
               </a:ext>
             </a:extLst>
           </p:cNvPr>
@@ -2141,7 +2140,7 @@
             <a:fld id="{FE20AB6E-091C-844F-ABF9-3EF4C2336578}" type="datetimeFigureOut">
               <a:rPr kumimoji="1" lang="x-none" altLang="en-US" smtClean="0"/>
               <a:pPr/>
-              <a:t>2022-06-17</a:t>
+              <a:t>2022-06-18</a:t>
             </a:fld>
             <a:endParaRPr kumimoji="1" lang="x-none" altLang="en-US"/>
           </a:p>
@@ -2152,7 +2151,7 @@
           <p:cNvPr id="5" name="바닥글 개체 틀 4">
             <a:extLst>
               <a:ext uri="{FF2B5EF4-FFF2-40B4-BE49-F238E27FC236}">
-                <a16:creationId xmlns="" xmlns:a16="http://schemas.microsoft.com/office/drawing/2014/main" id="{08FBB8B9-4371-B547-9056-9CAD36306159}"/>
+                <a16:creationId xmlns:a16="http://schemas.microsoft.com/office/drawing/2014/main" xmlns="" id="{08FBB8B9-4371-B547-9056-9CAD36306159}"/>
               </a:ext>
             </a:extLst>
           </p:cNvPr>
@@ -2185,7 +2184,7 @@
           <p:cNvPr id="6" name="슬라이드 번호 개체 틀 5">
             <a:extLst>
               <a:ext uri="{FF2B5EF4-FFF2-40B4-BE49-F238E27FC236}">
-                <a16:creationId xmlns="" xmlns:a16="http://schemas.microsoft.com/office/drawing/2014/main" id="{E34FBC5E-9EA0-D242-A86E-C38E6481D4CF}"/>
+                <a16:creationId xmlns:a16="http://schemas.microsoft.com/office/drawing/2014/main" xmlns="" id="{E34FBC5E-9EA0-D242-A86E-C38E6481D4CF}"/>
               </a:ext>
             </a:extLst>
           </p:cNvPr>
@@ -2221,7 +2220,7 @@
     </p:spTree>
     <p:extLst>
       <p:ext uri="{BB962C8B-B14F-4D97-AF65-F5344CB8AC3E}">
-        <p14:creationId xmlns="" xmlns:p14="http://schemas.microsoft.com/office/powerpoint/2010/main" val="2729888429"/>
+        <p14:creationId xmlns:p14="http://schemas.microsoft.com/office/powerpoint/2010/main" xmlns="" val="2729888429"/>
       </p:ext>
     </p:extLst>
   </p:cSld>
@@ -2253,7 +2252,7 @@
           <p:cNvPr id="2" name="제목 1">
             <a:extLst>
               <a:ext uri="{FF2B5EF4-FFF2-40B4-BE49-F238E27FC236}">
-                <a16:creationId xmlns="" xmlns:a16="http://schemas.microsoft.com/office/drawing/2014/main" id="{D8D61643-B596-A047-9645-3B031F04BD39}"/>
+                <a16:creationId xmlns:a16="http://schemas.microsoft.com/office/drawing/2014/main" xmlns="" id="{D8D61643-B596-A047-9645-3B031F04BD39}"/>
               </a:ext>
             </a:extLst>
           </p:cNvPr>
@@ -2290,7 +2289,7 @@
           <p:cNvPr id="3" name="내용 개체 틀 2">
             <a:extLst>
               <a:ext uri="{FF2B5EF4-FFF2-40B4-BE49-F238E27FC236}">
-                <a16:creationId xmlns="" xmlns:a16="http://schemas.microsoft.com/office/drawing/2014/main" id="{D69768D8-8CB5-CE49-BE27-1A15A71433FB}"/>
+                <a16:creationId xmlns:a16="http://schemas.microsoft.com/office/drawing/2014/main" xmlns="" id="{D69768D8-8CB5-CE49-BE27-1A15A71433FB}"/>
               </a:ext>
             </a:extLst>
           </p:cNvPr>
@@ -2356,7 +2355,7 @@
           <p:cNvPr id="4" name="내용 개체 틀 3">
             <a:extLst>
               <a:ext uri="{FF2B5EF4-FFF2-40B4-BE49-F238E27FC236}">
-                <a16:creationId xmlns="" xmlns:a16="http://schemas.microsoft.com/office/drawing/2014/main" id="{382824C5-10C8-0440-AFA3-54CAE764843F}"/>
+                <a16:creationId xmlns:a16="http://schemas.microsoft.com/office/drawing/2014/main" xmlns="" id="{382824C5-10C8-0440-AFA3-54CAE764843F}"/>
               </a:ext>
             </a:extLst>
           </p:cNvPr>
@@ -2422,7 +2421,7 @@
           <p:cNvPr id="5" name="날짜 개체 틀 4">
             <a:extLst>
               <a:ext uri="{FF2B5EF4-FFF2-40B4-BE49-F238E27FC236}">
-                <a16:creationId xmlns="" xmlns:a16="http://schemas.microsoft.com/office/drawing/2014/main" id="{93E330CA-6D69-E64A-A9AB-C3B9D30EE96A}"/>
+                <a16:creationId xmlns:a16="http://schemas.microsoft.com/office/drawing/2014/main" xmlns="" id="{93E330CA-6D69-E64A-A9AB-C3B9D30EE96A}"/>
               </a:ext>
             </a:extLst>
           </p:cNvPr>
@@ -2449,7 +2448,7 @@
             <a:fld id="{FE20AB6E-091C-844F-ABF9-3EF4C2336578}" type="datetimeFigureOut">
               <a:rPr kumimoji="1" lang="x-none" altLang="en-US" smtClean="0"/>
               <a:pPr/>
-              <a:t>2022-06-17</a:t>
+              <a:t>2022-06-18</a:t>
             </a:fld>
             <a:endParaRPr kumimoji="1" lang="x-none" altLang="en-US"/>
           </a:p>
@@ -2460,7 +2459,7 @@
           <p:cNvPr id="6" name="바닥글 개체 틀 5">
             <a:extLst>
               <a:ext uri="{FF2B5EF4-FFF2-40B4-BE49-F238E27FC236}">
-                <a16:creationId xmlns="" xmlns:a16="http://schemas.microsoft.com/office/drawing/2014/main" id="{9E4499F5-CB43-7548-AE88-8913897F4021}"/>
+                <a16:creationId xmlns:a16="http://schemas.microsoft.com/office/drawing/2014/main" xmlns="" id="{9E4499F5-CB43-7548-AE88-8913897F4021}"/>
               </a:ext>
             </a:extLst>
           </p:cNvPr>
@@ -2493,7 +2492,7 @@
           <p:cNvPr id="7" name="슬라이드 번호 개체 틀 6">
             <a:extLst>
               <a:ext uri="{FF2B5EF4-FFF2-40B4-BE49-F238E27FC236}">
-                <a16:creationId xmlns="" xmlns:a16="http://schemas.microsoft.com/office/drawing/2014/main" id="{8E5C009E-C0C3-4E49-AA09-4315BA83AA05}"/>
+                <a16:creationId xmlns:a16="http://schemas.microsoft.com/office/drawing/2014/main" xmlns="" id="{8E5C009E-C0C3-4E49-AA09-4315BA83AA05}"/>
               </a:ext>
             </a:extLst>
           </p:cNvPr>
@@ -2529,7 +2528,7 @@
     </p:spTree>
     <p:extLst>
       <p:ext uri="{BB962C8B-B14F-4D97-AF65-F5344CB8AC3E}">
-        <p14:creationId xmlns="" xmlns:p14="http://schemas.microsoft.com/office/powerpoint/2010/main" val="52935017"/>
+        <p14:creationId xmlns:p14="http://schemas.microsoft.com/office/powerpoint/2010/main" xmlns="" val="52935017"/>
       </p:ext>
     </p:extLst>
   </p:cSld>
@@ -2561,7 +2560,7 @@
           <p:cNvPr id="2" name="제목 1">
             <a:extLst>
               <a:ext uri="{FF2B5EF4-FFF2-40B4-BE49-F238E27FC236}">
-                <a16:creationId xmlns="" xmlns:a16="http://schemas.microsoft.com/office/drawing/2014/main" id="{7C01811D-13C0-7D4D-97E1-55EC89D114B6}"/>
+                <a16:creationId xmlns:a16="http://schemas.microsoft.com/office/drawing/2014/main" xmlns="" id="{7C01811D-13C0-7D4D-97E1-55EC89D114B6}"/>
               </a:ext>
             </a:extLst>
           </p:cNvPr>
@@ -2598,7 +2597,7 @@
           <p:cNvPr id="3" name="텍스트 개체 틀 2">
             <a:extLst>
               <a:ext uri="{FF2B5EF4-FFF2-40B4-BE49-F238E27FC236}">
-                <a16:creationId xmlns="" xmlns:a16="http://schemas.microsoft.com/office/drawing/2014/main" id="{37C1E064-92DA-D240-923C-9AC3F2ED7E96}"/>
+                <a16:creationId xmlns:a16="http://schemas.microsoft.com/office/drawing/2014/main" xmlns="" id="{37C1E064-92DA-D240-923C-9AC3F2ED7E96}"/>
               </a:ext>
             </a:extLst>
           </p:cNvPr>
@@ -2672,7 +2671,7 @@
           <p:cNvPr id="4" name="내용 개체 틀 3">
             <a:extLst>
               <a:ext uri="{FF2B5EF4-FFF2-40B4-BE49-F238E27FC236}">
-                <a16:creationId xmlns="" xmlns:a16="http://schemas.microsoft.com/office/drawing/2014/main" id="{1E646141-444B-2445-AD00-9311E7F86375}"/>
+                <a16:creationId xmlns:a16="http://schemas.microsoft.com/office/drawing/2014/main" xmlns="" id="{1E646141-444B-2445-AD00-9311E7F86375}"/>
               </a:ext>
             </a:extLst>
           </p:cNvPr>
@@ -2738,7 +2737,7 @@
           <p:cNvPr id="5" name="텍스트 개체 틀 4">
             <a:extLst>
               <a:ext uri="{FF2B5EF4-FFF2-40B4-BE49-F238E27FC236}">
-                <a16:creationId xmlns="" xmlns:a16="http://schemas.microsoft.com/office/drawing/2014/main" id="{7DE916FB-92A2-B049-803C-C91062CAE2C7}"/>
+                <a16:creationId xmlns:a16="http://schemas.microsoft.com/office/drawing/2014/main" xmlns="" id="{7DE916FB-92A2-B049-803C-C91062CAE2C7}"/>
               </a:ext>
             </a:extLst>
           </p:cNvPr>
@@ -2812,7 +2811,7 @@
           <p:cNvPr id="6" name="내용 개체 틀 5">
             <a:extLst>
               <a:ext uri="{FF2B5EF4-FFF2-40B4-BE49-F238E27FC236}">
-                <a16:creationId xmlns="" xmlns:a16="http://schemas.microsoft.com/office/drawing/2014/main" id="{ED708E14-E7D4-9540-B3AF-3C050AE9B6E8}"/>
+                <a16:creationId xmlns:a16="http://schemas.microsoft.com/office/drawing/2014/main" xmlns="" id="{ED708E14-E7D4-9540-B3AF-3C050AE9B6E8}"/>
               </a:ext>
             </a:extLst>
           </p:cNvPr>
@@ -2878,7 +2877,7 @@
           <p:cNvPr id="7" name="날짜 개체 틀 6">
             <a:extLst>
               <a:ext uri="{FF2B5EF4-FFF2-40B4-BE49-F238E27FC236}">
-                <a16:creationId xmlns="" xmlns:a16="http://schemas.microsoft.com/office/drawing/2014/main" id="{53F67C61-BA5F-C94C-8197-B4E5CC333CA5}"/>
+                <a16:creationId xmlns:a16="http://schemas.microsoft.com/office/drawing/2014/main" xmlns="" id="{53F67C61-BA5F-C94C-8197-B4E5CC333CA5}"/>
               </a:ext>
             </a:extLst>
           </p:cNvPr>
@@ -2905,7 +2904,7 @@
             <a:fld id="{FE20AB6E-091C-844F-ABF9-3EF4C2336578}" type="datetimeFigureOut">
               <a:rPr kumimoji="1" lang="x-none" altLang="en-US" smtClean="0"/>
               <a:pPr/>
-              <a:t>2022-06-17</a:t>
+              <a:t>2022-06-18</a:t>
             </a:fld>
             <a:endParaRPr kumimoji="1" lang="x-none" altLang="en-US"/>
           </a:p>
@@ -2916,7 +2915,7 @@
           <p:cNvPr id="8" name="바닥글 개체 틀 7">
             <a:extLst>
               <a:ext uri="{FF2B5EF4-FFF2-40B4-BE49-F238E27FC236}">
-                <a16:creationId xmlns="" xmlns:a16="http://schemas.microsoft.com/office/drawing/2014/main" id="{74E93593-D556-414B-870F-070ED2DD8E7E}"/>
+                <a16:creationId xmlns:a16="http://schemas.microsoft.com/office/drawing/2014/main" xmlns="" id="{74E93593-D556-414B-870F-070ED2DD8E7E}"/>
               </a:ext>
             </a:extLst>
           </p:cNvPr>
@@ -2949,7 +2948,7 @@
           <p:cNvPr id="9" name="슬라이드 번호 개체 틀 8">
             <a:extLst>
               <a:ext uri="{FF2B5EF4-FFF2-40B4-BE49-F238E27FC236}">
-                <a16:creationId xmlns="" xmlns:a16="http://schemas.microsoft.com/office/drawing/2014/main" id="{F683A9B5-F0BA-4A4D-ADD3-94E58522F277}"/>
+                <a16:creationId xmlns:a16="http://schemas.microsoft.com/office/drawing/2014/main" xmlns="" id="{F683A9B5-F0BA-4A4D-ADD3-94E58522F277}"/>
               </a:ext>
             </a:extLst>
           </p:cNvPr>
@@ -2985,7 +2984,7 @@
     </p:spTree>
     <p:extLst>
       <p:ext uri="{BB962C8B-B14F-4D97-AF65-F5344CB8AC3E}">
-        <p14:creationId xmlns="" xmlns:p14="http://schemas.microsoft.com/office/powerpoint/2010/main" val="1098682778"/>
+        <p14:creationId xmlns:p14="http://schemas.microsoft.com/office/powerpoint/2010/main" xmlns="" val="1098682778"/>
       </p:ext>
     </p:extLst>
   </p:cSld>
@@ -3017,7 +3016,7 @@
           <p:cNvPr id="2" name="제목 1">
             <a:extLst>
               <a:ext uri="{FF2B5EF4-FFF2-40B4-BE49-F238E27FC236}">
-                <a16:creationId xmlns="" xmlns:a16="http://schemas.microsoft.com/office/drawing/2014/main" id="{6E247AC5-73FB-784E-8DED-62B507C3BE69}"/>
+                <a16:creationId xmlns:a16="http://schemas.microsoft.com/office/drawing/2014/main" xmlns="" id="{6E247AC5-73FB-784E-8DED-62B507C3BE69}"/>
               </a:ext>
             </a:extLst>
           </p:cNvPr>
@@ -3054,7 +3053,7 @@
           <p:cNvPr id="3" name="날짜 개체 틀 2">
             <a:extLst>
               <a:ext uri="{FF2B5EF4-FFF2-40B4-BE49-F238E27FC236}">
-                <a16:creationId xmlns="" xmlns:a16="http://schemas.microsoft.com/office/drawing/2014/main" id="{A02F08E0-3E03-5B48-9DFC-6EAA12453D14}"/>
+                <a16:creationId xmlns:a16="http://schemas.microsoft.com/office/drawing/2014/main" xmlns="" id="{A02F08E0-3E03-5B48-9DFC-6EAA12453D14}"/>
               </a:ext>
             </a:extLst>
           </p:cNvPr>
@@ -3081,7 +3080,7 @@
             <a:fld id="{FE20AB6E-091C-844F-ABF9-3EF4C2336578}" type="datetimeFigureOut">
               <a:rPr kumimoji="1" lang="x-none" altLang="en-US" smtClean="0"/>
               <a:pPr/>
-              <a:t>2022-06-17</a:t>
+              <a:t>2022-06-18</a:t>
             </a:fld>
             <a:endParaRPr kumimoji="1" lang="x-none" altLang="en-US"/>
           </a:p>
@@ -3092,7 +3091,7 @@
           <p:cNvPr id="4" name="바닥글 개체 틀 3">
             <a:extLst>
               <a:ext uri="{FF2B5EF4-FFF2-40B4-BE49-F238E27FC236}">
-                <a16:creationId xmlns="" xmlns:a16="http://schemas.microsoft.com/office/drawing/2014/main" id="{8DD16769-D995-5C40-89FE-F137209F49AE}"/>
+                <a16:creationId xmlns:a16="http://schemas.microsoft.com/office/drawing/2014/main" xmlns="" id="{8DD16769-D995-5C40-89FE-F137209F49AE}"/>
               </a:ext>
             </a:extLst>
           </p:cNvPr>
@@ -3125,7 +3124,7 @@
           <p:cNvPr id="5" name="슬라이드 번호 개체 틀 4">
             <a:extLst>
               <a:ext uri="{FF2B5EF4-FFF2-40B4-BE49-F238E27FC236}">
-                <a16:creationId xmlns="" xmlns:a16="http://schemas.microsoft.com/office/drawing/2014/main" id="{146A01EA-2EA0-9447-9D9E-05ADEE1939F1}"/>
+                <a16:creationId xmlns:a16="http://schemas.microsoft.com/office/drawing/2014/main" xmlns="" id="{146A01EA-2EA0-9447-9D9E-05ADEE1939F1}"/>
               </a:ext>
             </a:extLst>
           </p:cNvPr>
@@ -3161,7 +3160,7 @@
     </p:spTree>
     <p:extLst>
       <p:ext uri="{BB962C8B-B14F-4D97-AF65-F5344CB8AC3E}">
-        <p14:creationId xmlns="" xmlns:p14="http://schemas.microsoft.com/office/powerpoint/2010/main" val="1833252104"/>
+        <p14:creationId xmlns:p14="http://schemas.microsoft.com/office/powerpoint/2010/main" xmlns="" val="1833252104"/>
       </p:ext>
     </p:extLst>
   </p:cSld>
@@ -3193,7 +3192,7 @@
           <p:cNvPr id="2" name="날짜 개체 틀 1">
             <a:extLst>
               <a:ext uri="{FF2B5EF4-FFF2-40B4-BE49-F238E27FC236}">
-                <a16:creationId xmlns="" xmlns:a16="http://schemas.microsoft.com/office/drawing/2014/main" id="{55C02455-6981-B74F-8B79-6DF8073784A1}"/>
+                <a16:creationId xmlns:a16="http://schemas.microsoft.com/office/drawing/2014/main" xmlns="" id="{55C02455-6981-B74F-8B79-6DF8073784A1}"/>
               </a:ext>
             </a:extLst>
           </p:cNvPr>
@@ -3220,7 +3219,7 @@
             <a:fld id="{FE20AB6E-091C-844F-ABF9-3EF4C2336578}" type="datetimeFigureOut">
               <a:rPr kumimoji="1" lang="x-none" altLang="en-US" smtClean="0"/>
               <a:pPr/>
-              <a:t>2022-06-17</a:t>
+              <a:t>2022-06-18</a:t>
             </a:fld>
             <a:endParaRPr kumimoji="1" lang="x-none" altLang="en-US"/>
           </a:p>
@@ -3231,7 +3230,7 @@
           <p:cNvPr id="3" name="바닥글 개체 틀 2">
             <a:extLst>
               <a:ext uri="{FF2B5EF4-FFF2-40B4-BE49-F238E27FC236}">
-                <a16:creationId xmlns="" xmlns:a16="http://schemas.microsoft.com/office/drawing/2014/main" id="{51F68BC3-AA06-B646-85C0-3754C40CDDA9}"/>
+                <a16:creationId xmlns:a16="http://schemas.microsoft.com/office/drawing/2014/main" xmlns="" id="{51F68BC3-AA06-B646-85C0-3754C40CDDA9}"/>
               </a:ext>
             </a:extLst>
           </p:cNvPr>
@@ -3264,7 +3263,7 @@
           <p:cNvPr id="4" name="슬라이드 번호 개체 틀 3">
             <a:extLst>
               <a:ext uri="{FF2B5EF4-FFF2-40B4-BE49-F238E27FC236}">
-                <a16:creationId xmlns="" xmlns:a16="http://schemas.microsoft.com/office/drawing/2014/main" id="{B4CD303D-6A7D-4645-A406-F22C50CE834D}"/>
+                <a16:creationId xmlns:a16="http://schemas.microsoft.com/office/drawing/2014/main" xmlns="" id="{B4CD303D-6A7D-4645-A406-F22C50CE834D}"/>
               </a:ext>
             </a:extLst>
           </p:cNvPr>
@@ -3300,7 +3299,7 @@
     </p:spTree>
     <p:extLst>
       <p:ext uri="{BB962C8B-B14F-4D97-AF65-F5344CB8AC3E}">
-        <p14:creationId xmlns="" xmlns:p14="http://schemas.microsoft.com/office/powerpoint/2010/main" val="866168486"/>
+        <p14:creationId xmlns:p14="http://schemas.microsoft.com/office/powerpoint/2010/main" xmlns="" val="866168486"/>
       </p:ext>
     </p:extLst>
   </p:cSld>
@@ -3332,7 +3331,7 @@
           <p:cNvPr id="2" name="제목 1">
             <a:extLst>
               <a:ext uri="{FF2B5EF4-FFF2-40B4-BE49-F238E27FC236}">
-                <a16:creationId xmlns="" xmlns:a16="http://schemas.microsoft.com/office/drawing/2014/main" id="{5C55B9B3-27DD-734F-883B-BC021ABE031F}"/>
+                <a16:creationId xmlns:a16="http://schemas.microsoft.com/office/drawing/2014/main" xmlns="" id="{5C55B9B3-27DD-734F-883B-BC021ABE031F}"/>
               </a:ext>
             </a:extLst>
           </p:cNvPr>
@@ -3373,7 +3372,7 @@
           <p:cNvPr id="3" name="내용 개체 틀 2">
             <a:extLst>
               <a:ext uri="{FF2B5EF4-FFF2-40B4-BE49-F238E27FC236}">
-                <a16:creationId xmlns="" xmlns:a16="http://schemas.microsoft.com/office/drawing/2014/main" id="{3CE9FE82-CCA8-E240-AB65-75A84F9021BE}"/>
+                <a16:creationId xmlns:a16="http://schemas.microsoft.com/office/drawing/2014/main" xmlns="" id="{3CE9FE82-CCA8-E240-AB65-75A84F9021BE}"/>
               </a:ext>
             </a:extLst>
           </p:cNvPr>
@@ -3467,7 +3466,7 @@
           <p:cNvPr id="4" name="텍스트 개체 틀 3">
             <a:extLst>
               <a:ext uri="{FF2B5EF4-FFF2-40B4-BE49-F238E27FC236}">
-                <a16:creationId xmlns="" xmlns:a16="http://schemas.microsoft.com/office/drawing/2014/main" id="{4BB8436B-5FE2-1447-9EC3-BEAF9A68C39B}"/>
+                <a16:creationId xmlns:a16="http://schemas.microsoft.com/office/drawing/2014/main" xmlns="" id="{4BB8436B-5FE2-1447-9EC3-BEAF9A68C39B}"/>
               </a:ext>
             </a:extLst>
           </p:cNvPr>
@@ -3541,7 +3540,7 @@
           <p:cNvPr id="5" name="날짜 개체 틀 4">
             <a:extLst>
               <a:ext uri="{FF2B5EF4-FFF2-40B4-BE49-F238E27FC236}">
-                <a16:creationId xmlns="" xmlns:a16="http://schemas.microsoft.com/office/drawing/2014/main" id="{C9E51C8C-7C12-2245-A863-1244B7A9312C}"/>
+                <a16:creationId xmlns:a16="http://schemas.microsoft.com/office/drawing/2014/main" xmlns="" id="{C9E51C8C-7C12-2245-A863-1244B7A9312C}"/>
               </a:ext>
             </a:extLst>
           </p:cNvPr>
@@ -3568,7 +3567,7 @@
             <a:fld id="{FE20AB6E-091C-844F-ABF9-3EF4C2336578}" type="datetimeFigureOut">
               <a:rPr kumimoji="1" lang="x-none" altLang="en-US" smtClean="0"/>
               <a:pPr/>
-              <a:t>2022-06-17</a:t>
+              <a:t>2022-06-18</a:t>
             </a:fld>
             <a:endParaRPr kumimoji="1" lang="x-none" altLang="en-US"/>
           </a:p>
@@ -3579,7 +3578,7 @@
           <p:cNvPr id="6" name="바닥글 개체 틀 5">
             <a:extLst>
               <a:ext uri="{FF2B5EF4-FFF2-40B4-BE49-F238E27FC236}">
-                <a16:creationId xmlns="" xmlns:a16="http://schemas.microsoft.com/office/drawing/2014/main" id="{4782CB7C-D627-9647-8F56-B00CB9A302A4}"/>
+                <a16:creationId xmlns:a16="http://schemas.microsoft.com/office/drawing/2014/main" xmlns="" id="{4782CB7C-D627-9647-8F56-B00CB9A302A4}"/>
               </a:ext>
             </a:extLst>
           </p:cNvPr>
@@ -3612,7 +3611,7 @@
           <p:cNvPr id="7" name="슬라이드 번호 개체 틀 6">
             <a:extLst>
               <a:ext uri="{FF2B5EF4-FFF2-40B4-BE49-F238E27FC236}">
-                <a16:creationId xmlns="" xmlns:a16="http://schemas.microsoft.com/office/drawing/2014/main" id="{4CD74BA3-F423-A34B-8800-A6045769CBE1}"/>
+                <a16:creationId xmlns:a16="http://schemas.microsoft.com/office/drawing/2014/main" xmlns="" id="{4CD74BA3-F423-A34B-8800-A6045769CBE1}"/>
               </a:ext>
             </a:extLst>
           </p:cNvPr>
@@ -3648,7 +3647,7 @@
     </p:spTree>
     <p:extLst>
       <p:ext uri="{BB962C8B-B14F-4D97-AF65-F5344CB8AC3E}">
-        <p14:creationId xmlns="" xmlns:p14="http://schemas.microsoft.com/office/powerpoint/2010/main" val="1704396545"/>
+        <p14:creationId xmlns:p14="http://schemas.microsoft.com/office/powerpoint/2010/main" xmlns="" val="1704396545"/>
       </p:ext>
     </p:extLst>
   </p:cSld>
@@ -3680,7 +3679,7 @@
           <p:cNvPr id="2" name="제목 1">
             <a:extLst>
               <a:ext uri="{FF2B5EF4-FFF2-40B4-BE49-F238E27FC236}">
-                <a16:creationId xmlns="" xmlns:a16="http://schemas.microsoft.com/office/drawing/2014/main" id="{EFD7488A-CB03-5040-B573-DF2A3636CF99}"/>
+                <a16:creationId xmlns:a16="http://schemas.microsoft.com/office/drawing/2014/main" xmlns="" id="{EFD7488A-CB03-5040-B573-DF2A3636CF99}"/>
               </a:ext>
             </a:extLst>
           </p:cNvPr>
@@ -3721,7 +3720,7 @@
           <p:cNvPr id="3" name="그림 개체 틀 2">
             <a:extLst>
               <a:ext uri="{FF2B5EF4-FFF2-40B4-BE49-F238E27FC236}">
-                <a16:creationId xmlns="" xmlns:a16="http://schemas.microsoft.com/office/drawing/2014/main" id="{5E2B4E34-4F62-234A-BDDE-E603E5DE1FD3}"/>
+                <a16:creationId xmlns:a16="http://schemas.microsoft.com/office/drawing/2014/main" xmlns="" id="{5E2B4E34-4F62-234A-BDDE-E603E5DE1FD3}"/>
               </a:ext>
             </a:extLst>
           </p:cNvPr>
@@ -3791,7 +3790,7 @@
           <p:cNvPr id="4" name="텍스트 개체 틀 3">
             <a:extLst>
               <a:ext uri="{FF2B5EF4-FFF2-40B4-BE49-F238E27FC236}">
-                <a16:creationId xmlns="" xmlns:a16="http://schemas.microsoft.com/office/drawing/2014/main" id="{DFB842A2-9A9A-9849-98C1-4CF61CDA5F54}"/>
+                <a16:creationId xmlns:a16="http://schemas.microsoft.com/office/drawing/2014/main" xmlns="" id="{DFB842A2-9A9A-9849-98C1-4CF61CDA5F54}"/>
               </a:ext>
             </a:extLst>
           </p:cNvPr>
@@ -3865,7 +3864,7 @@
           <p:cNvPr id="5" name="날짜 개체 틀 4">
             <a:extLst>
               <a:ext uri="{FF2B5EF4-FFF2-40B4-BE49-F238E27FC236}">
-                <a16:creationId xmlns="" xmlns:a16="http://schemas.microsoft.com/office/drawing/2014/main" id="{A770922B-0B9C-2A42-A148-3EF917E30238}"/>
+                <a16:creationId xmlns:a16="http://schemas.microsoft.com/office/drawing/2014/main" xmlns="" id="{A770922B-0B9C-2A42-A148-3EF917E30238}"/>
               </a:ext>
             </a:extLst>
           </p:cNvPr>
@@ -3892,7 +3891,7 @@
             <a:fld id="{FE20AB6E-091C-844F-ABF9-3EF4C2336578}" type="datetimeFigureOut">
               <a:rPr kumimoji="1" lang="x-none" altLang="en-US" smtClean="0"/>
               <a:pPr/>
-              <a:t>2022-06-17</a:t>
+              <a:t>2022-06-18</a:t>
             </a:fld>
             <a:endParaRPr kumimoji="1" lang="x-none" altLang="en-US"/>
           </a:p>
@@ -3903,7 +3902,7 @@
           <p:cNvPr id="6" name="바닥글 개체 틀 5">
             <a:extLst>
               <a:ext uri="{FF2B5EF4-FFF2-40B4-BE49-F238E27FC236}">
-                <a16:creationId xmlns="" xmlns:a16="http://schemas.microsoft.com/office/drawing/2014/main" id="{B0085D61-3843-A14E-BC5B-F1CF1043A28D}"/>
+                <a16:creationId xmlns:a16="http://schemas.microsoft.com/office/drawing/2014/main" xmlns="" id="{B0085D61-3843-A14E-BC5B-F1CF1043A28D}"/>
               </a:ext>
             </a:extLst>
           </p:cNvPr>
@@ -3936,7 +3935,7 @@
           <p:cNvPr id="7" name="슬라이드 번호 개체 틀 6">
             <a:extLst>
               <a:ext uri="{FF2B5EF4-FFF2-40B4-BE49-F238E27FC236}">
-                <a16:creationId xmlns="" xmlns:a16="http://schemas.microsoft.com/office/drawing/2014/main" id="{26DEE10E-E2D4-A844-A91F-C47C62D2AA42}"/>
+                <a16:creationId xmlns:a16="http://schemas.microsoft.com/office/drawing/2014/main" xmlns="" id="{26DEE10E-E2D4-A844-A91F-C47C62D2AA42}"/>
               </a:ext>
             </a:extLst>
           </p:cNvPr>
@@ -3972,7 +3971,7 @@
     </p:spTree>
     <p:extLst>
       <p:ext uri="{BB962C8B-B14F-4D97-AF65-F5344CB8AC3E}">
-        <p14:creationId xmlns="" xmlns:p14="http://schemas.microsoft.com/office/powerpoint/2010/main" val="2148253455"/>
+        <p14:creationId xmlns:p14="http://schemas.microsoft.com/office/powerpoint/2010/main" xmlns="" val="2148253455"/>
       </p:ext>
     </p:extLst>
   </p:cSld>
@@ -4007,7 +4006,7 @@
     </p:spTree>
     <p:extLst>
       <p:ext uri="{BB962C8B-B14F-4D97-AF65-F5344CB8AC3E}">
-        <p14:creationId xmlns="" xmlns:p14="http://schemas.microsoft.com/office/powerpoint/2010/main" val="3022356027"/>
+        <p14:creationId xmlns:p14="http://schemas.microsoft.com/office/powerpoint/2010/main" xmlns="" val="3022356027"/>
       </p:ext>
     </p:extLst>
   </p:cSld>
@@ -4308,7 +4307,7 @@
   </p:txStyles>
   <p:extLst>
     <p:ext uri="{27BBF7A9-308A-43DC-89C8-2F10F3537804}">
-      <p15:sldGuideLst xmlns="" xmlns:p15="http://schemas.microsoft.com/office/powerpoint/2012/main">
+      <p15:sldGuideLst xmlns:p15="http://schemas.microsoft.com/office/powerpoint/2012/main" xmlns="">
         <p15:guide id="1" orient="horz" pos="2160" userDrawn="1">
           <p15:clr>
             <a:srgbClr val="F26B43"/>
@@ -4355,7 +4354,7 @@
           <p:cNvPr id="9" name="그룹 8">
             <a:extLst>
               <a:ext uri="{FF2B5EF4-FFF2-40B4-BE49-F238E27FC236}">
-                <a16:creationId xmlns="" xmlns:a16="http://schemas.microsoft.com/office/drawing/2014/main" id="{E16F955F-3C40-AFD3-DB99-1D7BBA9B9B6D}"/>
+                <a16:creationId xmlns:a16="http://schemas.microsoft.com/office/drawing/2014/main" xmlns="" id="{E16F955F-3C40-AFD3-DB99-1D7BBA9B9B6D}"/>
               </a:ext>
             </a:extLst>
           </p:cNvPr>
@@ -4375,7 +4374,7 @@
             <p:cNvPr id="5" name="TextBox 4">
               <a:extLst>
                 <a:ext uri="{FF2B5EF4-FFF2-40B4-BE49-F238E27FC236}">
-                  <a16:creationId xmlns="" xmlns:a16="http://schemas.microsoft.com/office/drawing/2014/main" id="{0219BB47-7F38-B841-90EA-A4A47147FDAB}"/>
+                  <a16:creationId xmlns:a16="http://schemas.microsoft.com/office/drawing/2014/main" xmlns="" id="{0219BB47-7F38-B841-90EA-A4A47147FDAB}"/>
                 </a:ext>
               </a:extLst>
             </p:cNvPr>
@@ -4424,7 +4423,7 @@
             <p:cNvPr id="8" name="그룹 7">
               <a:extLst>
                 <a:ext uri="{FF2B5EF4-FFF2-40B4-BE49-F238E27FC236}">
-                  <a16:creationId xmlns="" xmlns:a16="http://schemas.microsoft.com/office/drawing/2014/main" id="{5E0C0EAA-C17C-B910-319A-10CFE79CAA56}"/>
+                  <a16:creationId xmlns:a16="http://schemas.microsoft.com/office/drawing/2014/main" xmlns="" id="{5E0C0EAA-C17C-B910-319A-10CFE79CAA56}"/>
                 </a:ext>
               </a:extLst>
             </p:cNvPr>
@@ -4444,7 +4443,7 @@
               <p:cNvPr id="3" name="Picture 4" descr="한양대학교 - 나무위키">
                 <a:extLst>
                   <a:ext uri="{FF2B5EF4-FFF2-40B4-BE49-F238E27FC236}">
-                    <a16:creationId xmlns="" xmlns:a16="http://schemas.microsoft.com/office/drawing/2014/main" id="{CB018ED8-8E8F-772C-1103-AA96C93C22C2}"/>
+                    <a16:creationId xmlns:a16="http://schemas.microsoft.com/office/drawing/2014/main" xmlns="" id="{CB018ED8-8E8F-772C-1103-AA96C93C22C2}"/>
                   </a:ext>
                 </a:extLst>
               </p:cNvPr>
@@ -4457,7 +4456,7 @@
               <a:blip r:embed="rId2">
                 <a:extLst>
                   <a:ext uri="{28A0092B-C50C-407E-A947-70E740481C1C}">
-                    <a14:useLocalDpi xmlns="" xmlns:a14="http://schemas.microsoft.com/office/drawing/2010/main" val="0"/>
+                    <a14:useLocalDpi xmlns:a14="http://schemas.microsoft.com/office/drawing/2010/main" xmlns="" val="0"/>
                   </a:ext>
                 </a:extLst>
               </a:blip>
@@ -4477,7 +4476,7 @@
               <a:noFill/>
               <a:extLst>
                 <a:ext uri="{909E8E84-426E-40DD-AFC4-6F175D3DCCD1}">
-                  <a14:hiddenFill xmlns="" xmlns:a14="http://schemas.microsoft.com/office/drawing/2010/main">
+                  <a14:hiddenFill xmlns:a14="http://schemas.microsoft.com/office/drawing/2010/main" xmlns="">
                     <a:solidFill>
                       <a:srgbClr val="FFFFFF"/>
                     </a:solidFill>
@@ -4491,7 +4490,7 @@
               <p:cNvPr id="4" name="Picture 2">
                 <a:extLst>
                   <a:ext uri="{FF2B5EF4-FFF2-40B4-BE49-F238E27FC236}">
-                    <a16:creationId xmlns="" xmlns:a16="http://schemas.microsoft.com/office/drawing/2014/main" id="{A0D566A1-AF21-73C8-46C4-20913AA4D44E}"/>
+                    <a16:creationId xmlns:a16="http://schemas.microsoft.com/office/drawing/2014/main" xmlns="" id="{A0D566A1-AF21-73C8-46C4-20913AA4D44E}"/>
                   </a:ext>
                 </a:extLst>
               </p:cNvPr>
@@ -4504,7 +4503,7 @@
               <a:blip r:embed="rId3">
                 <a:extLst>
                   <a:ext uri="{28A0092B-C50C-407E-A947-70E740481C1C}">
-                    <a14:useLocalDpi xmlns="" xmlns:a14="http://schemas.microsoft.com/office/drawing/2010/main" val="0"/>
+                    <a14:useLocalDpi xmlns:a14="http://schemas.microsoft.com/office/drawing/2010/main" xmlns="" val="0"/>
                   </a:ext>
                 </a:extLst>
               </a:blip>
@@ -4524,7 +4523,7 @@
               <a:noFill/>
               <a:extLst>
                 <a:ext uri="{909E8E84-426E-40DD-AFC4-6F175D3DCCD1}">
-                  <a14:hiddenFill xmlns="" xmlns:a14="http://schemas.microsoft.com/office/drawing/2010/main">
+                  <a14:hiddenFill xmlns:a14="http://schemas.microsoft.com/office/drawing/2010/main" xmlns="">
                     <a:solidFill>
                       <a:srgbClr val="FFFFFF"/>
                     </a:solidFill>
@@ -4538,7 +4537,7 @@
               <p:cNvPr id="6" name="직선 연결선 5">
                 <a:extLst>
                   <a:ext uri="{FF2B5EF4-FFF2-40B4-BE49-F238E27FC236}">
-                    <a16:creationId xmlns="" xmlns:a16="http://schemas.microsoft.com/office/drawing/2014/main" id="{7D8A18A1-B4B2-C8D4-D8CF-4FEFDACCE6C6}"/>
+                    <a16:creationId xmlns:a16="http://schemas.microsoft.com/office/drawing/2014/main" xmlns="" id="{7D8A18A1-B4B2-C8D4-D8CF-4FEFDACCE6C6}"/>
                   </a:ext>
                 </a:extLst>
               </p:cNvPr>
@@ -4579,7 +4578,7 @@
               <p:cNvPr id="7" name="그림 6" descr="텍스트, 표지판, 어두운이(가) 표시된 사진&#10;&#10;자동 생성된 설명">
                 <a:extLst>
                   <a:ext uri="{FF2B5EF4-FFF2-40B4-BE49-F238E27FC236}">
-                    <a16:creationId xmlns="" xmlns:a16="http://schemas.microsoft.com/office/drawing/2014/main" id="{86C06051-5B01-6602-2822-6BC0E7FA657F}"/>
+                    <a16:creationId xmlns:a16="http://schemas.microsoft.com/office/drawing/2014/main" xmlns="" id="{86C06051-5B01-6602-2822-6BC0E7FA657F}"/>
                   </a:ext>
                 </a:extLst>
               </p:cNvPr>
@@ -4620,7 +4619,7 @@
           <p:cNvPr id="10" name="TextBox 9">
             <a:extLst>
               <a:ext uri="{FF2B5EF4-FFF2-40B4-BE49-F238E27FC236}">
-                <a16:creationId xmlns="" xmlns:a16="http://schemas.microsoft.com/office/drawing/2014/main" id="{347A1722-EE0E-2F9A-3CE3-1F731703D4E6}"/>
+                <a16:creationId xmlns:a16="http://schemas.microsoft.com/office/drawing/2014/main" xmlns="" id="{347A1722-EE0E-2F9A-3CE3-1F731703D4E6}"/>
               </a:ext>
             </a:extLst>
           </p:cNvPr>
@@ -4819,7 +4818,7 @@
     </p:spTree>
     <p:extLst>
       <p:ext uri="{BB962C8B-B14F-4D97-AF65-F5344CB8AC3E}">
-        <p14:creationId xmlns="" xmlns:p14="http://schemas.microsoft.com/office/powerpoint/2010/main" val="1827450347"/>
+        <p14:creationId xmlns:p14="http://schemas.microsoft.com/office/powerpoint/2010/main" xmlns="" val="1827450347"/>
       </p:ext>
     </p:extLst>
   </p:cSld>
@@ -4851,7 +4850,7 @@
           <p:cNvPr id="6" name="TextBox 5">
             <a:extLst>
               <a:ext uri="{FF2B5EF4-FFF2-40B4-BE49-F238E27FC236}">
-                <a16:creationId xmlns="" xmlns:a16="http://schemas.microsoft.com/office/drawing/2014/main" id="{46063DD2-9B38-F147-A0DC-464FBEA0D179}"/>
+                <a16:creationId xmlns:a16="http://schemas.microsoft.com/office/drawing/2014/main" xmlns="" id="{46063DD2-9B38-F147-A0DC-464FBEA0D179}"/>
               </a:ext>
             </a:extLst>
           </p:cNvPr>
@@ -4861,7 +4860,7 @@
         <p:spPr>
           <a:xfrm>
             <a:off x="479425" y="975992"/>
-            <a:ext cx="2608406" cy="404150"/>
+            <a:ext cx="2502608" cy="404150"/>
           </a:xfrm>
           <a:prstGeom prst="rect">
             <a:avLst/>
@@ -4893,7 +4892,7 @@
                 <a:latin typeface="Noto Sans CJK KR Regular" panose="020B0500000000000000" pitchFamily="34" charset="-128"/>
                 <a:ea typeface="Noto Sans CJK KR Regular" panose="020B0500000000000000" pitchFamily="34" charset="-128"/>
               </a:rPr>
-              <a:t>1. </a:t>
+              <a:t>2. </a:t>
             </a:r>
             <a:r>
               <a:rPr kumimoji="1" lang="ko-KR" altLang="en-US" sz="1600" b="1" dirty="0" err="1" smtClean="0">
@@ -4903,7 +4902,7 @@
                 <a:latin typeface="Noto Sans CJK KR Regular" panose="020B0500000000000000" pitchFamily="34" charset="-128"/>
                 <a:ea typeface="Noto Sans CJK KR Regular" panose="020B0500000000000000" pitchFamily="34" charset="-128"/>
               </a:rPr>
-              <a:t>설비명</a:t>
+              <a:t>비콘</a:t>
             </a:r>
             <a:r>
               <a:rPr kumimoji="1" lang="ko-KR" altLang="en-US" sz="1600" b="1" dirty="0" smtClean="0">
@@ -4913,7 +4912,27 @@
                 <a:latin typeface="Noto Sans CJK KR Regular" panose="020B0500000000000000" pitchFamily="34" charset="-128"/>
                 <a:ea typeface="Noto Sans CJK KR Regular" panose="020B0500000000000000" pitchFamily="34" charset="-128"/>
               </a:rPr>
-              <a:t> 가시성 있게 변경</a:t>
+              <a:t> </a:t>
+            </a:r>
+            <a:r>
+              <a:rPr kumimoji="1" lang="en-US" altLang="ko-KR" sz="1600" b="1" dirty="0" smtClean="0">
+                <a:solidFill>
+                  <a:srgbClr val="009D4F"/>
+                </a:solidFill>
+                <a:latin typeface="Noto Sans CJK KR Regular" panose="020B0500000000000000" pitchFamily="34" charset="-128"/>
+                <a:ea typeface="Noto Sans CJK KR Regular" panose="020B0500000000000000" pitchFamily="34" charset="-128"/>
+              </a:rPr>
+              <a:t>-&gt; RFID </a:t>
+            </a:r>
+            <a:r>
+              <a:rPr kumimoji="1" lang="ko-KR" altLang="en-US" sz="1600" b="1" dirty="0" smtClean="0">
+                <a:solidFill>
+                  <a:srgbClr val="009D4F"/>
+                </a:solidFill>
+                <a:latin typeface="Noto Sans CJK KR Regular" panose="020B0500000000000000" pitchFamily="34" charset="-128"/>
+                <a:ea typeface="Noto Sans CJK KR Regular" panose="020B0500000000000000" pitchFamily="34" charset="-128"/>
+              </a:rPr>
+              <a:t>방식 변경</a:t>
             </a:r>
             <a:endParaRPr kumimoji="1" lang="en-US" altLang="ko-KR" sz="1600" b="1" dirty="0">
               <a:solidFill>
@@ -4930,7 +4949,7 @@
           <p:cNvPr id="20" name="TextBox 19">
             <a:extLst>
               <a:ext uri="{FF2B5EF4-FFF2-40B4-BE49-F238E27FC236}">
-                <a16:creationId xmlns="" xmlns:a16="http://schemas.microsoft.com/office/drawing/2014/main" id="{BB1F688A-EECA-AD4B-9974-52A755017E57}"/>
+                <a16:creationId xmlns:a16="http://schemas.microsoft.com/office/drawing/2014/main" xmlns="" id="{BB1F688A-EECA-AD4B-9974-52A755017E57}"/>
               </a:ext>
             </a:extLst>
           </p:cNvPr>
@@ -5017,7 +5036,7 @@
     </p:spTree>
     <p:extLst>
       <p:ext uri="{BB962C8B-B14F-4D97-AF65-F5344CB8AC3E}">
-        <p14:creationId xmlns="" xmlns:p14="http://schemas.microsoft.com/office/powerpoint/2010/main" val="2142710581"/>
+        <p14:creationId xmlns:p14="http://schemas.microsoft.com/office/powerpoint/2010/main" xmlns="" val="2142710581"/>
       </p:ext>
     </p:extLst>
   </p:cSld>
@@ -5046,109 +5065,10 @@
       </p:grpSpPr>
       <p:sp>
         <p:nvSpPr>
-          <p:cNvPr id="6" name="TextBox 5">
-            <a:extLst>
-              <a:ext uri="{FF2B5EF4-FFF2-40B4-BE49-F238E27FC236}">
-                <a16:creationId xmlns="" xmlns:a16="http://schemas.microsoft.com/office/drawing/2014/main" id="{46063DD2-9B38-F147-A0DC-464FBEA0D179}"/>
-              </a:ext>
-            </a:extLst>
-          </p:cNvPr>
-          <p:cNvSpPr txBox="1"/>
-          <p:nvPr/>
-        </p:nvSpPr>
-        <p:spPr>
-          <a:xfrm>
-            <a:off x="479425" y="975992"/>
-            <a:ext cx="2502608" cy="404150"/>
-          </a:xfrm>
-          <a:prstGeom prst="rect">
-            <a:avLst/>
-          </a:prstGeom>
-          <a:noFill/>
-        </p:spPr>
-        <p:txBody>
-          <a:bodyPr wrap="none" rtlCol="0">
-            <a:spAutoFit/>
-          </a:bodyPr>
-          <a:lstStyle/>
-          <a:p>
-            <a:pPr>
-              <a:lnSpc>
-                <a:spcPct val="150000"/>
-              </a:lnSpc>
-              <a:spcBef>
-                <a:spcPts val="160"/>
-              </a:spcBef>
-              <a:spcAft>
-                <a:spcPts val="160"/>
-              </a:spcAft>
-            </a:pPr>
-            <a:r>
-              <a:rPr kumimoji="1" lang="en-US" altLang="ko-KR" sz="1600" b="1" dirty="0" smtClean="0">
-                <a:solidFill>
-                  <a:srgbClr val="009D4F"/>
-                </a:solidFill>
-                <a:latin typeface="Noto Sans CJK KR Regular" panose="020B0500000000000000" pitchFamily="34" charset="-128"/>
-                <a:ea typeface="Noto Sans CJK KR Regular" panose="020B0500000000000000" pitchFamily="34" charset="-128"/>
-              </a:rPr>
-              <a:t>2. </a:t>
-            </a:r>
-            <a:r>
-              <a:rPr kumimoji="1" lang="ko-KR" altLang="en-US" sz="1600" b="1" dirty="0" err="1" smtClean="0">
-                <a:solidFill>
-                  <a:srgbClr val="009D4F"/>
-                </a:solidFill>
-                <a:latin typeface="Noto Sans CJK KR Regular" panose="020B0500000000000000" pitchFamily="34" charset="-128"/>
-                <a:ea typeface="Noto Sans CJK KR Regular" panose="020B0500000000000000" pitchFamily="34" charset="-128"/>
-              </a:rPr>
-              <a:t>비콘</a:t>
-            </a:r>
-            <a:r>
-              <a:rPr kumimoji="1" lang="ko-KR" altLang="en-US" sz="1600" b="1" dirty="0" smtClean="0">
-                <a:solidFill>
-                  <a:srgbClr val="009D4F"/>
-                </a:solidFill>
-                <a:latin typeface="Noto Sans CJK KR Regular" panose="020B0500000000000000" pitchFamily="34" charset="-128"/>
-                <a:ea typeface="Noto Sans CJK KR Regular" panose="020B0500000000000000" pitchFamily="34" charset="-128"/>
-              </a:rPr>
-              <a:t> </a:t>
-            </a:r>
-            <a:r>
-              <a:rPr kumimoji="1" lang="en-US" altLang="ko-KR" sz="1600" b="1" dirty="0" smtClean="0">
-                <a:solidFill>
-                  <a:srgbClr val="009D4F"/>
-                </a:solidFill>
-                <a:latin typeface="Noto Sans CJK KR Regular" panose="020B0500000000000000" pitchFamily="34" charset="-128"/>
-                <a:ea typeface="Noto Sans CJK KR Regular" panose="020B0500000000000000" pitchFamily="34" charset="-128"/>
-              </a:rPr>
-              <a:t>-&gt; RFID </a:t>
-            </a:r>
-            <a:r>
-              <a:rPr kumimoji="1" lang="ko-KR" altLang="en-US" sz="1600" b="1" dirty="0" smtClean="0">
-                <a:solidFill>
-                  <a:srgbClr val="009D4F"/>
-                </a:solidFill>
-                <a:latin typeface="Noto Sans CJK KR Regular" panose="020B0500000000000000" pitchFamily="34" charset="-128"/>
-                <a:ea typeface="Noto Sans CJK KR Regular" panose="020B0500000000000000" pitchFamily="34" charset="-128"/>
-              </a:rPr>
-              <a:t>방식 변경</a:t>
-            </a:r>
-            <a:endParaRPr kumimoji="1" lang="en-US" altLang="ko-KR" sz="1600" b="1" dirty="0">
-              <a:solidFill>
-                <a:srgbClr val="009D4F"/>
-              </a:solidFill>
-              <a:latin typeface="Noto Sans CJK KR Regular" panose="020B0500000000000000" pitchFamily="34" charset="-128"/>
-              <a:ea typeface="Noto Sans CJK KR Regular" panose="020B0500000000000000" pitchFamily="34" charset="-128"/>
-            </a:endParaRPr>
-          </a:p>
-        </p:txBody>
-      </p:sp>
-      <p:sp>
-        <p:nvSpPr>
           <p:cNvPr id="20" name="TextBox 19">
             <a:extLst>
               <a:ext uri="{FF2B5EF4-FFF2-40B4-BE49-F238E27FC236}">
-                <a16:creationId xmlns="" xmlns:a16="http://schemas.microsoft.com/office/drawing/2014/main" id="{BB1F688A-EECA-AD4B-9974-52A755017E57}"/>
+                <a16:creationId xmlns:a16="http://schemas.microsoft.com/office/drawing/2014/main" xmlns="" id="{BB1F688A-EECA-AD4B-9974-52A755017E57}"/>
               </a:ext>
             </a:extLst>
           </p:cNvPr>
@@ -5206,36 +5126,479 @@
           </a:p>
         </p:txBody>
       </p:sp>
-      <p:pic>
-        <p:nvPicPr>
-          <p:cNvPr id="3074" name="Picture 2" descr="C:\Users\cailab\Desktop\화면 캡처 2022-06-17 195827.png"/>
-          <p:cNvPicPr>
-            <a:picLocks noChangeAspect="1" noChangeArrowheads="1"/>
-          </p:cNvPicPr>
+      <p:sp>
+        <p:nvSpPr>
+          <p:cNvPr id="5" name="직사각형 4"/>
+          <p:cNvSpPr/>
           <p:nvPr/>
-        </p:nvPicPr>
-        <p:blipFill>
-          <a:blip r:embed="rId2"/>
-          <a:srcRect/>
-          <a:stretch>
-            <a:fillRect/>
-          </a:stretch>
-        </p:blipFill>
-        <p:spPr bwMode="auto">
-          <a:xfrm>
-            <a:off x="479425" y="1475640"/>
-            <a:ext cx="9207500" cy="5179219"/>
-          </a:xfrm>
-          <a:prstGeom prst="rect">
-            <a:avLst/>
-          </a:prstGeom>
-          <a:noFill/>
-        </p:spPr>
-      </p:pic>
+        </p:nvSpPr>
+        <p:spPr>
+          <a:xfrm>
+            <a:off x="676274" y="1015428"/>
+            <a:ext cx="10887075" cy="1754326"/>
+          </a:xfrm>
+          <a:prstGeom prst="rect">
+            <a:avLst/>
+          </a:prstGeom>
+        </p:spPr>
+        <p:txBody>
+          <a:bodyPr wrap="square">
+            <a:spAutoFit/>
+          </a:bodyPr>
+          <a:lstStyle/>
+          <a:p>
+            <a:r>
+              <a:rPr lang="ko-KR" altLang="en-US" b="1" dirty="0" err="1" smtClean="0"/>
+              <a:t>비콘</a:t>
+            </a:r>
+            <a:endParaRPr lang="en-US" altLang="ko-KR" b="1" dirty="0" smtClean="0"/>
+          </a:p>
+          <a:p>
+            <a:pPr algn="just"/>
+            <a:r>
+              <a:rPr lang="ko-KR" altLang="en-US" dirty="0" err="1" smtClean="0"/>
+              <a:t>블루투스</a:t>
+            </a:r>
+            <a:r>
+              <a:rPr lang="ko-KR" altLang="en-US" dirty="0" smtClean="0"/>
+              <a:t>  </a:t>
+            </a:r>
+            <a:r>
+              <a:rPr lang="ko-KR" altLang="en-US" dirty="0" err="1" smtClean="0"/>
+              <a:t>저에너지</a:t>
+            </a:r>
+            <a:r>
+              <a:rPr lang="ko-KR" altLang="en-US" dirty="0" smtClean="0"/>
+              <a:t> 기술을 사용하는 근거리 통신 기술</a:t>
+            </a:r>
+            <a:r>
+              <a:rPr lang="en-US" altLang="ko-KR" dirty="0" smtClean="0"/>
+              <a:t>, </a:t>
+            </a:r>
+            <a:r>
+              <a:rPr lang="ko-KR" altLang="en-US" dirty="0" smtClean="0"/>
+              <a:t>상대에게 신호를 받아서 발신하는 장치</a:t>
+            </a:r>
+          </a:p>
+          <a:p>
+            <a:pPr algn="just"/>
+            <a:r>
+              <a:rPr lang="ko-KR" altLang="en-US" dirty="0" smtClean="0"/>
+              <a:t>범위 </a:t>
+            </a:r>
+            <a:r>
+              <a:rPr lang="en-US" altLang="ko-KR" dirty="0" smtClean="0"/>
+              <a:t>: 50m ~ 70m</a:t>
+            </a:r>
+          </a:p>
+          <a:p>
+            <a:pPr algn="just"/>
+            <a:r>
+              <a:rPr lang="ko-KR" altLang="en-US" dirty="0" smtClean="0"/>
+              <a:t>특징 </a:t>
+            </a:r>
+            <a:r>
+              <a:rPr lang="en-US" altLang="ko-KR" dirty="0" smtClean="0"/>
+              <a:t>: </a:t>
+            </a:r>
+            <a:r>
+              <a:rPr lang="ko-KR" altLang="en-US" dirty="0" smtClean="0"/>
+              <a:t>일대 다</a:t>
+            </a:r>
+            <a:r>
+              <a:rPr lang="en-US" altLang="ko-KR" dirty="0" smtClean="0"/>
+              <a:t>, </a:t>
+            </a:r>
+            <a:r>
+              <a:rPr lang="ko-KR" altLang="en-US" dirty="0" err="1" smtClean="0"/>
+              <a:t>다대다</a:t>
+            </a:r>
+            <a:r>
+              <a:rPr lang="ko-KR" altLang="en-US" dirty="0" smtClean="0"/>
+              <a:t> 서비스</a:t>
+            </a:r>
+            <a:r>
+              <a:rPr lang="en-US" altLang="ko-KR" dirty="0" smtClean="0"/>
+              <a:t>, </a:t>
+            </a:r>
+            <a:r>
+              <a:rPr lang="ko-KR" altLang="en-US" dirty="0" err="1" smtClean="0"/>
+              <a:t>블루투스</a:t>
+            </a:r>
+            <a:r>
+              <a:rPr lang="ko-KR" altLang="en-US" dirty="0" smtClean="0"/>
+              <a:t> 실행 및 관련 소프트웨어 필요</a:t>
+            </a:r>
+            <a:r>
+              <a:rPr lang="en-US" altLang="ko-KR" dirty="0" smtClean="0"/>
+              <a:t>, </a:t>
+            </a:r>
+            <a:r>
+              <a:rPr lang="ko-KR" altLang="en-US" dirty="0" smtClean="0"/>
+              <a:t>실내에서 정확한 위치 파악</a:t>
+            </a:r>
+            <a:r>
+              <a:rPr lang="en-US" altLang="ko-KR" dirty="0" smtClean="0"/>
+              <a:t>, </a:t>
+            </a:r>
+            <a:r>
+              <a:rPr lang="ko-KR" altLang="en-US" dirty="0" err="1" smtClean="0"/>
+              <a:t>단방향</a:t>
+            </a:r>
+            <a:r>
+              <a:rPr lang="ko-KR" altLang="en-US" dirty="0" smtClean="0"/>
+              <a:t> 통신</a:t>
+            </a:r>
+            <a:endParaRPr lang="en-US" altLang="ko-KR" dirty="0" smtClean="0"/>
+          </a:p>
+          <a:p>
+            <a:pPr algn="just"/>
+            <a:r>
+              <a:rPr lang="ko-KR" altLang="en-US" dirty="0" smtClean="0"/>
+              <a:t>예 </a:t>
+            </a:r>
+            <a:r>
+              <a:rPr lang="en-US" altLang="ko-KR" dirty="0" smtClean="0"/>
+              <a:t>: </a:t>
+            </a:r>
+            <a:r>
+              <a:rPr lang="ko-KR" altLang="en-US" dirty="0" smtClean="0"/>
+              <a:t>특정장소에서 안내서비스</a:t>
+            </a:r>
+            <a:r>
+              <a:rPr lang="en-US" altLang="ko-KR" dirty="0" smtClean="0"/>
+              <a:t>, </a:t>
+            </a:r>
+            <a:r>
+              <a:rPr lang="ko-KR" altLang="en-US" dirty="0" err="1" smtClean="0"/>
+              <a:t>모바일</a:t>
+            </a:r>
+            <a:r>
+              <a:rPr lang="ko-KR" altLang="en-US" dirty="0" smtClean="0"/>
+              <a:t> 쿠폰</a:t>
+            </a:r>
+            <a:r>
+              <a:rPr lang="en-US" altLang="ko-KR" dirty="0" smtClean="0"/>
+              <a:t>, </a:t>
+            </a:r>
+            <a:r>
+              <a:rPr lang="ko-KR" altLang="en-US" dirty="0" smtClean="0"/>
+              <a:t>사이렌 오더</a:t>
+            </a:r>
+            <a:r>
+              <a:rPr lang="en-US" altLang="ko-KR" dirty="0" smtClean="0"/>
+              <a:t>, </a:t>
+            </a:r>
+            <a:r>
+              <a:rPr lang="ko-KR" altLang="en-US" dirty="0" smtClean="0"/>
+              <a:t>대학교 전자출결</a:t>
+            </a:r>
+          </a:p>
+        </p:txBody>
+      </p:sp>
+      <p:sp>
+        <p:nvSpPr>
+          <p:cNvPr id="7" name="직사각형 6"/>
+          <p:cNvSpPr/>
+          <p:nvPr/>
+        </p:nvSpPr>
+        <p:spPr>
+          <a:xfrm>
+            <a:off x="676274" y="2876371"/>
+            <a:ext cx="10887075" cy="2031325"/>
+          </a:xfrm>
+          <a:prstGeom prst="rect">
+            <a:avLst/>
+          </a:prstGeom>
+        </p:spPr>
+        <p:txBody>
+          <a:bodyPr wrap="square">
+            <a:spAutoFit/>
+          </a:bodyPr>
+          <a:lstStyle/>
+          <a:p>
+            <a:r>
+              <a:rPr lang="en-US" altLang="ko-KR" b="1" dirty="0" smtClean="0"/>
+              <a:t>RFID </a:t>
+            </a:r>
+          </a:p>
+          <a:p>
+            <a:pPr algn="just"/>
+            <a:r>
+              <a:rPr lang="en-US" altLang="ko-KR" dirty="0" smtClean="0"/>
+              <a:t>124Khz ~ 2.45GHZ, </a:t>
+            </a:r>
+            <a:r>
+              <a:rPr lang="ko-KR" altLang="en-US" dirty="0" smtClean="0"/>
+              <a:t>주파수를 이용해</a:t>
+            </a:r>
+            <a:r>
+              <a:rPr lang="en-US" altLang="ko-KR" dirty="0" smtClean="0"/>
+              <a:t>, ID</a:t>
+            </a:r>
+            <a:r>
+              <a:rPr lang="ko-KR" altLang="en-US" dirty="0" smtClean="0"/>
+              <a:t>를 식별하는 방식</a:t>
+            </a:r>
+            <a:r>
+              <a:rPr lang="en-US" altLang="ko-KR" dirty="0" smtClean="0"/>
+              <a:t>, </a:t>
+            </a:r>
+            <a:r>
+              <a:rPr lang="ko-KR" altLang="en-US" dirty="0" smtClean="0"/>
+              <a:t>집적회로와 안테나를 사용</a:t>
+            </a:r>
+            <a:r>
+              <a:rPr lang="en-US" altLang="ko-KR" dirty="0" smtClean="0"/>
+              <a:t>, </a:t>
+            </a:r>
+            <a:r>
+              <a:rPr lang="ko-KR" altLang="en-US" dirty="0" smtClean="0"/>
+              <a:t>안테나로 송신</a:t>
+            </a:r>
+            <a:r>
+              <a:rPr lang="en-US" altLang="ko-KR" dirty="0" smtClean="0"/>
+              <a:t>, </a:t>
+            </a:r>
+            <a:r>
+              <a:rPr lang="ko-KR" altLang="en-US" dirty="0" smtClean="0"/>
+              <a:t>집적회로로 수신해 식별</a:t>
+            </a:r>
+          </a:p>
+          <a:p>
+            <a:pPr algn="just"/>
+            <a:r>
+              <a:rPr lang="ko-KR" altLang="en-US" dirty="0" smtClean="0"/>
+              <a:t>범위 </a:t>
+            </a:r>
+            <a:r>
+              <a:rPr lang="en-US" altLang="ko-KR" dirty="0" smtClean="0"/>
+              <a:t>: 100m</a:t>
+            </a:r>
+          </a:p>
+          <a:p>
+            <a:pPr algn="just"/>
+            <a:r>
+              <a:rPr lang="ko-KR" altLang="en-US" dirty="0" smtClean="0"/>
+              <a:t>특징 </a:t>
+            </a:r>
+            <a:r>
+              <a:rPr lang="en-US" altLang="ko-KR" dirty="0" smtClean="0"/>
+              <a:t>: </a:t>
+            </a:r>
+            <a:r>
+              <a:rPr lang="ko-KR" altLang="en-US" dirty="0" smtClean="0"/>
+              <a:t>장거리 인식</a:t>
+            </a:r>
+            <a:r>
+              <a:rPr lang="en-US" altLang="ko-KR" dirty="0" smtClean="0"/>
+              <a:t>, </a:t>
+            </a:r>
+            <a:r>
+              <a:rPr lang="ko-KR" altLang="en-US" dirty="0" err="1" smtClean="0"/>
+              <a:t>단방향</a:t>
+            </a:r>
+            <a:r>
+              <a:rPr lang="ko-KR" altLang="en-US" dirty="0" smtClean="0"/>
+              <a:t> 통신</a:t>
+            </a:r>
+            <a:r>
+              <a:rPr lang="en-US" altLang="ko-KR" dirty="0" smtClean="0"/>
+              <a:t>, </a:t>
+            </a:r>
+            <a:r>
+              <a:rPr lang="ko-KR" altLang="en-US" dirty="0" smtClean="0"/>
+              <a:t>태그</a:t>
+            </a:r>
+            <a:r>
+              <a:rPr lang="en-US" altLang="ko-KR" dirty="0" smtClean="0"/>
+              <a:t>, </a:t>
+            </a:r>
+            <a:r>
+              <a:rPr lang="ko-KR" altLang="en-US" dirty="0" smtClean="0"/>
+              <a:t>리더 별도</a:t>
+            </a:r>
+            <a:endParaRPr lang="en-US" altLang="ko-KR" dirty="0" smtClean="0"/>
+          </a:p>
+          <a:p>
+            <a:pPr algn="just"/>
+            <a:r>
+              <a:rPr lang="ko-KR" altLang="en-US" dirty="0" smtClean="0"/>
+              <a:t>예 </a:t>
+            </a:r>
+            <a:r>
+              <a:rPr lang="en-US" altLang="ko-KR" dirty="0" smtClean="0"/>
+              <a:t>: </a:t>
+            </a:r>
+            <a:r>
+              <a:rPr lang="ko-KR" altLang="en-US" dirty="0" smtClean="0"/>
+              <a:t>고속도로 </a:t>
+            </a:r>
+            <a:r>
+              <a:rPr lang="ko-KR" altLang="en-US" dirty="0" err="1" smtClean="0"/>
+              <a:t>하이패스</a:t>
+            </a:r>
+            <a:r>
+              <a:rPr lang="ko-KR" altLang="en-US" dirty="0" smtClean="0"/>
+              <a:t>, 물류 관리</a:t>
+            </a:r>
+            <a:r>
+              <a:rPr lang="en-US" altLang="ko-KR" dirty="0" smtClean="0"/>
+              <a:t>, </a:t>
+            </a:r>
+            <a:r>
+              <a:rPr lang="ko-KR" altLang="en-US" dirty="0" smtClean="0"/>
+              <a:t>야생동물 관찰</a:t>
+            </a:r>
+            <a:endParaRPr lang="en-US" altLang="ko-KR" dirty="0" smtClean="0"/>
+          </a:p>
+          <a:p>
+            <a:endParaRPr lang="en-US" altLang="ko-KR" dirty="0"/>
+          </a:p>
+        </p:txBody>
+      </p:sp>
+      <p:sp>
+        <p:nvSpPr>
+          <p:cNvPr id="8" name="직사각형 7"/>
+          <p:cNvSpPr/>
+          <p:nvPr/>
+        </p:nvSpPr>
+        <p:spPr>
+          <a:xfrm>
+            <a:off x="676274" y="4907696"/>
+            <a:ext cx="10887075" cy="1477328"/>
+          </a:xfrm>
+          <a:prstGeom prst="rect">
+            <a:avLst/>
+          </a:prstGeom>
+        </p:spPr>
+        <p:txBody>
+          <a:bodyPr wrap="square">
+            <a:spAutoFit/>
+          </a:bodyPr>
+          <a:lstStyle/>
+          <a:p>
+            <a:r>
+              <a:rPr lang="en-US" altLang="ko-KR" b="1" dirty="0" smtClean="0"/>
+              <a:t>NFC </a:t>
+            </a:r>
+          </a:p>
+          <a:p>
+            <a:pPr algn="just"/>
+            <a:r>
+              <a:rPr lang="en-US" altLang="ko-KR" dirty="0" smtClean="0"/>
+              <a:t>RFID</a:t>
+            </a:r>
+            <a:r>
+              <a:rPr lang="ko-KR" altLang="en-US" dirty="0" smtClean="0"/>
+              <a:t>에서 파생된것</a:t>
+            </a:r>
+            <a:r>
+              <a:rPr lang="en-US" altLang="ko-KR" dirty="0" smtClean="0"/>
+              <a:t>, </a:t>
+            </a:r>
+            <a:r>
+              <a:rPr lang="ko-KR" altLang="en-US" dirty="0" smtClean="0"/>
+              <a:t>주파수만 다름</a:t>
+            </a:r>
+            <a:r>
+              <a:rPr lang="en-US" altLang="ko-KR" dirty="0" smtClean="0"/>
+              <a:t>, 13.56Mhz</a:t>
+            </a:r>
+          </a:p>
+          <a:p>
+            <a:pPr algn="just"/>
+            <a:r>
+              <a:rPr lang="ko-KR" altLang="en-US" dirty="0" smtClean="0"/>
+              <a:t>범위 </a:t>
+            </a:r>
+            <a:r>
+              <a:rPr lang="en-US" altLang="ko-KR" dirty="0" smtClean="0"/>
+              <a:t>:10cm </a:t>
+            </a:r>
+            <a:r>
+              <a:rPr lang="ko-KR" altLang="en-US" dirty="0" smtClean="0"/>
+              <a:t>내외</a:t>
+            </a:r>
+            <a:endParaRPr lang="en-US" altLang="ko-KR" dirty="0" smtClean="0"/>
+          </a:p>
+          <a:p>
+            <a:pPr algn="just"/>
+            <a:r>
+              <a:rPr lang="ko-KR" altLang="en-US" dirty="0" smtClean="0"/>
+              <a:t>특징 </a:t>
+            </a:r>
+            <a:r>
+              <a:rPr lang="en-US" altLang="ko-KR" dirty="0" smtClean="0"/>
+              <a:t>: </a:t>
+            </a:r>
+            <a:r>
+              <a:rPr lang="ko-KR" altLang="en-US" dirty="0" smtClean="0"/>
+              <a:t>높은 </a:t>
+            </a:r>
+            <a:r>
+              <a:rPr lang="ko-KR" altLang="en-US" dirty="0" err="1" smtClean="0"/>
+              <a:t>보안성</a:t>
+            </a:r>
+            <a:r>
+              <a:rPr lang="en-US" altLang="ko-KR" dirty="0" smtClean="0"/>
+              <a:t>, </a:t>
+            </a:r>
+            <a:r>
+              <a:rPr lang="ko-KR" altLang="en-US" dirty="0" smtClean="0"/>
+              <a:t>양방향 통신</a:t>
+            </a:r>
+            <a:r>
+              <a:rPr lang="en-US" altLang="ko-KR" dirty="0" smtClean="0"/>
+              <a:t>, 1:1 </a:t>
+            </a:r>
+            <a:r>
+              <a:rPr lang="ko-KR" altLang="en-US" dirty="0" smtClean="0"/>
+              <a:t>서비스</a:t>
+            </a:r>
+          </a:p>
+          <a:p>
+            <a:pPr algn="just"/>
+            <a:r>
+              <a:rPr lang="ko-KR" altLang="en-US" dirty="0" smtClean="0"/>
+              <a:t>예 </a:t>
+            </a:r>
+            <a:r>
+              <a:rPr lang="en-US" altLang="ko-KR" dirty="0" smtClean="0"/>
+              <a:t>: </a:t>
+            </a:r>
+            <a:r>
+              <a:rPr lang="ko-KR" altLang="en-US" dirty="0" err="1" smtClean="0"/>
+              <a:t>스마트폰</a:t>
+            </a:r>
+            <a:r>
+              <a:rPr lang="ko-KR" altLang="en-US" dirty="0" smtClean="0"/>
+              <a:t> 결제</a:t>
+            </a:r>
+            <a:r>
+              <a:rPr lang="en-US" altLang="ko-KR" dirty="0" smtClean="0"/>
+              <a:t>, </a:t>
+            </a:r>
+            <a:r>
+              <a:rPr lang="ko-KR" altLang="en-US" dirty="0" err="1" smtClean="0"/>
+              <a:t>자동차키</a:t>
+            </a:r>
+            <a:r>
+              <a:rPr lang="en-US" altLang="ko-KR" dirty="0" smtClean="0"/>
+              <a:t>, </a:t>
+            </a:r>
+            <a:r>
+              <a:rPr lang="ko-KR" altLang="en-US" dirty="0" err="1" smtClean="0"/>
+              <a:t>호텔키</a:t>
+            </a:r>
+            <a:endParaRPr lang="ko-KR" altLang="en-US" dirty="0" smtClean="0"/>
+          </a:p>
+        </p:txBody>
+      </p:sp>
     </p:spTree>
     <p:extLst>
       <p:ext uri="{BB962C8B-B14F-4D97-AF65-F5344CB8AC3E}">
-        <p14:creationId xmlns="" xmlns:p14="http://schemas.microsoft.com/office/powerpoint/2010/main" val="2142710581"/>
+        <p14:creationId xmlns:p14="http://schemas.microsoft.com/office/powerpoint/2010/main" xmlns="" val="2142710581"/>
       </p:ext>
     </p:extLst>
   </p:cSld>
@@ -5264,10 +5627,99 @@
       </p:grpSpPr>
       <p:sp>
         <p:nvSpPr>
+          <p:cNvPr id="6" name="TextBox 5">
+            <a:extLst>
+              <a:ext uri="{FF2B5EF4-FFF2-40B4-BE49-F238E27FC236}">
+                <a16:creationId xmlns:a16="http://schemas.microsoft.com/office/drawing/2014/main" xmlns="" id="{46063DD2-9B38-F147-A0DC-464FBEA0D179}"/>
+              </a:ext>
+            </a:extLst>
+          </p:cNvPr>
+          <p:cNvSpPr txBox="1"/>
+          <p:nvPr/>
+        </p:nvSpPr>
+        <p:spPr>
+          <a:xfrm>
+            <a:off x="479425" y="975992"/>
+            <a:ext cx="3316934" cy="404150"/>
+          </a:xfrm>
+          <a:prstGeom prst="rect">
+            <a:avLst/>
+          </a:prstGeom>
+          <a:noFill/>
+        </p:spPr>
+        <p:txBody>
+          <a:bodyPr wrap="none" rtlCol="0">
+            <a:spAutoFit/>
+          </a:bodyPr>
+          <a:lstStyle/>
+          <a:p>
+            <a:pPr>
+              <a:lnSpc>
+                <a:spcPct val="150000"/>
+              </a:lnSpc>
+              <a:spcBef>
+                <a:spcPts val="160"/>
+              </a:spcBef>
+              <a:spcAft>
+                <a:spcPts val="160"/>
+              </a:spcAft>
+            </a:pPr>
+            <a:r>
+              <a:rPr kumimoji="1" lang="en-US" altLang="ko-KR" sz="1600" b="1" dirty="0" smtClean="0">
+                <a:solidFill>
+                  <a:srgbClr val="009D4F"/>
+                </a:solidFill>
+                <a:latin typeface="Noto Sans CJK KR Regular" panose="020B0500000000000000" pitchFamily="34" charset="-128"/>
+                <a:ea typeface="Noto Sans CJK KR Regular" panose="020B0500000000000000" pitchFamily="34" charset="-128"/>
+              </a:rPr>
+              <a:t>3. </a:t>
+            </a:r>
+            <a:r>
+              <a:rPr kumimoji="1" lang="ko-KR" altLang="en-US" sz="1600" b="1" dirty="0" smtClean="0">
+                <a:solidFill>
+                  <a:srgbClr val="009D4F"/>
+                </a:solidFill>
+                <a:latin typeface="Noto Sans CJK KR Regular" panose="020B0500000000000000" pitchFamily="34" charset="-128"/>
+                <a:ea typeface="Noto Sans CJK KR Regular" panose="020B0500000000000000" pitchFamily="34" charset="-128"/>
+              </a:rPr>
+              <a:t>현황 메뉴 </a:t>
+            </a:r>
+            <a:r>
+              <a:rPr kumimoji="1" lang="en-US" altLang="ko-KR" sz="1600" b="1" dirty="0" smtClean="0">
+                <a:solidFill>
+                  <a:srgbClr val="009D4F"/>
+                </a:solidFill>
+                <a:latin typeface="Noto Sans CJK KR Regular" panose="020B0500000000000000" pitchFamily="34" charset="-128"/>
+                <a:ea typeface="Noto Sans CJK KR Regular" panose="020B0500000000000000" pitchFamily="34" charset="-128"/>
+              </a:rPr>
+              <a:t>Status Card </a:t>
+            </a:r>
+            <a:r>
+              <a:rPr kumimoji="1" lang="ko-KR" altLang="en-US" sz="1600" b="1" dirty="0" smtClean="0">
+                <a:solidFill>
+                  <a:srgbClr val="009D4F"/>
+                </a:solidFill>
+                <a:latin typeface="Noto Sans CJK KR Regular" panose="020B0500000000000000" pitchFamily="34" charset="-128"/>
+                <a:ea typeface="Noto Sans CJK KR Regular" panose="020B0500000000000000" pitchFamily="34" charset="-128"/>
+              </a:rPr>
+              <a:t>배치 질문</a:t>
+            </a:r>
+            <a:endParaRPr kumimoji="1" lang="en-US" altLang="ko-KR" sz="1600" b="1" dirty="0">
+              <a:solidFill>
+                <a:srgbClr val="009D4F"/>
+              </a:solidFill>
+              <a:latin typeface="Noto Sans CJK KR Regular" panose="020B0500000000000000" pitchFamily="34" charset="-128"/>
+              <a:ea typeface="Noto Sans CJK KR Regular" panose="020B0500000000000000" pitchFamily="34" charset="-128"/>
+            </a:endParaRPr>
+          </a:p>
+        </p:txBody>
+      </p:sp>
+      <p:sp>
+        <p:nvSpPr>
           <p:cNvPr id="20" name="TextBox 19">
             <a:extLst>
               <a:ext uri="{FF2B5EF4-FFF2-40B4-BE49-F238E27FC236}">
-                <a16:creationId xmlns="" xmlns:a16="http://schemas.microsoft.com/office/drawing/2014/main" id="{BB1F688A-EECA-AD4B-9974-52A755017E57}"/>
+                <a16:creationId xmlns:a16="http://schemas.microsoft.com/office/drawing/2014/main" xmlns="" id="{BB1F688A-EECA-AD4B-9974-52A755017E57}"/>
               </a:ext>
             </a:extLst>
           </p:cNvPr>
@@ -5325,176 +5777,32 @@
           </a:p>
         </p:txBody>
       </p:sp>
-      <p:sp>
-        <p:nvSpPr>
-          <p:cNvPr id="5" name="직사각형 4"/>
-          <p:cNvSpPr/>
+      <p:pic>
+        <p:nvPicPr>
+          <p:cNvPr id="4098" name="Picture 2" descr="C:\Users\cailab\Desktop\언급.PNG"/>
+          <p:cNvPicPr>
+            <a:picLocks noChangeAspect="1" noChangeArrowheads="1"/>
+          </p:cNvPicPr>
           <p:nvPr/>
-        </p:nvSpPr>
-        <p:spPr>
-          <a:xfrm>
-            <a:off x="676274" y="1015428"/>
-            <a:ext cx="10887075" cy="1754326"/>
-          </a:xfrm>
-          <a:prstGeom prst="rect">
-            <a:avLst/>
-          </a:prstGeom>
-        </p:spPr>
-        <p:txBody>
-          <a:bodyPr wrap="square">
-            <a:spAutoFit/>
-          </a:bodyPr>
-          <a:lstStyle/>
-          <a:p>
-            <a:r>
-              <a:rPr lang="ko-KR" altLang="en-US" b="1" dirty="0" err="1" smtClean="0"/>
-              <a:t>비콘</a:t>
-            </a:r>
-            <a:endParaRPr lang="en-US" altLang="ko-KR" b="1" dirty="0" smtClean="0"/>
-          </a:p>
-          <a:p>
-            <a:pPr algn="just"/>
-            <a:r>
-              <a:rPr lang="ko-KR" altLang="en-US" dirty="0" err="1" smtClean="0"/>
-              <a:t>블루투스</a:t>
-            </a:r>
-            <a:r>
-              <a:rPr lang="ko-KR" altLang="en-US" dirty="0" smtClean="0"/>
-              <a:t>  </a:t>
-            </a:r>
-            <a:r>
-              <a:rPr lang="ko-KR" altLang="en-US" dirty="0" err="1" smtClean="0"/>
-              <a:t>저에너지</a:t>
-            </a:r>
-            <a:r>
-              <a:rPr lang="ko-KR" altLang="en-US" dirty="0" smtClean="0"/>
-              <a:t> 기술을 사용하는 근거리 통신 기술</a:t>
-            </a:r>
-            <a:r>
-              <a:rPr lang="en-US" altLang="ko-KR" dirty="0" smtClean="0"/>
-              <a:t>, </a:t>
-            </a:r>
-            <a:r>
-              <a:rPr lang="ko-KR" altLang="en-US" dirty="0" smtClean="0"/>
-              <a:t>상대에게 신호를 받아서 발신하는 장치</a:t>
-            </a:r>
-          </a:p>
-          <a:p>
-            <a:pPr algn="just"/>
-            <a:r>
-              <a:rPr lang="ko-KR" altLang="en-US" dirty="0" smtClean="0"/>
-              <a:t>범위 </a:t>
-            </a:r>
-            <a:r>
-              <a:rPr lang="en-US" altLang="ko-KR" dirty="0" smtClean="0"/>
-              <a:t>: 50m ~ 70m</a:t>
-            </a:r>
-          </a:p>
-          <a:p>
-            <a:pPr algn="just"/>
-            <a:r>
-              <a:rPr lang="ko-KR" altLang="en-US" dirty="0" smtClean="0"/>
-              <a:t>특징 </a:t>
-            </a:r>
-            <a:r>
-              <a:rPr lang="en-US" altLang="ko-KR" dirty="0" smtClean="0"/>
-              <a:t>: </a:t>
-            </a:r>
-            <a:r>
-              <a:rPr lang="ko-KR" altLang="en-US" dirty="0" smtClean="0"/>
-              <a:t>일대 다</a:t>
-            </a:r>
-            <a:r>
-              <a:rPr lang="en-US" altLang="ko-KR" dirty="0" smtClean="0"/>
-              <a:t>, </a:t>
-            </a:r>
-            <a:r>
-              <a:rPr lang="ko-KR" altLang="en-US" dirty="0" err="1" smtClean="0"/>
-              <a:t>다대다</a:t>
-            </a:r>
-            <a:r>
-              <a:rPr lang="ko-KR" altLang="en-US" dirty="0" smtClean="0"/>
-              <a:t> 서비스</a:t>
-            </a:r>
-            <a:r>
-              <a:rPr lang="en-US" altLang="ko-KR" dirty="0" smtClean="0"/>
-              <a:t>, </a:t>
-            </a:r>
-            <a:r>
-              <a:rPr lang="ko-KR" altLang="en-US" dirty="0" err="1" smtClean="0"/>
-              <a:t>블루투스</a:t>
-            </a:r>
-            <a:r>
-              <a:rPr lang="ko-KR" altLang="en-US" dirty="0" smtClean="0"/>
-              <a:t> 실행 및 관련 소프트웨어 필요</a:t>
-            </a:r>
-            <a:r>
-              <a:rPr lang="en-US" altLang="ko-KR" dirty="0" smtClean="0"/>
-              <a:t>, </a:t>
-            </a:r>
-            <a:r>
-              <a:rPr lang="ko-KR" altLang="en-US" dirty="0" smtClean="0"/>
-              <a:t>실내에서 정확한 위치 파악</a:t>
-            </a:r>
-            <a:r>
-              <a:rPr lang="en-US" altLang="ko-KR" dirty="0" smtClean="0"/>
-              <a:t>, </a:t>
-            </a:r>
-            <a:r>
-              <a:rPr lang="ko-KR" altLang="en-US" dirty="0" err="1" smtClean="0"/>
-              <a:t>단방향</a:t>
-            </a:r>
-            <a:r>
-              <a:rPr lang="ko-KR" altLang="en-US" dirty="0" smtClean="0"/>
-              <a:t> 통신</a:t>
-            </a:r>
-            <a:endParaRPr lang="en-US" altLang="ko-KR" dirty="0" smtClean="0"/>
-          </a:p>
-          <a:p>
-            <a:pPr algn="just"/>
-            <a:r>
-              <a:rPr lang="ko-KR" altLang="en-US" dirty="0" smtClean="0"/>
-              <a:t>예 </a:t>
-            </a:r>
-            <a:r>
-              <a:rPr lang="en-US" altLang="ko-KR" dirty="0" smtClean="0"/>
-              <a:t>: </a:t>
-            </a:r>
-            <a:r>
-              <a:rPr lang="ko-KR" altLang="en-US" dirty="0" smtClean="0"/>
-              <a:t>특정장소에서 안내서비스</a:t>
-            </a:r>
-            <a:r>
-              <a:rPr lang="en-US" altLang="ko-KR" dirty="0" smtClean="0"/>
-              <a:t>, </a:t>
-            </a:r>
-            <a:r>
-              <a:rPr lang="ko-KR" altLang="en-US" dirty="0" err="1" smtClean="0"/>
-              <a:t>모바일</a:t>
-            </a:r>
-            <a:r>
-              <a:rPr lang="ko-KR" altLang="en-US" dirty="0" smtClean="0"/>
-              <a:t> 쿠폰</a:t>
-            </a:r>
-            <a:r>
-              <a:rPr lang="en-US" altLang="ko-KR" dirty="0" smtClean="0"/>
-              <a:t>, </a:t>
-            </a:r>
-            <a:r>
-              <a:rPr lang="ko-KR" altLang="en-US" dirty="0" smtClean="0"/>
-              <a:t>사이렌 오더</a:t>
-            </a:r>
-            <a:r>
-              <a:rPr lang="en-US" altLang="ko-KR" dirty="0" smtClean="0"/>
-              <a:t>, </a:t>
-            </a:r>
-            <a:r>
-              <a:rPr lang="ko-KR" altLang="en-US" dirty="0" smtClean="0"/>
-              <a:t>대학교 전자출결</a:t>
-            </a:r>
-          </a:p>
-        </p:txBody>
-      </p:sp>
+        </p:nvPicPr>
+        <p:blipFill>
+          <a:blip r:embed="rId2"/>
+          <a:srcRect/>
+          <a:stretch>
+            <a:fillRect/>
+          </a:stretch>
+        </p:blipFill>
+        <p:spPr bwMode="auto">
+          <a:xfrm>
+            <a:off x="593725" y="1436943"/>
+            <a:ext cx="9845675" cy="5160706"/>
+          </a:xfrm>
+          <a:prstGeom prst="rect">
+            <a:avLst/>
+          </a:prstGeom>
+          <a:noFill/>
+        </p:spPr>
+      </p:pic>
       <p:sp>
         <p:nvSpPr>
           <p:cNvPr id="7" name="직사각형 6"/>
@@ -5503,301 +5811,48 @@
         </p:nvSpPr>
         <p:spPr>
           <a:xfrm>
-            <a:off x="676274" y="2876371"/>
-            <a:ext cx="10887075" cy="2031325"/>
-          </a:xfrm>
-          <a:prstGeom prst="rect">
-            <a:avLst/>
-          </a:prstGeom>
-        </p:spPr>
-        <p:txBody>
-          <a:bodyPr wrap="square">
-            <a:spAutoFit/>
-          </a:bodyPr>
+            <a:off x="8743950" y="3019425"/>
+            <a:ext cx="1104900" cy="3390900"/>
+          </a:xfrm>
+          <a:prstGeom prst="rect">
+            <a:avLst/>
+          </a:prstGeom>
+          <a:noFill/>
+          <a:ln w="50800">
+            <a:solidFill>
+              <a:srgbClr val="FF0000"/>
+            </a:solidFill>
+          </a:ln>
+        </p:spPr>
+        <p:style>
+          <a:lnRef idx="2">
+            <a:schemeClr val="accent1">
+              <a:shade val="50000"/>
+            </a:schemeClr>
+          </a:lnRef>
+          <a:fillRef idx="1">
+            <a:schemeClr val="accent1"/>
+          </a:fillRef>
+          <a:effectRef idx="0">
+            <a:schemeClr val="accent1"/>
+          </a:effectRef>
+          <a:fontRef idx="minor">
+            <a:schemeClr val="lt1"/>
+          </a:fontRef>
+        </p:style>
+        <p:txBody>
+          <a:bodyPr rtlCol="0" anchor="ctr"/>
           <a:lstStyle/>
           <a:p>
-            <a:r>
-              <a:rPr lang="en-US" altLang="ko-KR" b="1" dirty="0" smtClean="0"/>
-              <a:t>RFID </a:t>
-            </a:r>
-          </a:p>
-          <a:p>
-            <a:pPr algn="just"/>
-            <a:r>
-              <a:rPr lang="en-US" altLang="ko-KR" dirty="0" smtClean="0"/>
-              <a:t>124Khz ~ 2.45GHZ, </a:t>
-            </a:r>
-            <a:r>
-              <a:rPr lang="ko-KR" altLang="en-US" dirty="0" smtClean="0"/>
-              <a:t>주파수를 이용해</a:t>
-            </a:r>
-            <a:r>
-              <a:rPr lang="en-US" altLang="ko-KR" dirty="0" smtClean="0"/>
-              <a:t>, ID</a:t>
-            </a:r>
-            <a:r>
-              <a:rPr lang="ko-KR" altLang="en-US" dirty="0" smtClean="0"/>
-              <a:t>를 식별하는 방식</a:t>
-            </a:r>
-            <a:r>
-              <a:rPr lang="en-US" altLang="ko-KR" dirty="0" smtClean="0"/>
-              <a:t>, </a:t>
-            </a:r>
-            <a:r>
-              <a:rPr lang="ko-KR" altLang="en-US" dirty="0" smtClean="0"/>
-              <a:t>집적회로와 안테나를 사용</a:t>
-            </a:r>
-            <a:r>
-              <a:rPr lang="en-US" altLang="ko-KR" dirty="0" smtClean="0"/>
-              <a:t>, </a:t>
-            </a:r>
-            <a:r>
-              <a:rPr lang="ko-KR" altLang="en-US" dirty="0" smtClean="0"/>
-              <a:t>안테나로 송신</a:t>
-            </a:r>
-            <a:r>
-              <a:rPr lang="en-US" altLang="ko-KR" dirty="0" smtClean="0"/>
-              <a:t>, </a:t>
-            </a:r>
-            <a:r>
-              <a:rPr lang="ko-KR" altLang="en-US" dirty="0" smtClean="0"/>
-              <a:t>집적회로로 수신해 식별</a:t>
-            </a:r>
-          </a:p>
-          <a:p>
-            <a:pPr algn="just"/>
-            <a:r>
-              <a:rPr lang="ko-KR" altLang="en-US" dirty="0" smtClean="0"/>
-              <a:t>범위 </a:t>
-            </a:r>
-            <a:r>
-              <a:rPr lang="en-US" altLang="ko-KR" dirty="0" smtClean="0"/>
-              <a:t>: 100m</a:t>
-            </a:r>
-          </a:p>
-          <a:p>
-            <a:pPr algn="just"/>
-            <a:r>
-              <a:rPr lang="ko-KR" altLang="en-US" dirty="0" smtClean="0"/>
-              <a:t>특징 </a:t>
-            </a:r>
-            <a:r>
-              <a:rPr lang="en-US" altLang="ko-KR" dirty="0" smtClean="0"/>
-              <a:t>: </a:t>
-            </a:r>
-            <a:r>
-              <a:rPr lang="ko-KR" altLang="en-US" dirty="0" smtClean="0"/>
-              <a:t>장거리 인식</a:t>
-            </a:r>
-            <a:r>
-              <a:rPr lang="en-US" altLang="ko-KR" dirty="0" smtClean="0"/>
-              <a:t>, </a:t>
-            </a:r>
-            <a:r>
-              <a:rPr lang="ko-KR" altLang="en-US" dirty="0" err="1" smtClean="0"/>
-              <a:t>단방향</a:t>
-            </a:r>
-            <a:r>
-              <a:rPr lang="ko-KR" altLang="en-US" dirty="0" smtClean="0"/>
-              <a:t> 통신</a:t>
-            </a:r>
-            <a:r>
-              <a:rPr lang="en-US" altLang="ko-KR" dirty="0" smtClean="0"/>
-              <a:t>, </a:t>
-            </a:r>
-            <a:r>
-              <a:rPr lang="ko-KR" altLang="en-US" dirty="0" smtClean="0"/>
-              <a:t>태그</a:t>
-            </a:r>
-            <a:r>
-              <a:rPr lang="en-US" altLang="ko-KR" dirty="0" smtClean="0"/>
-              <a:t>, </a:t>
-            </a:r>
-            <a:r>
-              <a:rPr lang="ko-KR" altLang="en-US" dirty="0" smtClean="0"/>
-              <a:t>리더 별도</a:t>
-            </a:r>
-            <a:endParaRPr lang="en-US" altLang="ko-KR" dirty="0" smtClean="0"/>
-          </a:p>
-          <a:p>
-            <a:pPr algn="just"/>
-            <a:r>
-              <a:rPr lang="ko-KR" altLang="en-US" dirty="0" smtClean="0"/>
-              <a:t>예 </a:t>
-            </a:r>
-            <a:r>
-              <a:rPr lang="en-US" altLang="ko-KR" dirty="0" smtClean="0"/>
-              <a:t>: </a:t>
-            </a:r>
-            <a:r>
-              <a:rPr lang="ko-KR" altLang="en-US" dirty="0" smtClean="0"/>
-              <a:t>고속도로 </a:t>
-            </a:r>
-            <a:r>
-              <a:rPr lang="ko-KR" altLang="en-US" dirty="0" err="1" smtClean="0"/>
-              <a:t>하이패스</a:t>
-            </a:r>
-            <a:r>
-              <a:rPr lang="ko-KR" altLang="en-US" dirty="0" smtClean="0"/>
-              <a:t>, 물류 관리</a:t>
-            </a:r>
-            <a:r>
-              <a:rPr lang="en-US" altLang="ko-KR" dirty="0" smtClean="0"/>
-              <a:t>, </a:t>
-            </a:r>
-            <a:r>
-              <a:rPr lang="ko-KR" altLang="en-US" dirty="0" smtClean="0"/>
-              <a:t>야생동물 관찰</a:t>
-            </a:r>
-            <a:endParaRPr lang="en-US" altLang="ko-KR" dirty="0" smtClean="0"/>
-          </a:p>
-          <a:p>
-            <a:endParaRPr lang="en-US" altLang="ko-KR" dirty="0"/>
-          </a:p>
-        </p:txBody>
-      </p:sp>
-      <p:sp>
-        <p:nvSpPr>
-          <p:cNvPr id="8" name="직사각형 7"/>
-          <p:cNvSpPr/>
-          <p:nvPr/>
-        </p:nvSpPr>
-        <p:spPr>
-          <a:xfrm>
-            <a:off x="676274" y="4907696"/>
-            <a:ext cx="10887075" cy="1477328"/>
-          </a:xfrm>
-          <a:prstGeom prst="rect">
-            <a:avLst/>
-          </a:prstGeom>
-        </p:spPr>
-        <p:txBody>
-          <a:bodyPr wrap="square">
-            <a:spAutoFit/>
-          </a:bodyPr>
-          <a:lstStyle/>
-          <a:p>
-            <a:r>
-              <a:rPr lang="en-US" altLang="ko-KR" b="1" dirty="0" smtClean="0"/>
-              <a:t>NFC </a:t>
-            </a:r>
-          </a:p>
-          <a:p>
-            <a:pPr algn="just"/>
-            <a:r>
-              <a:rPr lang="en-US" altLang="ko-KR" dirty="0" smtClean="0"/>
-              <a:t>RFID</a:t>
-            </a:r>
-            <a:r>
-              <a:rPr lang="ko-KR" altLang="en-US" dirty="0" smtClean="0"/>
-              <a:t>에서 파생된것</a:t>
-            </a:r>
-            <a:r>
-              <a:rPr lang="en-US" altLang="ko-KR" dirty="0" smtClean="0"/>
-              <a:t>, </a:t>
-            </a:r>
-            <a:r>
-              <a:rPr lang="ko-KR" altLang="en-US" dirty="0" smtClean="0"/>
-              <a:t>주파수만 다름</a:t>
-            </a:r>
-            <a:r>
-              <a:rPr lang="en-US" altLang="ko-KR" dirty="0" smtClean="0"/>
-              <a:t>, 13.56Mhz</a:t>
-            </a:r>
-          </a:p>
-          <a:p>
-            <a:pPr algn="just"/>
-            <a:r>
-              <a:rPr lang="ko-KR" altLang="en-US" dirty="0" smtClean="0"/>
-              <a:t>범위 </a:t>
-            </a:r>
-            <a:r>
-              <a:rPr lang="en-US" altLang="ko-KR" dirty="0" smtClean="0"/>
-              <a:t>:10cm </a:t>
-            </a:r>
-            <a:r>
-              <a:rPr lang="ko-KR" altLang="en-US" dirty="0" smtClean="0"/>
-              <a:t>내외</a:t>
-            </a:r>
-            <a:endParaRPr lang="en-US" altLang="ko-KR" dirty="0" smtClean="0"/>
-          </a:p>
-          <a:p>
-            <a:pPr algn="just"/>
-            <a:r>
-              <a:rPr lang="ko-KR" altLang="en-US" dirty="0" smtClean="0"/>
-              <a:t>특징 </a:t>
-            </a:r>
-            <a:r>
-              <a:rPr lang="en-US" altLang="ko-KR" dirty="0" smtClean="0"/>
-              <a:t>: </a:t>
-            </a:r>
-            <a:r>
-              <a:rPr lang="ko-KR" altLang="en-US" dirty="0" smtClean="0"/>
-              <a:t>높은 </a:t>
-            </a:r>
-            <a:r>
-              <a:rPr lang="ko-KR" altLang="en-US" dirty="0" err="1" smtClean="0"/>
-              <a:t>보안성</a:t>
-            </a:r>
-            <a:r>
-              <a:rPr lang="en-US" altLang="ko-KR" dirty="0" smtClean="0"/>
-              <a:t>, </a:t>
-            </a:r>
-            <a:r>
-              <a:rPr lang="ko-KR" altLang="en-US" dirty="0" smtClean="0"/>
-              <a:t>양방향 통신</a:t>
-            </a:r>
-            <a:r>
-              <a:rPr lang="en-US" altLang="ko-KR" dirty="0" smtClean="0"/>
-              <a:t>, 1:1 </a:t>
-            </a:r>
-            <a:r>
-              <a:rPr lang="ko-KR" altLang="en-US" dirty="0" smtClean="0"/>
-              <a:t>서비스</a:t>
-            </a:r>
-          </a:p>
-          <a:p>
-            <a:pPr algn="just"/>
-            <a:r>
-              <a:rPr lang="ko-KR" altLang="en-US" dirty="0" smtClean="0"/>
-              <a:t>예 </a:t>
-            </a:r>
-            <a:r>
-              <a:rPr lang="en-US" altLang="ko-KR" dirty="0" smtClean="0"/>
-              <a:t>: </a:t>
-            </a:r>
-            <a:r>
-              <a:rPr lang="ko-KR" altLang="en-US" dirty="0" err="1" smtClean="0"/>
-              <a:t>스마트폰</a:t>
-            </a:r>
-            <a:r>
-              <a:rPr lang="ko-KR" altLang="en-US" dirty="0" smtClean="0"/>
-              <a:t> 결제</a:t>
-            </a:r>
-            <a:r>
-              <a:rPr lang="en-US" altLang="ko-KR" dirty="0" smtClean="0"/>
-              <a:t>, </a:t>
-            </a:r>
-            <a:r>
-              <a:rPr lang="ko-KR" altLang="en-US" dirty="0" err="1" smtClean="0"/>
-              <a:t>자동차키</a:t>
-            </a:r>
-            <a:r>
-              <a:rPr lang="en-US" altLang="ko-KR" dirty="0" smtClean="0"/>
-              <a:t>, </a:t>
-            </a:r>
-            <a:r>
-              <a:rPr lang="ko-KR" altLang="en-US" dirty="0" err="1" smtClean="0"/>
-              <a:t>호텔키</a:t>
-            </a:r>
-            <a:endParaRPr lang="ko-KR" altLang="en-US" dirty="0" smtClean="0"/>
+            <a:pPr algn="ctr"/>
+            <a:endParaRPr lang="ko-KR" altLang="en-US"/>
           </a:p>
         </p:txBody>
       </p:sp>
     </p:spTree>
     <p:extLst>
       <p:ext uri="{BB962C8B-B14F-4D97-AF65-F5344CB8AC3E}">
-        <p14:creationId xmlns="" xmlns:p14="http://schemas.microsoft.com/office/powerpoint/2010/main" val="2142710581"/>
+        <p14:creationId xmlns:p14="http://schemas.microsoft.com/office/powerpoint/2010/main" xmlns="" val="2142710581"/>
       </p:ext>
     </p:extLst>
   </p:cSld>
@@ -5826,260 +5881,6 @@
       </p:grpSpPr>
       <p:sp>
         <p:nvSpPr>
-          <p:cNvPr id="6" name="TextBox 5">
-            <a:extLst>
-              <a:ext uri="{FF2B5EF4-FFF2-40B4-BE49-F238E27FC236}">
-                <a16:creationId xmlns="" xmlns:a16="http://schemas.microsoft.com/office/drawing/2014/main" id="{46063DD2-9B38-F147-A0DC-464FBEA0D179}"/>
-              </a:ext>
-            </a:extLst>
-          </p:cNvPr>
-          <p:cNvSpPr txBox="1"/>
-          <p:nvPr/>
-        </p:nvSpPr>
-        <p:spPr>
-          <a:xfrm>
-            <a:off x="479425" y="975992"/>
-            <a:ext cx="3316934" cy="404150"/>
-          </a:xfrm>
-          <a:prstGeom prst="rect">
-            <a:avLst/>
-          </a:prstGeom>
-          <a:noFill/>
-        </p:spPr>
-        <p:txBody>
-          <a:bodyPr wrap="none" rtlCol="0">
-            <a:spAutoFit/>
-          </a:bodyPr>
-          <a:lstStyle/>
-          <a:p>
-            <a:pPr>
-              <a:lnSpc>
-                <a:spcPct val="150000"/>
-              </a:lnSpc>
-              <a:spcBef>
-                <a:spcPts val="160"/>
-              </a:spcBef>
-              <a:spcAft>
-                <a:spcPts val="160"/>
-              </a:spcAft>
-            </a:pPr>
-            <a:r>
-              <a:rPr kumimoji="1" lang="en-US" altLang="ko-KR" sz="1600" b="1" dirty="0" smtClean="0">
-                <a:solidFill>
-                  <a:srgbClr val="009D4F"/>
-                </a:solidFill>
-                <a:latin typeface="Noto Sans CJK KR Regular" panose="020B0500000000000000" pitchFamily="34" charset="-128"/>
-                <a:ea typeface="Noto Sans CJK KR Regular" panose="020B0500000000000000" pitchFamily="34" charset="-128"/>
-              </a:rPr>
-              <a:t>3. </a:t>
-            </a:r>
-            <a:r>
-              <a:rPr kumimoji="1" lang="ko-KR" altLang="en-US" sz="1600" b="1" dirty="0" smtClean="0">
-                <a:solidFill>
-                  <a:srgbClr val="009D4F"/>
-                </a:solidFill>
-                <a:latin typeface="Noto Sans CJK KR Regular" panose="020B0500000000000000" pitchFamily="34" charset="-128"/>
-                <a:ea typeface="Noto Sans CJK KR Regular" panose="020B0500000000000000" pitchFamily="34" charset="-128"/>
-              </a:rPr>
-              <a:t>현황 메뉴 </a:t>
-            </a:r>
-            <a:r>
-              <a:rPr kumimoji="1" lang="en-US" altLang="ko-KR" sz="1600" b="1" dirty="0" smtClean="0">
-                <a:solidFill>
-                  <a:srgbClr val="009D4F"/>
-                </a:solidFill>
-                <a:latin typeface="Noto Sans CJK KR Regular" panose="020B0500000000000000" pitchFamily="34" charset="-128"/>
-                <a:ea typeface="Noto Sans CJK KR Regular" panose="020B0500000000000000" pitchFamily="34" charset="-128"/>
-              </a:rPr>
-              <a:t>Status Card </a:t>
-            </a:r>
-            <a:r>
-              <a:rPr kumimoji="1" lang="ko-KR" altLang="en-US" sz="1600" b="1" dirty="0" smtClean="0">
-                <a:solidFill>
-                  <a:srgbClr val="009D4F"/>
-                </a:solidFill>
-                <a:latin typeface="Noto Sans CJK KR Regular" panose="020B0500000000000000" pitchFamily="34" charset="-128"/>
-                <a:ea typeface="Noto Sans CJK KR Regular" panose="020B0500000000000000" pitchFamily="34" charset="-128"/>
-              </a:rPr>
-              <a:t>배치 질문</a:t>
-            </a:r>
-            <a:endParaRPr kumimoji="1" lang="en-US" altLang="ko-KR" sz="1600" b="1" dirty="0">
-              <a:solidFill>
-                <a:srgbClr val="009D4F"/>
-              </a:solidFill>
-              <a:latin typeface="Noto Sans CJK KR Regular" panose="020B0500000000000000" pitchFamily="34" charset="-128"/>
-              <a:ea typeface="Noto Sans CJK KR Regular" panose="020B0500000000000000" pitchFamily="34" charset="-128"/>
-            </a:endParaRPr>
-          </a:p>
-        </p:txBody>
-      </p:sp>
-      <p:sp>
-        <p:nvSpPr>
-          <p:cNvPr id="20" name="TextBox 19">
-            <a:extLst>
-              <a:ext uri="{FF2B5EF4-FFF2-40B4-BE49-F238E27FC236}">
-                <a16:creationId xmlns="" xmlns:a16="http://schemas.microsoft.com/office/drawing/2014/main" id="{BB1F688A-EECA-AD4B-9974-52A755017E57}"/>
-              </a:ext>
-            </a:extLst>
-          </p:cNvPr>
-          <p:cNvSpPr txBox="1"/>
-          <p:nvPr/>
-        </p:nvSpPr>
-        <p:spPr>
-          <a:xfrm>
-            <a:off x="377972" y="369097"/>
-            <a:ext cx="1704313" cy="646331"/>
-          </a:xfrm>
-          <a:prstGeom prst="rect">
-            <a:avLst/>
-          </a:prstGeom>
-          <a:noFill/>
-        </p:spPr>
-        <p:txBody>
-          <a:bodyPr wrap="none" rtlCol="0">
-            <a:spAutoFit/>
-          </a:bodyPr>
-          <a:lstStyle/>
-          <a:p>
-            <a:pPr>
-              <a:lnSpc>
-                <a:spcPct val="150000"/>
-              </a:lnSpc>
-            </a:pPr>
-            <a:r>
-              <a:rPr kumimoji="1" lang="en-US" altLang="ko-KR" sz="2400" b="1" dirty="0" smtClean="0">
-                <a:solidFill>
-                  <a:srgbClr val="009D4F"/>
-                </a:solidFill>
-                <a:latin typeface="Noto Sans CJK KR Bold" panose="020B0500000000000000" pitchFamily="34" charset="-128"/>
-                <a:ea typeface="Noto Sans CJK KR Bold" panose="020B0500000000000000" pitchFamily="34" charset="-128"/>
-              </a:rPr>
-              <a:t>4. </a:t>
-            </a:r>
-            <a:r>
-              <a:rPr kumimoji="1" lang="ko-KR" altLang="en-US" sz="2400" b="1" dirty="0" err="1" smtClean="0">
-                <a:solidFill>
-                  <a:srgbClr val="009D4F"/>
-                </a:solidFill>
-                <a:latin typeface="Noto Sans CJK KR Bold" panose="020B0500000000000000" pitchFamily="34" charset="-128"/>
-                <a:ea typeface="Noto Sans CJK KR Bold" panose="020B0500000000000000" pitchFamily="34" charset="-128"/>
-              </a:rPr>
-              <a:t>향후계획</a:t>
-            </a:r>
-            <a:endParaRPr kumimoji="1" lang="en-US" altLang="ko-KR" sz="2400" b="1" dirty="0">
-              <a:solidFill>
-                <a:srgbClr val="009D4F"/>
-              </a:solidFill>
-              <a:latin typeface="Noto Sans CJK KR Bold" panose="020B0500000000000000" pitchFamily="34" charset="-128"/>
-              <a:ea typeface="Noto Sans CJK KR Bold" panose="020B0500000000000000" pitchFamily="34" charset="-128"/>
-            </a:endParaRPr>
-          </a:p>
-        </p:txBody>
-      </p:sp>
-      <p:pic>
-        <p:nvPicPr>
-          <p:cNvPr id="4098" name="Picture 2" descr="C:\Users\cailab\Desktop\언급.PNG"/>
-          <p:cNvPicPr>
-            <a:picLocks noChangeAspect="1" noChangeArrowheads="1"/>
-          </p:cNvPicPr>
-          <p:nvPr/>
-        </p:nvPicPr>
-        <p:blipFill>
-          <a:blip r:embed="rId2"/>
-          <a:srcRect/>
-          <a:stretch>
-            <a:fillRect/>
-          </a:stretch>
-        </p:blipFill>
-        <p:spPr bwMode="auto">
-          <a:xfrm>
-            <a:off x="593725" y="1436943"/>
-            <a:ext cx="9845675" cy="5160706"/>
-          </a:xfrm>
-          <a:prstGeom prst="rect">
-            <a:avLst/>
-          </a:prstGeom>
-          <a:noFill/>
-        </p:spPr>
-      </p:pic>
-      <p:sp>
-        <p:nvSpPr>
-          <p:cNvPr id="7" name="직사각형 6"/>
-          <p:cNvSpPr/>
-          <p:nvPr/>
-        </p:nvSpPr>
-        <p:spPr>
-          <a:xfrm>
-            <a:off x="8743950" y="3019425"/>
-            <a:ext cx="1104900" cy="3390900"/>
-          </a:xfrm>
-          <a:prstGeom prst="rect">
-            <a:avLst/>
-          </a:prstGeom>
-          <a:noFill/>
-          <a:ln w="50800">
-            <a:solidFill>
-              <a:srgbClr val="FF0000"/>
-            </a:solidFill>
-          </a:ln>
-        </p:spPr>
-        <p:style>
-          <a:lnRef idx="2">
-            <a:schemeClr val="accent1">
-              <a:shade val="50000"/>
-            </a:schemeClr>
-          </a:lnRef>
-          <a:fillRef idx="1">
-            <a:schemeClr val="accent1"/>
-          </a:fillRef>
-          <a:effectRef idx="0">
-            <a:schemeClr val="accent1"/>
-          </a:effectRef>
-          <a:fontRef idx="minor">
-            <a:schemeClr val="lt1"/>
-          </a:fontRef>
-        </p:style>
-        <p:txBody>
-          <a:bodyPr rtlCol="0" anchor="ctr"/>
-          <a:lstStyle/>
-          <a:p>
-            <a:pPr algn="ctr"/>
-            <a:endParaRPr lang="ko-KR" altLang="en-US"/>
-          </a:p>
-        </p:txBody>
-      </p:sp>
-    </p:spTree>
-    <p:extLst>
-      <p:ext uri="{BB962C8B-B14F-4D97-AF65-F5344CB8AC3E}">
-        <p14:creationId xmlns="" xmlns:p14="http://schemas.microsoft.com/office/powerpoint/2010/main" val="2142710581"/>
-      </p:ext>
-    </p:extLst>
-  </p:cSld>
-  <p:clrMapOvr>
-    <a:masterClrMapping/>
-  </p:clrMapOvr>
-</p:sld>
-</file>
-
-<file path=ppt/slides/slide14.xml><?xml version="1.0" encoding="utf-8"?>
-<p:sld xmlns:a="http://schemas.openxmlformats.org/drawingml/2006/main" xmlns:r="http://schemas.openxmlformats.org/officeDocument/2006/relationships" xmlns:p="http://schemas.openxmlformats.org/presentationml/2006/main">
-  <p:cSld>
-    <p:spTree>
-      <p:nvGrpSpPr>
-        <p:cNvPr id="1" name=""/>
-        <p:cNvGrpSpPr/>
-        <p:nvPr/>
-      </p:nvGrpSpPr>
-      <p:grpSpPr>
-        <a:xfrm>
-          <a:off x="0" y="0"/>
-          <a:ext cx="0" cy="0"/>
-          <a:chOff x="0" y="0"/>
-          <a:chExt cx="0" cy="0"/>
-        </a:xfrm>
-      </p:grpSpPr>
-      <p:sp>
-        <p:nvSpPr>
           <p:cNvPr id="4" name="object 4"/>
           <p:cNvSpPr txBox="1">
             <a:spLocks noGrp="1"/>
@@ -6143,7 +5944,7 @@
           <p:cNvPr id="5" name="그림 4" descr="텍스트, 표지판, 어두운이(가) 표시된 사진&#10;&#10;자동 생성된 설명">
             <a:extLst>
               <a:ext uri="{FF2B5EF4-FFF2-40B4-BE49-F238E27FC236}">
-                <a16:creationId xmlns="" xmlns:a16="http://schemas.microsoft.com/office/drawing/2014/main" id="{99DB973B-8F31-454D-965E-8D3C8A77EF2C}"/>
+                <a16:creationId xmlns:a16="http://schemas.microsoft.com/office/drawing/2014/main" xmlns="" id="{99DB973B-8F31-454D-965E-8D3C8A77EF2C}"/>
               </a:ext>
             </a:extLst>
           </p:cNvPr>
@@ -6173,7 +5974,7 @@
           <p:cNvPr id="6" name="Picture 2">
             <a:extLst>
               <a:ext uri="{FF2B5EF4-FFF2-40B4-BE49-F238E27FC236}">
-                <a16:creationId xmlns="" xmlns:a16="http://schemas.microsoft.com/office/drawing/2014/main" id="{E331DF8F-51A3-D3C4-B811-DFBF2677D596}"/>
+                <a16:creationId xmlns:a16="http://schemas.microsoft.com/office/drawing/2014/main" xmlns="" id="{E331DF8F-51A3-D3C4-B811-DFBF2677D596}"/>
               </a:ext>
             </a:extLst>
           </p:cNvPr>
@@ -6186,7 +5987,7 @@
           <a:blip r:embed="rId3">
             <a:extLst>
               <a:ext uri="{BEBA8EAE-BF5A-486C-A8C5-ECC9F3942E4B}">
-                <a14:imgProps xmlns="" xmlns:a14="http://schemas.microsoft.com/office/drawing/2010/main">
+                <a14:imgProps xmlns:a14="http://schemas.microsoft.com/office/drawing/2010/main" xmlns="">
                   <a14:imgLayer r:embed="rId4">
                     <a14:imgEffect>
                       <a14:saturation sat="96000"/>
@@ -6198,7 +5999,7 @@
                 </a14:imgProps>
               </a:ext>
               <a:ext uri="{28A0092B-C50C-407E-A947-70E740481C1C}">
-                <a14:useLocalDpi xmlns="" xmlns:a14="http://schemas.microsoft.com/office/drawing/2010/main" val="0"/>
+                <a14:useLocalDpi xmlns:a14="http://schemas.microsoft.com/office/drawing/2010/main" xmlns="" val="0"/>
               </a:ext>
             </a:extLst>
           </a:blip>
@@ -6218,7 +6019,7 @@
           <a:noFill/>
           <a:extLst>
             <a:ext uri="{909E8E84-426E-40DD-AFC4-6F175D3DCCD1}">
-              <a14:hiddenFill xmlns="" xmlns:a14="http://schemas.microsoft.com/office/drawing/2010/main">
+              <a14:hiddenFill xmlns:a14="http://schemas.microsoft.com/office/drawing/2010/main" xmlns="">
                 <a:solidFill>
                   <a:srgbClr val="FFFFFF"/>
                 </a:solidFill>
@@ -6257,7 +6058,7 @@
           <p:cNvPr id="4" name="TextBox 3">
             <a:extLst>
               <a:ext uri="{FF2B5EF4-FFF2-40B4-BE49-F238E27FC236}">
-                <a16:creationId xmlns="" xmlns:a16="http://schemas.microsoft.com/office/drawing/2014/main" id="{553A531E-0264-474E-80E1-4D6EC51A9F73}"/>
+                <a16:creationId xmlns:a16="http://schemas.microsoft.com/office/drawing/2014/main" xmlns="" id="{553A531E-0264-474E-80E1-4D6EC51A9F73}"/>
               </a:ext>
             </a:extLst>
           </p:cNvPr>
@@ -6305,7 +6106,7 @@
           <p:cNvPr id="16" name="TextBox 15">
             <a:extLst>
               <a:ext uri="{FF2B5EF4-FFF2-40B4-BE49-F238E27FC236}">
-                <a16:creationId xmlns="" xmlns:a16="http://schemas.microsoft.com/office/drawing/2014/main" id="{66F1A837-3EF0-CC4C-9E70-66BA9C46692F}"/>
+                <a16:creationId xmlns:a16="http://schemas.microsoft.com/office/drawing/2014/main" xmlns="" id="{66F1A837-3EF0-CC4C-9E70-66BA9C46692F}"/>
               </a:ext>
             </a:extLst>
           </p:cNvPr>
@@ -6404,20 +6205,7 @@
                 <a:latin typeface="210 옴니고딕 030" panose="02020603020101020101" pitchFamily="18" charset="-127"/>
                 <a:ea typeface="210 옴니고딕 030" panose="02020603020101020101" pitchFamily="18" charset="-127"/>
               </a:rPr>
-              <a:t> </a:t>
-            </a:r>
-            <a:r>
-              <a:rPr kumimoji="1" lang="ko-KR" altLang="en-US" sz="2400" dirty="0" smtClean="0">
-                <a:solidFill>
-                  <a:schemeClr val="tx1">
-                    <a:lumMod val="85000"/>
-                    <a:lumOff val="15000"/>
-                  </a:schemeClr>
-                </a:solidFill>
-                <a:latin typeface="210 옴니고딕 030" panose="02020603020101020101" pitchFamily="18" charset="-127"/>
-                <a:ea typeface="210 옴니고딕 030" panose="02020603020101020101" pitchFamily="18" charset="-127"/>
-              </a:rPr>
-              <a:t>프로젝트</a:t>
+              <a:t> 프로젝트</a:t>
             </a:r>
             <a:endParaRPr kumimoji="1" lang="en-US" altLang="ko-KR" sz="2400" dirty="0" smtClean="0">
               <a:solidFill>
@@ -6499,7 +6287,7 @@
     </p:spTree>
     <p:extLst>
       <p:ext uri="{BB962C8B-B14F-4D97-AF65-F5344CB8AC3E}">
-        <p14:creationId xmlns="" xmlns:p14="http://schemas.microsoft.com/office/powerpoint/2010/main" val="4104666055"/>
+        <p14:creationId xmlns:p14="http://schemas.microsoft.com/office/powerpoint/2010/main" xmlns="" val="4104666055"/>
       </p:ext>
     </p:extLst>
   </p:cSld>
@@ -6531,7 +6319,7 @@
           <p:cNvPr id="20" name="TextBox 19">
             <a:extLst>
               <a:ext uri="{FF2B5EF4-FFF2-40B4-BE49-F238E27FC236}">
-                <a16:creationId xmlns="" xmlns:a16="http://schemas.microsoft.com/office/drawing/2014/main" id="{BB1F688A-EECA-AD4B-9974-52A755017E57}"/>
+                <a16:creationId xmlns:a16="http://schemas.microsoft.com/office/drawing/2014/main" xmlns="" id="{BB1F688A-EECA-AD4B-9974-52A755017E57}"/>
               </a:ext>
             </a:extLst>
           </p:cNvPr>
@@ -6594,7 +6382,7 @@
           <p:cNvPr id="18" name="TextBox 17">
             <a:extLst>
               <a:ext uri="{FF2B5EF4-FFF2-40B4-BE49-F238E27FC236}">
-                <a16:creationId xmlns:a16="http://schemas.microsoft.com/office/drawing/2014/main" xmlns="" id="{46063DD2-9B38-F147-A0DC-464FBEA0D179}"/>
+                <a16:creationId xmlns="" xmlns:a16="http://schemas.microsoft.com/office/drawing/2014/main" id="{46063DD2-9B38-F147-A0DC-464FBEA0D179}"/>
               </a:ext>
             </a:extLst>
           </p:cNvPr>
@@ -6719,7 +6507,7 @@
           <p:cNvPr id="9" name="TextBox 8">
             <a:extLst>
               <a:ext uri="{FF2B5EF4-FFF2-40B4-BE49-F238E27FC236}">
-                <a16:creationId xmlns:a16="http://schemas.microsoft.com/office/drawing/2014/main" xmlns="" id="{46063DD2-9B38-F147-A0DC-464FBEA0D179}"/>
+                <a16:creationId xmlns="" xmlns:a16="http://schemas.microsoft.com/office/drawing/2014/main" id="{46063DD2-9B38-F147-A0DC-464FBEA0D179}"/>
               </a:ext>
             </a:extLst>
           </p:cNvPr>
@@ -6806,7 +6594,7 @@
     </p:spTree>
     <p:extLst>
       <p:ext uri="{BB962C8B-B14F-4D97-AF65-F5344CB8AC3E}">
-        <p14:creationId xmlns="" xmlns:p14="http://schemas.microsoft.com/office/powerpoint/2010/main" val="1062904964"/>
+        <p14:creationId xmlns:p14="http://schemas.microsoft.com/office/powerpoint/2010/main" xmlns="" val="1062904964"/>
       </p:ext>
     </p:extLst>
   </p:cSld>
@@ -6838,7 +6626,7 @@
           <p:cNvPr id="20" name="TextBox 19">
             <a:extLst>
               <a:ext uri="{FF2B5EF4-FFF2-40B4-BE49-F238E27FC236}">
-                <a16:creationId xmlns="" xmlns:a16="http://schemas.microsoft.com/office/drawing/2014/main" id="{BB1F688A-EECA-AD4B-9974-52A755017E57}"/>
+                <a16:creationId xmlns:a16="http://schemas.microsoft.com/office/drawing/2014/main" xmlns="" id="{BB1F688A-EECA-AD4B-9974-52A755017E57}"/>
               </a:ext>
             </a:extLst>
           </p:cNvPr>
@@ -6901,7 +6689,7 @@
           <p:cNvPr id="5" name="TextBox 4">
             <a:extLst>
               <a:ext uri="{FF2B5EF4-FFF2-40B4-BE49-F238E27FC236}">
-                <a16:creationId xmlns:a16="http://schemas.microsoft.com/office/drawing/2014/main" xmlns="" id="{46063DD2-9B38-F147-A0DC-464FBEA0D179}"/>
+                <a16:creationId xmlns="" xmlns:a16="http://schemas.microsoft.com/office/drawing/2014/main" id="{46063DD2-9B38-F147-A0DC-464FBEA0D179}"/>
               </a:ext>
             </a:extLst>
           </p:cNvPr>
@@ -6960,7 +6748,7 @@
           <p:cNvPr id="6" name="TextBox 5">
             <a:extLst>
               <a:ext uri="{FF2B5EF4-FFF2-40B4-BE49-F238E27FC236}">
-                <a16:creationId xmlns:a16="http://schemas.microsoft.com/office/drawing/2014/main" xmlns="" id="{46063DD2-9B38-F147-A0DC-464FBEA0D179}"/>
+                <a16:creationId xmlns="" xmlns:a16="http://schemas.microsoft.com/office/drawing/2014/main" id="{46063DD2-9B38-F147-A0DC-464FBEA0D179}"/>
               </a:ext>
             </a:extLst>
           </p:cNvPr>
@@ -7073,7 +6861,7 @@
     </p:spTree>
     <p:extLst>
       <p:ext uri="{BB962C8B-B14F-4D97-AF65-F5344CB8AC3E}">
-        <p14:creationId xmlns="" xmlns:p14="http://schemas.microsoft.com/office/powerpoint/2010/main" val="1062904964"/>
+        <p14:creationId xmlns:p14="http://schemas.microsoft.com/office/powerpoint/2010/main" xmlns="" val="1062904964"/>
       </p:ext>
     </p:extLst>
   </p:cSld>
@@ -7105,7 +6893,7 @@
           <p:cNvPr id="20" name="TextBox 19">
             <a:extLst>
               <a:ext uri="{FF2B5EF4-FFF2-40B4-BE49-F238E27FC236}">
-                <a16:creationId xmlns="" xmlns:a16="http://schemas.microsoft.com/office/drawing/2014/main" id="{BB1F688A-EECA-AD4B-9974-52A755017E57}"/>
+                <a16:creationId xmlns:a16="http://schemas.microsoft.com/office/drawing/2014/main" xmlns="" id="{BB1F688A-EECA-AD4B-9974-52A755017E57}"/>
               </a:ext>
             </a:extLst>
           </p:cNvPr>
@@ -7188,7 +6976,7 @@
           <p:cNvPr id="18" name="TextBox 17">
             <a:extLst>
               <a:ext uri="{FF2B5EF4-FFF2-40B4-BE49-F238E27FC236}">
-                <a16:creationId xmlns:a16="http://schemas.microsoft.com/office/drawing/2014/main" xmlns="" id="{46063DD2-9B38-F147-A0DC-464FBEA0D179}"/>
+                <a16:creationId xmlns="" xmlns:a16="http://schemas.microsoft.com/office/drawing/2014/main" id="{46063DD2-9B38-F147-A0DC-464FBEA0D179}"/>
               </a:ext>
             </a:extLst>
           </p:cNvPr>
@@ -7281,7 +7069,7 @@
     </p:spTree>
     <p:extLst>
       <p:ext uri="{BB962C8B-B14F-4D97-AF65-F5344CB8AC3E}">
-        <p14:creationId xmlns="" xmlns:p14="http://schemas.microsoft.com/office/powerpoint/2010/main" val="1062904964"/>
+        <p14:creationId xmlns:p14="http://schemas.microsoft.com/office/powerpoint/2010/main" xmlns="" val="1062904964"/>
       </p:ext>
     </p:extLst>
   </p:cSld>
@@ -7313,7 +7101,7 @@
           <p:cNvPr id="20" name="TextBox 19">
             <a:extLst>
               <a:ext uri="{FF2B5EF4-FFF2-40B4-BE49-F238E27FC236}">
-                <a16:creationId xmlns="" xmlns:a16="http://schemas.microsoft.com/office/drawing/2014/main" id="{BB1F688A-EECA-AD4B-9974-52A755017E57}"/>
+                <a16:creationId xmlns:a16="http://schemas.microsoft.com/office/drawing/2014/main" xmlns="" id="{BB1F688A-EECA-AD4B-9974-52A755017E57}"/>
               </a:ext>
             </a:extLst>
           </p:cNvPr>
@@ -7396,7 +7184,7 @@
           <p:cNvPr id="18" name="TextBox 17">
             <a:extLst>
               <a:ext uri="{FF2B5EF4-FFF2-40B4-BE49-F238E27FC236}">
-                <a16:creationId xmlns:a16="http://schemas.microsoft.com/office/drawing/2014/main" xmlns="" id="{46063DD2-9B38-F147-A0DC-464FBEA0D179}"/>
+                <a16:creationId xmlns="" xmlns:a16="http://schemas.microsoft.com/office/drawing/2014/main" id="{46063DD2-9B38-F147-A0DC-464FBEA0D179}"/>
               </a:ext>
             </a:extLst>
           </p:cNvPr>
@@ -7479,7 +7267,7 @@
     </p:spTree>
     <p:extLst>
       <p:ext uri="{BB962C8B-B14F-4D97-AF65-F5344CB8AC3E}">
-        <p14:creationId xmlns="" xmlns:p14="http://schemas.microsoft.com/office/powerpoint/2010/main" val="1062904964"/>
+        <p14:creationId xmlns:p14="http://schemas.microsoft.com/office/powerpoint/2010/main" xmlns="" val="1062904964"/>
       </p:ext>
     </p:extLst>
   </p:cSld>
@@ -7511,7 +7299,7 @@
           <p:cNvPr id="20" name="TextBox 19">
             <a:extLst>
               <a:ext uri="{FF2B5EF4-FFF2-40B4-BE49-F238E27FC236}">
-                <a16:creationId xmlns="" xmlns:a16="http://schemas.microsoft.com/office/drawing/2014/main" id="{BB1F688A-EECA-AD4B-9974-52A755017E57}"/>
+                <a16:creationId xmlns:a16="http://schemas.microsoft.com/office/drawing/2014/main" xmlns="" id="{BB1F688A-EECA-AD4B-9974-52A755017E57}"/>
               </a:ext>
             </a:extLst>
           </p:cNvPr>
@@ -7521,7 +7309,7 @@
         <p:spPr>
           <a:xfrm>
             <a:off x="467545" y="391233"/>
-            <a:ext cx="3666388" cy="646331"/>
+            <a:ext cx="4605748" cy="646331"/>
           </a:xfrm>
           <a:prstGeom prst="rect">
             <a:avLst/>
@@ -7547,37 +7335,17 @@
                 <a:latin typeface="Noto Sans CJK KR Bold" panose="020B0500000000000000" pitchFamily="34" charset="-128"/>
                 <a:ea typeface="Noto Sans CJK KR Bold" panose="020B0500000000000000" pitchFamily="34" charset="-128"/>
               </a:rPr>
-              <a:t>2. </a:t>
-            </a:r>
-            <a:r>
-              <a:rPr kumimoji="1" lang="en-US" altLang="ko-KR" sz="2400" b="1" dirty="0" err="1" smtClean="0">
+              <a:t>3. </a:t>
+            </a:r>
+            <a:r>
+              <a:rPr kumimoji="1" lang="ko-KR" altLang="en-US" sz="2400" b="1" dirty="0" smtClean="0">
                 <a:solidFill>
                   <a:srgbClr val="009D4F"/>
                 </a:solidFill>
                 <a:latin typeface="Noto Sans CJK KR Bold" panose="020B0500000000000000" pitchFamily="34" charset="-128"/>
                 <a:ea typeface="Noto Sans CJK KR Bold" panose="020B0500000000000000" pitchFamily="34" charset="-128"/>
               </a:rPr>
-              <a:t>DongwonParts</a:t>
-            </a:r>
-            <a:r>
-              <a:rPr kumimoji="1" lang="en-US" altLang="ko-KR" sz="2400" b="1" dirty="0" smtClean="0">
-                <a:solidFill>
-                  <a:srgbClr val="009D4F"/>
-                </a:solidFill>
-                <a:latin typeface="Noto Sans CJK KR Bold" panose="020B0500000000000000" pitchFamily="34" charset="-128"/>
-                <a:ea typeface="Noto Sans CJK KR Bold" panose="020B0500000000000000" pitchFamily="34" charset="-128"/>
-              </a:rPr>
-              <a:t> </a:t>
-            </a:r>
-            <a:r>
-              <a:rPr kumimoji="1" lang="ko-KR" altLang="en-US" sz="2400" b="1" dirty="0" smtClean="0">
-                <a:solidFill>
-                  <a:srgbClr val="009D4F"/>
-                </a:solidFill>
-                <a:latin typeface="Noto Sans CJK KR Bold" panose="020B0500000000000000" pitchFamily="34" charset="-128"/>
-                <a:ea typeface="Noto Sans CJK KR Bold" panose="020B0500000000000000" pitchFamily="34" charset="-128"/>
-              </a:rPr>
-              <a:t>프로젝트</a:t>
+              <a:t>한국로봇융합연구원 관련 논의</a:t>
             </a:r>
             <a:endParaRPr kumimoji="1" lang="en-US" altLang="ko-KR" sz="2400" b="1" dirty="0">
               <a:solidFill>
@@ -7594,7 +7362,7 @@
           <p:cNvPr id="18" name="TextBox 17">
             <a:extLst>
               <a:ext uri="{FF2B5EF4-FFF2-40B4-BE49-F238E27FC236}">
-                <a16:creationId xmlns:a16="http://schemas.microsoft.com/office/drawing/2014/main" xmlns="" id="{46063DD2-9B38-F147-A0DC-464FBEA0D179}"/>
+                <a16:creationId xmlns="" xmlns:a16="http://schemas.microsoft.com/office/drawing/2014/main" id="{46063DD2-9B38-F147-A0DC-464FBEA0D179}"/>
               </a:ext>
             </a:extLst>
           </p:cNvPr>
@@ -7604,7 +7372,7 @@
         <p:spPr>
           <a:xfrm>
             <a:off x="479425" y="1037564"/>
-            <a:ext cx="3449983" cy="461665"/>
+            <a:ext cx="6130204" cy="461665"/>
           </a:xfrm>
           <a:prstGeom prst="rect">
             <a:avLst/>
@@ -7629,14 +7397,34 @@
               </a:spcAft>
             </a:pPr>
             <a:r>
-              <a:rPr kumimoji="1" lang="en-US" altLang="ko-KR" sz="1600" b="1" dirty="0" smtClean="0">
+              <a:rPr kumimoji="1" lang="ko-KR" altLang="en-US" sz="1600" b="1" dirty="0" smtClean="0">
                 <a:solidFill>
                   <a:srgbClr val="009D4F"/>
                 </a:solidFill>
                 <a:latin typeface="Noto Sans CJK KR Regular" panose="020B0500000000000000" pitchFamily="34" charset="-128"/>
                 <a:ea typeface="Noto Sans CJK KR Regular" panose="020B0500000000000000" pitchFamily="34" charset="-128"/>
               </a:rPr>
-              <a:t>Excel -&gt; Bytes -&gt; C# Script -&gt; Unity</a:t>
+              <a:t>로봇융합연구원 김대연 팀장님과 논의가 완료된 후 정리해서</a:t>
+            </a:r>
+            <a:r>
+              <a:rPr kumimoji="1" lang="en-US" altLang="ko-KR" sz="1600" b="1" dirty="0" smtClean="0">
+                <a:solidFill>
+                  <a:srgbClr val="009D4F"/>
+                </a:solidFill>
+                <a:latin typeface="Noto Sans CJK KR Regular" panose="020B0500000000000000" pitchFamily="34" charset="-128"/>
+                <a:ea typeface="Noto Sans CJK KR Regular" panose="020B0500000000000000" pitchFamily="34" charset="-128"/>
+              </a:rPr>
+              <a:t>, </a:t>
+            </a:r>
+            <a:r>
+              <a:rPr kumimoji="1" lang="ko-KR" altLang="en-US" sz="1600" b="1" dirty="0" smtClean="0">
+                <a:solidFill>
+                  <a:srgbClr val="009D4F"/>
+                </a:solidFill>
+                <a:latin typeface="Noto Sans CJK KR Regular" panose="020B0500000000000000" pitchFamily="34" charset="-128"/>
+                <a:ea typeface="Noto Sans CJK KR Regular" panose="020B0500000000000000" pitchFamily="34" charset="-128"/>
+              </a:rPr>
+              <a:t>전달</a:t>
             </a:r>
             <a:endParaRPr kumimoji="1" lang="en-US" altLang="ko-KR" sz="1600" b="1" dirty="0">
               <a:solidFill>
@@ -7648,36 +7436,10 @@
           </a:p>
         </p:txBody>
       </p:sp>
-      <p:pic>
-        <p:nvPicPr>
-          <p:cNvPr id="2050" name="Picture 2" descr="C:\Users\cailab\Desktop\동원.PNG"/>
-          <p:cNvPicPr>
-            <a:picLocks noChangeAspect="1" noChangeArrowheads="1"/>
-          </p:cNvPicPr>
-          <p:nvPr/>
-        </p:nvPicPr>
-        <p:blipFill>
-          <a:blip r:embed="rId2"/>
-          <a:srcRect/>
-          <a:stretch>
-            <a:fillRect/>
-          </a:stretch>
-        </p:blipFill>
-        <p:spPr bwMode="auto">
-          <a:xfrm>
-            <a:off x="467545" y="1633601"/>
-            <a:ext cx="9274175" cy="4919599"/>
-          </a:xfrm>
-          <a:prstGeom prst="rect">
-            <a:avLst/>
-          </a:prstGeom>
-          <a:noFill/>
-        </p:spPr>
-      </p:pic>
     </p:spTree>
     <p:extLst>
       <p:ext uri="{BB962C8B-B14F-4D97-AF65-F5344CB8AC3E}">
-        <p14:creationId xmlns="" xmlns:p14="http://schemas.microsoft.com/office/powerpoint/2010/main" val="1062904964"/>
+        <p14:creationId xmlns:p14="http://schemas.microsoft.com/office/powerpoint/2010/main" xmlns="" val="1062904964"/>
       </p:ext>
     </p:extLst>
   </p:cSld>
@@ -7706,10 +7468,10 @@
       </p:grpSpPr>
       <p:sp>
         <p:nvSpPr>
-          <p:cNvPr id="20" name="TextBox 19">
+          <p:cNvPr id="6" name="TextBox 5">
             <a:extLst>
               <a:ext uri="{FF2B5EF4-FFF2-40B4-BE49-F238E27FC236}">
-                <a16:creationId xmlns="" xmlns:a16="http://schemas.microsoft.com/office/drawing/2014/main" id="{BB1F688A-EECA-AD4B-9974-52A755017E57}"/>
+                <a16:creationId xmlns:a16="http://schemas.microsoft.com/office/drawing/2014/main" xmlns="" id="{46063DD2-9B38-F147-A0DC-464FBEA0D179}"/>
               </a:ext>
             </a:extLst>
           </p:cNvPr>
@@ -7718,71 +7480,8 @@
         </p:nvSpPr>
         <p:spPr>
           <a:xfrm>
-            <a:off x="467545" y="391233"/>
-            <a:ext cx="4605748" cy="646331"/>
-          </a:xfrm>
-          <a:prstGeom prst="rect">
-            <a:avLst/>
-          </a:prstGeom>
-          <a:noFill/>
-        </p:spPr>
-        <p:txBody>
-          <a:bodyPr wrap="none" rtlCol="0">
-            <a:spAutoFit/>
-          </a:bodyPr>
-          <a:lstStyle/>
-          <a:p>
-            <a:pPr>
-              <a:lnSpc>
-                <a:spcPct val="150000"/>
-              </a:lnSpc>
-            </a:pPr>
-            <a:r>
-              <a:rPr kumimoji="1" lang="en-US" altLang="ko-KR" sz="2400" b="1" dirty="0" smtClean="0">
-                <a:solidFill>
-                  <a:srgbClr val="009D4F"/>
-                </a:solidFill>
-                <a:latin typeface="Noto Sans CJK KR Bold" panose="020B0500000000000000" pitchFamily="34" charset="-128"/>
-                <a:ea typeface="Noto Sans CJK KR Bold" panose="020B0500000000000000" pitchFamily="34" charset="-128"/>
-              </a:rPr>
-              <a:t>3. </a:t>
-            </a:r>
-            <a:r>
-              <a:rPr kumimoji="1" lang="ko-KR" altLang="en-US" sz="2400" b="1" dirty="0" smtClean="0">
-                <a:solidFill>
-                  <a:srgbClr val="009D4F"/>
-                </a:solidFill>
-                <a:latin typeface="Noto Sans CJK KR Bold" panose="020B0500000000000000" pitchFamily="34" charset="-128"/>
-                <a:ea typeface="Noto Sans CJK KR Bold" panose="020B0500000000000000" pitchFamily="34" charset="-128"/>
-              </a:rPr>
-              <a:t>한국로봇융합연구원 관련 논의</a:t>
-            </a:r>
-            <a:endParaRPr kumimoji="1" lang="en-US" altLang="ko-KR" sz="2400" b="1" dirty="0">
-              <a:solidFill>
-                <a:srgbClr val="009D4F"/>
-              </a:solidFill>
-              <a:latin typeface="Noto Sans CJK KR Bold" panose="020B0500000000000000" pitchFamily="34" charset="-128"/>
-              <a:ea typeface="Noto Sans CJK KR Bold" panose="020B0500000000000000" pitchFamily="34" charset="-128"/>
-            </a:endParaRPr>
-          </a:p>
-        </p:txBody>
-      </p:sp>
-      <p:sp>
-        <p:nvSpPr>
-          <p:cNvPr id="18" name="TextBox 17">
-            <a:extLst>
-              <a:ext uri="{FF2B5EF4-FFF2-40B4-BE49-F238E27FC236}">
-                <a16:creationId xmlns:a16="http://schemas.microsoft.com/office/drawing/2014/main" xmlns="" id="{46063DD2-9B38-F147-A0DC-464FBEA0D179}"/>
-              </a:ext>
-            </a:extLst>
-          </p:cNvPr>
-          <p:cNvSpPr txBox="1"/>
-          <p:nvPr/>
-        </p:nvSpPr>
-        <p:spPr>
-          <a:xfrm>
-            <a:off x="479425" y="1037564"/>
-            <a:ext cx="6130204" cy="461665"/>
+            <a:off x="479425" y="975992"/>
+            <a:ext cx="1747594" cy="404150"/>
           </a:xfrm>
           <a:prstGeom prst="rect">
             <a:avLst/>
@@ -7807,34 +7506,24 @@
               </a:spcAft>
             </a:pPr>
             <a:r>
-              <a:rPr kumimoji="1" lang="ko-KR" altLang="en-US" sz="1600" b="1" dirty="0" smtClean="0">
+              <a:rPr kumimoji="1" lang="en-US" altLang="ko-KR" sz="1600" b="1" dirty="0" smtClean="0">
                 <a:solidFill>
                   <a:srgbClr val="009D4F"/>
                 </a:solidFill>
                 <a:latin typeface="Noto Sans CJK KR Regular" panose="020B0500000000000000" pitchFamily="34" charset="-128"/>
                 <a:ea typeface="Noto Sans CJK KR Regular" panose="020B0500000000000000" pitchFamily="34" charset="-128"/>
               </a:rPr>
-              <a:t>로봇융합연구원 김대연 팀장님과 논의가 완료된 후 정리해서</a:t>
-            </a:r>
-            <a:r>
-              <a:rPr kumimoji="1" lang="en-US" altLang="ko-KR" sz="1600" b="1" dirty="0" smtClean="0">
+              <a:t>1. ICDM </a:t>
+            </a:r>
+            <a:r>
+              <a:rPr kumimoji="1" lang="ko-KR" altLang="en-US" sz="1600" b="1" dirty="0" smtClean="0">
                 <a:solidFill>
                   <a:srgbClr val="009D4F"/>
                 </a:solidFill>
                 <a:latin typeface="Noto Sans CJK KR Regular" panose="020B0500000000000000" pitchFamily="34" charset="-128"/>
                 <a:ea typeface="Noto Sans CJK KR Regular" panose="020B0500000000000000" pitchFamily="34" charset="-128"/>
               </a:rPr>
-              <a:t>, </a:t>
-            </a:r>
-            <a:r>
-              <a:rPr kumimoji="1" lang="ko-KR" altLang="en-US" sz="1600" b="1" dirty="0" smtClean="0">
-                <a:solidFill>
-                  <a:srgbClr val="009D4F"/>
-                </a:solidFill>
-                <a:latin typeface="Noto Sans CJK KR Regular" panose="020B0500000000000000" pitchFamily="34" charset="-128"/>
-                <a:ea typeface="Noto Sans CJK KR Regular" panose="020B0500000000000000" pitchFamily="34" charset="-128"/>
-              </a:rPr>
-              <a:t>전달</a:t>
+              <a:t>메뉴추가</a:t>
             </a:r>
             <a:endParaRPr kumimoji="1" lang="en-US" altLang="ko-KR" sz="1600" b="1" dirty="0">
               <a:solidFill>
@@ -7846,10 +7535,413 @@
           </a:p>
         </p:txBody>
       </p:sp>
+      <p:sp>
+        <p:nvSpPr>
+          <p:cNvPr id="7" name="TextBox 6">
+            <a:extLst>
+              <a:ext uri="{FF2B5EF4-FFF2-40B4-BE49-F238E27FC236}">
+                <a16:creationId xmlns:a16="http://schemas.microsoft.com/office/drawing/2014/main" xmlns="" id="{09941E3E-EBAC-F745-A6C0-599D870D57E9}"/>
+              </a:ext>
+            </a:extLst>
+          </p:cNvPr>
+          <p:cNvSpPr txBox="1"/>
+          <p:nvPr/>
+        </p:nvSpPr>
+        <p:spPr>
+          <a:xfrm>
+            <a:off x="479425" y="1398544"/>
+            <a:ext cx="6154670" cy="668324"/>
+          </a:xfrm>
+          <a:prstGeom prst="rect">
+            <a:avLst/>
+          </a:prstGeom>
+          <a:noFill/>
+        </p:spPr>
+        <p:txBody>
+          <a:bodyPr wrap="square" rtlCol="0">
+            <a:spAutoFit/>
+          </a:bodyPr>
+          <a:lstStyle/>
+          <a:p>
+            <a:pPr>
+              <a:lnSpc>
+                <a:spcPct val="150000"/>
+              </a:lnSpc>
+              <a:spcBef>
+                <a:spcPts val="160"/>
+              </a:spcBef>
+              <a:spcAft>
+                <a:spcPts val="160"/>
+              </a:spcAft>
+            </a:pPr>
+            <a:r>
+              <a:rPr kumimoji="1" lang="ko-KR" altLang="en-US" sz="1200" dirty="0">
+                <a:latin typeface="Noto Sans CJK KR Regular" panose="020B0500000000000000" pitchFamily="34" charset="-128"/>
+                <a:ea typeface="Noto Sans CJK KR Regular" panose="020B0500000000000000" pitchFamily="34" charset="-128"/>
+              </a:rPr>
+              <a:t>전체 옆 </a:t>
+            </a:r>
+            <a:r>
+              <a:rPr kumimoji="1" lang="ko-KR" altLang="en-US" sz="1200" dirty="0">
+                <a:solidFill>
+                  <a:srgbClr val="FF0000"/>
+                </a:solidFill>
+                <a:latin typeface="Noto Sans CJK KR Regular" panose="020B0500000000000000" pitchFamily="34" charset="-128"/>
+                <a:ea typeface="Noto Sans CJK KR Regular" panose="020B0500000000000000" pitchFamily="34" charset="-128"/>
+              </a:rPr>
+              <a:t>제조</a:t>
+            </a:r>
+            <a:r>
+              <a:rPr kumimoji="1" lang="en-US" altLang="ko-KR" sz="1200" dirty="0">
+                <a:solidFill>
+                  <a:srgbClr val="FF0000"/>
+                </a:solidFill>
+                <a:latin typeface="Noto Sans CJK KR Regular" panose="020B0500000000000000" pitchFamily="34" charset="-128"/>
+                <a:ea typeface="Noto Sans CJK KR Regular" panose="020B0500000000000000" pitchFamily="34" charset="-128"/>
+              </a:rPr>
+              <a:t>(</a:t>
+            </a:r>
+            <a:r>
+              <a:rPr kumimoji="1" lang="ko-KR" altLang="en-US" sz="1200" dirty="0">
+                <a:solidFill>
+                  <a:srgbClr val="FF0000"/>
+                </a:solidFill>
+                <a:latin typeface="Noto Sans CJK KR Regular" panose="020B0500000000000000" pitchFamily="34" charset="-128"/>
+                <a:ea typeface="Noto Sans CJK KR Regular" panose="020B0500000000000000" pitchFamily="34" charset="-128"/>
+              </a:rPr>
+              <a:t>코팅</a:t>
+            </a:r>
+            <a:r>
+              <a:rPr kumimoji="1" lang="en-US" altLang="ko-KR" sz="1200" dirty="0">
+                <a:solidFill>
+                  <a:srgbClr val="FF0000"/>
+                </a:solidFill>
+                <a:latin typeface="Noto Sans CJK KR Regular" panose="020B0500000000000000" pitchFamily="34" charset="-128"/>
+                <a:ea typeface="Noto Sans CJK KR Regular" panose="020B0500000000000000" pitchFamily="34" charset="-128"/>
+              </a:rPr>
+              <a:t>+</a:t>
+            </a:r>
+            <a:r>
+              <a:rPr kumimoji="1" lang="ko-KR" altLang="en-US" sz="1200" dirty="0">
+                <a:solidFill>
+                  <a:srgbClr val="FF0000"/>
+                </a:solidFill>
+                <a:latin typeface="Noto Sans CJK KR Regular" panose="020B0500000000000000" pitchFamily="34" charset="-128"/>
+                <a:ea typeface="Noto Sans CJK KR Regular" panose="020B0500000000000000" pitchFamily="34" charset="-128"/>
+              </a:rPr>
+              <a:t>연마</a:t>
+            </a:r>
+            <a:r>
+              <a:rPr kumimoji="1" lang="en-US" altLang="ko-KR" sz="1200" dirty="0">
+                <a:solidFill>
+                  <a:srgbClr val="FF0000"/>
+                </a:solidFill>
+                <a:latin typeface="Noto Sans CJK KR Regular" panose="020B0500000000000000" pitchFamily="34" charset="-128"/>
+                <a:ea typeface="Noto Sans CJK KR Regular" panose="020B0500000000000000" pitchFamily="34" charset="-128"/>
+              </a:rPr>
+              <a:t>) </a:t>
+            </a:r>
+            <a:r>
+              <a:rPr kumimoji="1" lang="ko-KR" altLang="en-US" sz="1200" dirty="0">
+                <a:solidFill>
+                  <a:srgbClr val="FF0000"/>
+                </a:solidFill>
+                <a:latin typeface="Noto Sans CJK KR Regular" panose="020B0500000000000000" pitchFamily="34" charset="-128"/>
+                <a:ea typeface="Noto Sans CJK KR Regular" panose="020B0500000000000000" pitchFamily="34" charset="-128"/>
+              </a:rPr>
+              <a:t>메뉴</a:t>
+            </a:r>
+            <a:r>
+              <a:rPr kumimoji="1" lang="ko-KR" altLang="en-US" sz="1200" dirty="0">
+                <a:latin typeface="Noto Sans CJK KR Regular" panose="020B0500000000000000" pitchFamily="34" charset="-128"/>
+                <a:ea typeface="Noto Sans CJK KR Regular" panose="020B0500000000000000" pitchFamily="34" charset="-128"/>
+              </a:rPr>
+              <a:t> 추가</a:t>
+            </a:r>
+            <a:endParaRPr kumimoji="1" lang="en-US" altLang="ko-KR" sz="1200" dirty="0">
+              <a:latin typeface="Noto Sans CJK KR Regular" panose="020B0500000000000000" pitchFamily="34" charset="-128"/>
+              <a:ea typeface="Noto Sans CJK KR Regular" panose="020B0500000000000000" pitchFamily="34" charset="-128"/>
+            </a:endParaRPr>
+          </a:p>
+          <a:p>
+            <a:pPr>
+              <a:lnSpc>
+                <a:spcPct val="150000"/>
+              </a:lnSpc>
+              <a:spcBef>
+                <a:spcPts val="160"/>
+              </a:spcBef>
+              <a:spcAft>
+                <a:spcPts val="160"/>
+              </a:spcAft>
+            </a:pPr>
+            <a:r>
+              <a:rPr kumimoji="1" lang="ko-KR" altLang="en-US" sz="1200" dirty="0">
+                <a:latin typeface="Noto Sans CJK KR Regular" panose="020B0500000000000000" pitchFamily="34" charset="-128"/>
+                <a:ea typeface="Noto Sans CJK KR Regular" panose="020B0500000000000000" pitchFamily="34" charset="-128"/>
+              </a:rPr>
+              <a:t>제조</a:t>
+            </a:r>
+            <a:r>
+              <a:rPr kumimoji="1" lang="en-US" altLang="ko-KR" sz="1200" dirty="0">
+                <a:latin typeface="Noto Sans CJK KR Regular" panose="020B0500000000000000" pitchFamily="34" charset="-128"/>
+                <a:ea typeface="Noto Sans CJK KR Regular" panose="020B0500000000000000" pitchFamily="34" charset="-128"/>
+              </a:rPr>
+              <a:t>(</a:t>
+            </a:r>
+            <a:r>
+              <a:rPr kumimoji="1" lang="ko-KR" altLang="en-US" sz="1200" dirty="0">
+                <a:latin typeface="Noto Sans CJK KR Regular" panose="020B0500000000000000" pitchFamily="34" charset="-128"/>
+                <a:ea typeface="Noto Sans CJK KR Regular" panose="020B0500000000000000" pitchFamily="34" charset="-128"/>
+              </a:rPr>
+              <a:t>코팅</a:t>
+            </a:r>
+            <a:r>
+              <a:rPr kumimoji="1" lang="en-US" altLang="ko-KR" sz="1200" dirty="0">
+                <a:latin typeface="Noto Sans CJK KR Regular" panose="020B0500000000000000" pitchFamily="34" charset="-128"/>
+                <a:ea typeface="Noto Sans CJK KR Regular" panose="020B0500000000000000" pitchFamily="34" charset="-128"/>
+              </a:rPr>
+              <a:t>+</a:t>
+            </a:r>
+            <a:r>
+              <a:rPr kumimoji="1" lang="ko-KR" altLang="en-US" sz="1200" dirty="0">
+                <a:latin typeface="Noto Sans CJK KR Regular" panose="020B0500000000000000" pitchFamily="34" charset="-128"/>
+                <a:ea typeface="Noto Sans CJK KR Regular" panose="020B0500000000000000" pitchFamily="34" charset="-128"/>
+              </a:rPr>
+              <a:t>연마</a:t>
+            </a:r>
+            <a:r>
+              <a:rPr kumimoji="1" lang="en-US" altLang="ko-KR" sz="1200" dirty="0">
+                <a:latin typeface="Noto Sans CJK KR Regular" panose="020B0500000000000000" pitchFamily="34" charset="-128"/>
+                <a:ea typeface="Noto Sans CJK KR Regular" panose="020B0500000000000000" pitchFamily="34" charset="-128"/>
+              </a:rPr>
+              <a:t>) </a:t>
+            </a:r>
+            <a:r>
+              <a:rPr kumimoji="1" lang="ko-KR" altLang="en-US" sz="1200" dirty="0">
+                <a:latin typeface="Noto Sans CJK KR Regular" panose="020B0500000000000000" pitchFamily="34" charset="-128"/>
+                <a:ea typeface="Noto Sans CJK KR Regular" panose="020B0500000000000000" pitchFamily="34" charset="-128"/>
+              </a:rPr>
+              <a:t>메뉴 클릭 시 </a:t>
+            </a:r>
+            <a:r>
+              <a:rPr kumimoji="1" lang="ko-KR" altLang="en-US" sz="1200" dirty="0" err="1">
+                <a:latin typeface="Noto Sans CJK KR Regular" panose="020B0500000000000000" pitchFamily="34" charset="-128"/>
+                <a:ea typeface="Noto Sans CJK KR Regular" panose="020B0500000000000000" pitchFamily="34" charset="-128"/>
+              </a:rPr>
+              <a:t>코팅동</a:t>
+            </a:r>
+            <a:r>
+              <a:rPr kumimoji="1" lang="en-US" altLang="ko-KR" sz="1200" dirty="0">
+                <a:latin typeface="Noto Sans CJK KR Regular" panose="020B0500000000000000" pitchFamily="34" charset="-128"/>
+                <a:ea typeface="Noto Sans CJK KR Regular" panose="020B0500000000000000" pitchFamily="34" charset="-128"/>
+              </a:rPr>
+              <a:t>+</a:t>
+            </a:r>
+            <a:r>
+              <a:rPr kumimoji="1" lang="ko-KR" altLang="en-US" sz="1200" dirty="0">
+                <a:latin typeface="Noto Sans CJK KR Regular" panose="020B0500000000000000" pitchFamily="34" charset="-128"/>
+                <a:ea typeface="Noto Sans CJK KR Regular" panose="020B0500000000000000" pitchFamily="34" charset="-128"/>
+              </a:rPr>
+              <a:t>연마동만 화면에 표시되고 </a:t>
+            </a:r>
+            <a:r>
+              <a:rPr kumimoji="1" lang="ko-KR" altLang="en-US" sz="1200" dirty="0" err="1">
+                <a:latin typeface="Noto Sans CJK KR Regular" panose="020B0500000000000000" pitchFamily="34" charset="-128"/>
+                <a:ea typeface="Noto Sans CJK KR Regular" panose="020B0500000000000000" pitchFamily="34" charset="-128"/>
+              </a:rPr>
+              <a:t>현황판</a:t>
+            </a:r>
+            <a:r>
+              <a:rPr kumimoji="1" lang="ko-KR" altLang="en-US" sz="1200" dirty="0">
+                <a:latin typeface="Noto Sans CJK KR Regular" panose="020B0500000000000000" pitchFamily="34" charset="-128"/>
+                <a:ea typeface="Noto Sans CJK KR Regular" panose="020B0500000000000000" pitchFamily="34" charset="-128"/>
+              </a:rPr>
+              <a:t> 보이도록 추가</a:t>
+            </a:r>
+            <a:endParaRPr kumimoji="1" lang="en-US" altLang="ko-KR" sz="1200" dirty="0">
+              <a:latin typeface="Noto Sans CJK KR Regular" panose="020B0500000000000000" pitchFamily="34" charset="-128"/>
+              <a:ea typeface="Noto Sans CJK KR Regular" panose="020B0500000000000000" pitchFamily="34" charset="-128"/>
+            </a:endParaRPr>
+          </a:p>
+        </p:txBody>
+      </p:sp>
+      <p:sp>
+        <p:nvSpPr>
+          <p:cNvPr id="20" name="TextBox 19">
+            <a:extLst>
+              <a:ext uri="{FF2B5EF4-FFF2-40B4-BE49-F238E27FC236}">
+                <a16:creationId xmlns:a16="http://schemas.microsoft.com/office/drawing/2014/main" xmlns="" id="{BB1F688A-EECA-AD4B-9974-52A755017E57}"/>
+              </a:ext>
+            </a:extLst>
+          </p:cNvPr>
+          <p:cNvSpPr txBox="1"/>
+          <p:nvPr/>
+        </p:nvSpPr>
+        <p:spPr>
+          <a:xfrm>
+            <a:off x="377972" y="369097"/>
+            <a:ext cx="1704313" cy="646331"/>
+          </a:xfrm>
+          <a:prstGeom prst="rect">
+            <a:avLst/>
+          </a:prstGeom>
+          <a:noFill/>
+        </p:spPr>
+        <p:txBody>
+          <a:bodyPr wrap="none" rtlCol="0">
+            <a:spAutoFit/>
+          </a:bodyPr>
+          <a:lstStyle/>
+          <a:p>
+            <a:pPr>
+              <a:lnSpc>
+                <a:spcPct val="150000"/>
+              </a:lnSpc>
+            </a:pPr>
+            <a:r>
+              <a:rPr kumimoji="1" lang="en-US" altLang="ko-KR" sz="2400" b="1" dirty="0" smtClean="0">
+                <a:solidFill>
+                  <a:srgbClr val="009D4F"/>
+                </a:solidFill>
+                <a:latin typeface="Noto Sans CJK KR Bold" panose="020B0500000000000000" pitchFamily="34" charset="-128"/>
+                <a:ea typeface="Noto Sans CJK KR Bold" panose="020B0500000000000000" pitchFamily="34" charset="-128"/>
+              </a:rPr>
+              <a:t>4. </a:t>
+            </a:r>
+            <a:r>
+              <a:rPr kumimoji="1" lang="ko-KR" altLang="en-US" sz="2400" b="1" dirty="0" err="1" smtClean="0">
+                <a:solidFill>
+                  <a:srgbClr val="009D4F"/>
+                </a:solidFill>
+                <a:latin typeface="Noto Sans CJK KR Bold" panose="020B0500000000000000" pitchFamily="34" charset="-128"/>
+                <a:ea typeface="Noto Sans CJK KR Bold" panose="020B0500000000000000" pitchFamily="34" charset="-128"/>
+              </a:rPr>
+              <a:t>향후계획</a:t>
+            </a:r>
+            <a:endParaRPr kumimoji="1" lang="en-US" altLang="ko-KR" sz="2400" b="1" dirty="0">
+              <a:solidFill>
+                <a:srgbClr val="009D4F"/>
+              </a:solidFill>
+              <a:latin typeface="Noto Sans CJK KR Bold" panose="020B0500000000000000" pitchFamily="34" charset="-128"/>
+              <a:ea typeface="Noto Sans CJK KR Bold" panose="020B0500000000000000" pitchFamily="34" charset="-128"/>
+            </a:endParaRPr>
+          </a:p>
+        </p:txBody>
+      </p:sp>
+      <p:pic>
+        <p:nvPicPr>
+          <p:cNvPr id="9" name="그림 8">
+            <a:extLst>
+              <a:ext uri="{FF2B5EF4-FFF2-40B4-BE49-F238E27FC236}">
+                <a16:creationId xmlns:a16="http://schemas.microsoft.com/office/drawing/2014/main" xmlns="" id="{74C8BCAE-A13F-4D75-32EF-7DF5C68C84AC}"/>
+              </a:ext>
+            </a:extLst>
+          </p:cNvPr>
+          <p:cNvPicPr>
+            <a:picLocks noChangeAspect="1"/>
+          </p:cNvPicPr>
+          <p:nvPr/>
+        </p:nvPicPr>
+        <p:blipFill>
+          <a:blip r:embed="rId2"/>
+          <a:stretch>
+            <a:fillRect/>
+          </a:stretch>
+        </p:blipFill>
+        <p:spPr>
+          <a:xfrm>
+            <a:off x="479425" y="2514794"/>
+            <a:ext cx="7732758" cy="4185915"/>
+          </a:xfrm>
+          <a:prstGeom prst="rect">
+            <a:avLst/>
+          </a:prstGeom>
+        </p:spPr>
+      </p:pic>
+      <p:sp>
+        <p:nvSpPr>
+          <p:cNvPr id="8" name="TextBox 7">
+            <a:extLst>
+              <a:ext uri="{FF2B5EF4-FFF2-40B4-BE49-F238E27FC236}">
+                <a16:creationId xmlns:a16="http://schemas.microsoft.com/office/drawing/2014/main" xmlns="" id="{46063DD2-9B38-F147-A0DC-464FBEA0D179}"/>
+              </a:ext>
+            </a:extLst>
+          </p:cNvPr>
+          <p:cNvSpPr txBox="1"/>
+          <p:nvPr/>
+        </p:nvSpPr>
+        <p:spPr>
+          <a:xfrm>
+            <a:off x="479425" y="2066868"/>
+            <a:ext cx="2012089" cy="404150"/>
+          </a:xfrm>
+          <a:prstGeom prst="rect">
+            <a:avLst/>
+          </a:prstGeom>
+          <a:noFill/>
+        </p:spPr>
+        <p:txBody>
+          <a:bodyPr wrap="none" rtlCol="0">
+            <a:spAutoFit/>
+          </a:bodyPr>
+          <a:lstStyle/>
+          <a:p>
+            <a:pPr>
+              <a:lnSpc>
+                <a:spcPct val="150000"/>
+              </a:lnSpc>
+              <a:spcBef>
+                <a:spcPts val="160"/>
+              </a:spcBef>
+              <a:spcAft>
+                <a:spcPts val="160"/>
+              </a:spcAft>
+            </a:pPr>
+            <a:r>
+              <a:rPr kumimoji="1" lang="en-US" altLang="ko-KR" sz="1600" b="1" dirty="0" smtClean="0">
+                <a:solidFill>
+                  <a:srgbClr val="009D4F"/>
+                </a:solidFill>
+                <a:latin typeface="Noto Sans CJK KR Regular" panose="020B0500000000000000" pitchFamily="34" charset="-128"/>
+                <a:ea typeface="Noto Sans CJK KR Regular" panose="020B0500000000000000" pitchFamily="34" charset="-128"/>
+              </a:rPr>
+              <a:t>2. ICDM </a:t>
+            </a:r>
+            <a:r>
+              <a:rPr kumimoji="1" lang="ko-KR" altLang="en-US" sz="1600" b="1" dirty="0" err="1" smtClean="0">
+                <a:solidFill>
+                  <a:srgbClr val="009D4F"/>
+                </a:solidFill>
+                <a:latin typeface="Noto Sans CJK KR Regular" panose="020B0500000000000000" pitchFamily="34" charset="-128"/>
+                <a:ea typeface="Noto Sans CJK KR Regular" panose="020B0500000000000000" pitchFamily="34" charset="-128"/>
+              </a:rPr>
+              <a:t>설비명</a:t>
+            </a:r>
+            <a:r>
+              <a:rPr kumimoji="1" lang="ko-KR" altLang="en-US" sz="1600" b="1" dirty="0" smtClean="0">
+                <a:solidFill>
+                  <a:srgbClr val="009D4F"/>
+                </a:solidFill>
+                <a:latin typeface="Noto Sans CJK KR Regular" panose="020B0500000000000000" pitchFamily="34" charset="-128"/>
+                <a:ea typeface="Noto Sans CJK KR Regular" panose="020B0500000000000000" pitchFamily="34" charset="-128"/>
+              </a:rPr>
+              <a:t> 변경</a:t>
+            </a:r>
+            <a:endParaRPr kumimoji="1" lang="en-US" altLang="ko-KR" sz="1600" b="1" dirty="0">
+              <a:solidFill>
+                <a:srgbClr val="009D4F"/>
+              </a:solidFill>
+              <a:latin typeface="Noto Sans CJK KR Regular" panose="020B0500000000000000" pitchFamily="34" charset="-128"/>
+              <a:ea typeface="Noto Sans CJK KR Regular" panose="020B0500000000000000" pitchFamily="34" charset="-128"/>
+            </a:endParaRPr>
+          </a:p>
+        </p:txBody>
+      </p:sp>
     </p:spTree>
     <p:extLst>
       <p:ext uri="{BB962C8B-B14F-4D97-AF65-F5344CB8AC3E}">
-        <p14:creationId xmlns="" xmlns:p14="http://schemas.microsoft.com/office/powerpoint/2010/main" val="1062904964"/>
+        <p14:creationId xmlns:p14="http://schemas.microsoft.com/office/powerpoint/2010/main" xmlns="" val="2142710581"/>
       </p:ext>
     </p:extLst>
   </p:cSld>
@@ -7881,7 +7973,7 @@
           <p:cNvPr id="6" name="TextBox 5">
             <a:extLst>
               <a:ext uri="{FF2B5EF4-FFF2-40B4-BE49-F238E27FC236}">
-                <a16:creationId xmlns="" xmlns:a16="http://schemas.microsoft.com/office/drawing/2014/main" id="{46063DD2-9B38-F147-A0DC-464FBEA0D179}"/>
+                <a16:creationId xmlns:a16="http://schemas.microsoft.com/office/drawing/2014/main" xmlns="" id="{46063DD2-9B38-F147-A0DC-464FBEA0D179}"/>
               </a:ext>
             </a:extLst>
           </p:cNvPr>
@@ -7891,7 +7983,7 @@
         <p:spPr>
           <a:xfrm>
             <a:off x="479425" y="975992"/>
-            <a:ext cx="1747594" cy="404150"/>
+            <a:ext cx="2608406" cy="404150"/>
           </a:xfrm>
           <a:prstGeom prst="rect">
             <a:avLst/>
@@ -7923,17 +8015,27 @@
                 <a:latin typeface="Noto Sans CJK KR Regular" panose="020B0500000000000000" pitchFamily="34" charset="-128"/>
                 <a:ea typeface="Noto Sans CJK KR Regular" panose="020B0500000000000000" pitchFamily="34" charset="-128"/>
               </a:rPr>
-              <a:t>1. ICDM </a:t>
-            </a:r>
-            <a:r>
-              <a:rPr kumimoji="1" lang="ko-KR" altLang="en-US" sz="1600" b="1" dirty="0" smtClean="0">
+              <a:t>1. </a:t>
+            </a:r>
+            <a:r>
+              <a:rPr kumimoji="1" lang="ko-KR" altLang="en-US" sz="1600" b="1" dirty="0" err="1" smtClean="0">
                 <a:solidFill>
                   <a:srgbClr val="009D4F"/>
                 </a:solidFill>
                 <a:latin typeface="Noto Sans CJK KR Regular" panose="020B0500000000000000" pitchFamily="34" charset="-128"/>
                 <a:ea typeface="Noto Sans CJK KR Regular" panose="020B0500000000000000" pitchFamily="34" charset="-128"/>
               </a:rPr>
-              <a:t>메뉴추가</a:t>
+              <a:t>설비명</a:t>
+            </a:r>
+            <a:r>
+              <a:rPr kumimoji="1" lang="ko-KR" altLang="en-US" sz="1600" b="1" dirty="0" smtClean="0">
+                <a:solidFill>
+                  <a:srgbClr val="009D4F"/>
+                </a:solidFill>
+                <a:latin typeface="Noto Sans CJK KR Regular" panose="020B0500000000000000" pitchFamily="34" charset="-128"/>
+                <a:ea typeface="Noto Sans CJK KR Regular" panose="020B0500000000000000" pitchFamily="34" charset="-128"/>
+              </a:rPr>
+              <a:t> 가시성 있게 변경</a:t>
             </a:r>
             <a:endParaRPr kumimoji="1" lang="en-US" altLang="ko-KR" sz="1600" b="1" dirty="0">
               <a:solidFill>
@@ -7947,241 +8049,10 @@
       </p:sp>
       <p:sp>
         <p:nvSpPr>
-          <p:cNvPr id="7" name="TextBox 6">
-            <a:extLst>
-              <a:ext uri="{FF2B5EF4-FFF2-40B4-BE49-F238E27FC236}">
-                <a16:creationId xmlns="" xmlns:a16="http://schemas.microsoft.com/office/drawing/2014/main" id="{09941E3E-EBAC-F745-A6C0-599D870D57E9}"/>
-              </a:ext>
-            </a:extLst>
-          </p:cNvPr>
-          <p:cNvSpPr txBox="1"/>
-          <p:nvPr/>
-        </p:nvSpPr>
-        <p:spPr>
-          <a:xfrm>
-            <a:off x="479425" y="1398544"/>
-            <a:ext cx="6154670" cy="668324"/>
-          </a:xfrm>
-          <a:prstGeom prst="rect">
-            <a:avLst/>
-          </a:prstGeom>
-          <a:noFill/>
-        </p:spPr>
-        <p:txBody>
-          <a:bodyPr wrap="square" rtlCol="0">
-            <a:spAutoFit/>
-          </a:bodyPr>
-          <a:lstStyle/>
-          <a:p>
-            <a:pPr>
-              <a:lnSpc>
-                <a:spcPct val="150000"/>
-              </a:lnSpc>
-              <a:spcBef>
-                <a:spcPts val="160"/>
-              </a:spcBef>
-              <a:spcAft>
-                <a:spcPts val="160"/>
-              </a:spcAft>
-            </a:pPr>
-            <a:r>
-              <a:rPr kumimoji="1" lang="ko-KR" altLang="en-US" sz="1200" dirty="0">
-                <a:latin typeface="Noto Sans CJK KR Regular" panose="020B0500000000000000" pitchFamily="34" charset="-128"/>
-                <a:ea typeface="Noto Sans CJK KR Regular" panose="020B0500000000000000" pitchFamily="34" charset="-128"/>
-              </a:rPr>
-              <a:t>전체 옆 </a:t>
-            </a:r>
-            <a:r>
-              <a:rPr kumimoji="1" lang="ko-KR" altLang="en-US" sz="1200" dirty="0">
-                <a:solidFill>
-                  <a:srgbClr val="FF0000"/>
-                </a:solidFill>
-                <a:latin typeface="Noto Sans CJK KR Regular" panose="020B0500000000000000" pitchFamily="34" charset="-128"/>
-                <a:ea typeface="Noto Sans CJK KR Regular" panose="020B0500000000000000" pitchFamily="34" charset="-128"/>
-              </a:rPr>
-              <a:t>제조</a:t>
-            </a:r>
-            <a:r>
-              <a:rPr kumimoji="1" lang="en-US" altLang="ko-KR" sz="1200" dirty="0">
-                <a:solidFill>
-                  <a:srgbClr val="FF0000"/>
-                </a:solidFill>
-                <a:latin typeface="Noto Sans CJK KR Regular" panose="020B0500000000000000" pitchFamily="34" charset="-128"/>
-                <a:ea typeface="Noto Sans CJK KR Regular" panose="020B0500000000000000" pitchFamily="34" charset="-128"/>
-              </a:rPr>
-              <a:t>(</a:t>
-            </a:r>
-            <a:r>
-              <a:rPr kumimoji="1" lang="ko-KR" altLang="en-US" sz="1200" dirty="0">
-                <a:solidFill>
-                  <a:srgbClr val="FF0000"/>
-                </a:solidFill>
-                <a:latin typeface="Noto Sans CJK KR Regular" panose="020B0500000000000000" pitchFamily="34" charset="-128"/>
-                <a:ea typeface="Noto Sans CJK KR Regular" panose="020B0500000000000000" pitchFamily="34" charset="-128"/>
-              </a:rPr>
-              <a:t>코팅</a:t>
-            </a:r>
-            <a:r>
-              <a:rPr kumimoji="1" lang="en-US" altLang="ko-KR" sz="1200" dirty="0">
-                <a:solidFill>
-                  <a:srgbClr val="FF0000"/>
-                </a:solidFill>
-                <a:latin typeface="Noto Sans CJK KR Regular" panose="020B0500000000000000" pitchFamily="34" charset="-128"/>
-                <a:ea typeface="Noto Sans CJK KR Regular" panose="020B0500000000000000" pitchFamily="34" charset="-128"/>
-              </a:rPr>
-              <a:t>+</a:t>
-            </a:r>
-            <a:r>
-              <a:rPr kumimoji="1" lang="ko-KR" altLang="en-US" sz="1200" dirty="0">
-                <a:solidFill>
-                  <a:srgbClr val="FF0000"/>
-                </a:solidFill>
-                <a:latin typeface="Noto Sans CJK KR Regular" panose="020B0500000000000000" pitchFamily="34" charset="-128"/>
-                <a:ea typeface="Noto Sans CJK KR Regular" panose="020B0500000000000000" pitchFamily="34" charset="-128"/>
-              </a:rPr>
-              <a:t>연마</a:t>
-            </a:r>
-            <a:r>
-              <a:rPr kumimoji="1" lang="en-US" altLang="ko-KR" sz="1200" dirty="0">
-                <a:solidFill>
-                  <a:srgbClr val="FF0000"/>
-                </a:solidFill>
-                <a:latin typeface="Noto Sans CJK KR Regular" panose="020B0500000000000000" pitchFamily="34" charset="-128"/>
-                <a:ea typeface="Noto Sans CJK KR Regular" panose="020B0500000000000000" pitchFamily="34" charset="-128"/>
-              </a:rPr>
-              <a:t>) </a:t>
-            </a:r>
-            <a:r>
-              <a:rPr kumimoji="1" lang="ko-KR" altLang="en-US" sz="1200" dirty="0">
-                <a:solidFill>
-                  <a:srgbClr val="FF0000"/>
-                </a:solidFill>
-                <a:latin typeface="Noto Sans CJK KR Regular" panose="020B0500000000000000" pitchFamily="34" charset="-128"/>
-                <a:ea typeface="Noto Sans CJK KR Regular" panose="020B0500000000000000" pitchFamily="34" charset="-128"/>
-              </a:rPr>
-              <a:t>메뉴</a:t>
-            </a:r>
-            <a:r>
-              <a:rPr kumimoji="1" lang="ko-KR" altLang="en-US" sz="1200" dirty="0">
-                <a:latin typeface="Noto Sans CJK KR Regular" panose="020B0500000000000000" pitchFamily="34" charset="-128"/>
-                <a:ea typeface="Noto Sans CJK KR Regular" panose="020B0500000000000000" pitchFamily="34" charset="-128"/>
-              </a:rPr>
-              <a:t> 추가</a:t>
-            </a:r>
-            <a:endParaRPr kumimoji="1" lang="en-US" altLang="ko-KR" sz="1200" dirty="0">
-              <a:latin typeface="Noto Sans CJK KR Regular" panose="020B0500000000000000" pitchFamily="34" charset="-128"/>
-              <a:ea typeface="Noto Sans CJK KR Regular" panose="020B0500000000000000" pitchFamily="34" charset="-128"/>
-            </a:endParaRPr>
-          </a:p>
-          <a:p>
-            <a:pPr>
-              <a:lnSpc>
-                <a:spcPct val="150000"/>
-              </a:lnSpc>
-              <a:spcBef>
-                <a:spcPts val="160"/>
-              </a:spcBef>
-              <a:spcAft>
-                <a:spcPts val="160"/>
-              </a:spcAft>
-            </a:pPr>
-            <a:r>
-              <a:rPr kumimoji="1" lang="ko-KR" altLang="en-US" sz="1200" dirty="0">
-                <a:latin typeface="Noto Sans CJK KR Regular" panose="020B0500000000000000" pitchFamily="34" charset="-128"/>
-                <a:ea typeface="Noto Sans CJK KR Regular" panose="020B0500000000000000" pitchFamily="34" charset="-128"/>
-              </a:rPr>
-              <a:t>제조</a:t>
-            </a:r>
-            <a:r>
-              <a:rPr kumimoji="1" lang="en-US" altLang="ko-KR" sz="1200" dirty="0">
-                <a:latin typeface="Noto Sans CJK KR Regular" panose="020B0500000000000000" pitchFamily="34" charset="-128"/>
-                <a:ea typeface="Noto Sans CJK KR Regular" panose="020B0500000000000000" pitchFamily="34" charset="-128"/>
-              </a:rPr>
-              <a:t>(</a:t>
-            </a:r>
-            <a:r>
-              <a:rPr kumimoji="1" lang="ko-KR" altLang="en-US" sz="1200" dirty="0">
-                <a:latin typeface="Noto Sans CJK KR Regular" panose="020B0500000000000000" pitchFamily="34" charset="-128"/>
-                <a:ea typeface="Noto Sans CJK KR Regular" panose="020B0500000000000000" pitchFamily="34" charset="-128"/>
-              </a:rPr>
-              <a:t>코팅</a:t>
-            </a:r>
-            <a:r>
-              <a:rPr kumimoji="1" lang="en-US" altLang="ko-KR" sz="1200" dirty="0">
-                <a:latin typeface="Noto Sans CJK KR Regular" panose="020B0500000000000000" pitchFamily="34" charset="-128"/>
-                <a:ea typeface="Noto Sans CJK KR Regular" panose="020B0500000000000000" pitchFamily="34" charset="-128"/>
-              </a:rPr>
-              <a:t>+</a:t>
-            </a:r>
-            <a:r>
-              <a:rPr kumimoji="1" lang="ko-KR" altLang="en-US" sz="1200" dirty="0">
-                <a:latin typeface="Noto Sans CJK KR Regular" panose="020B0500000000000000" pitchFamily="34" charset="-128"/>
-                <a:ea typeface="Noto Sans CJK KR Regular" panose="020B0500000000000000" pitchFamily="34" charset="-128"/>
-              </a:rPr>
-              <a:t>연마</a:t>
-            </a:r>
-            <a:r>
-              <a:rPr kumimoji="1" lang="en-US" altLang="ko-KR" sz="1200" dirty="0">
-                <a:latin typeface="Noto Sans CJK KR Regular" panose="020B0500000000000000" pitchFamily="34" charset="-128"/>
-                <a:ea typeface="Noto Sans CJK KR Regular" panose="020B0500000000000000" pitchFamily="34" charset="-128"/>
-              </a:rPr>
-              <a:t>) </a:t>
-            </a:r>
-            <a:r>
-              <a:rPr kumimoji="1" lang="ko-KR" altLang="en-US" sz="1200" dirty="0">
-                <a:latin typeface="Noto Sans CJK KR Regular" panose="020B0500000000000000" pitchFamily="34" charset="-128"/>
-                <a:ea typeface="Noto Sans CJK KR Regular" panose="020B0500000000000000" pitchFamily="34" charset="-128"/>
-              </a:rPr>
-              <a:t>메뉴 클릭 시 </a:t>
-            </a:r>
-            <a:r>
-              <a:rPr kumimoji="1" lang="ko-KR" altLang="en-US" sz="1200" dirty="0" err="1">
-                <a:latin typeface="Noto Sans CJK KR Regular" panose="020B0500000000000000" pitchFamily="34" charset="-128"/>
-                <a:ea typeface="Noto Sans CJK KR Regular" panose="020B0500000000000000" pitchFamily="34" charset="-128"/>
-              </a:rPr>
-              <a:t>코팅동</a:t>
-            </a:r>
-            <a:r>
-              <a:rPr kumimoji="1" lang="en-US" altLang="ko-KR" sz="1200" dirty="0">
-                <a:latin typeface="Noto Sans CJK KR Regular" panose="020B0500000000000000" pitchFamily="34" charset="-128"/>
-                <a:ea typeface="Noto Sans CJK KR Regular" panose="020B0500000000000000" pitchFamily="34" charset="-128"/>
-              </a:rPr>
-              <a:t>+</a:t>
-            </a:r>
-            <a:r>
-              <a:rPr kumimoji="1" lang="ko-KR" altLang="en-US" sz="1200" dirty="0">
-                <a:latin typeface="Noto Sans CJK KR Regular" panose="020B0500000000000000" pitchFamily="34" charset="-128"/>
-                <a:ea typeface="Noto Sans CJK KR Regular" panose="020B0500000000000000" pitchFamily="34" charset="-128"/>
-              </a:rPr>
-              <a:t>연마동만 화면에 표시되고 </a:t>
-            </a:r>
-            <a:r>
-              <a:rPr kumimoji="1" lang="ko-KR" altLang="en-US" sz="1200" dirty="0" err="1">
-                <a:latin typeface="Noto Sans CJK KR Regular" panose="020B0500000000000000" pitchFamily="34" charset="-128"/>
-                <a:ea typeface="Noto Sans CJK KR Regular" panose="020B0500000000000000" pitchFamily="34" charset="-128"/>
-              </a:rPr>
-              <a:t>현황판</a:t>
-            </a:r>
-            <a:r>
-              <a:rPr kumimoji="1" lang="ko-KR" altLang="en-US" sz="1200" dirty="0">
-                <a:latin typeface="Noto Sans CJK KR Regular" panose="020B0500000000000000" pitchFamily="34" charset="-128"/>
-                <a:ea typeface="Noto Sans CJK KR Regular" panose="020B0500000000000000" pitchFamily="34" charset="-128"/>
-              </a:rPr>
-              <a:t> 보이도록 추가</a:t>
-            </a:r>
-            <a:endParaRPr kumimoji="1" lang="en-US" altLang="ko-KR" sz="1200" dirty="0">
-              <a:latin typeface="Noto Sans CJK KR Regular" panose="020B0500000000000000" pitchFamily="34" charset="-128"/>
-              <a:ea typeface="Noto Sans CJK KR Regular" panose="020B0500000000000000" pitchFamily="34" charset="-128"/>
-            </a:endParaRPr>
-          </a:p>
-        </p:txBody>
-      </p:sp>
-      <p:sp>
-        <p:nvSpPr>
           <p:cNvPr id="20" name="TextBox 19">
             <a:extLst>
               <a:ext uri="{FF2B5EF4-FFF2-40B4-BE49-F238E27FC236}">
-                <a16:creationId xmlns="" xmlns:a16="http://schemas.microsoft.com/office/drawing/2014/main" id="{BB1F688A-EECA-AD4B-9974-52A755017E57}"/>
+                <a16:creationId xmlns:a16="http://schemas.microsoft.com/office/drawing/2014/main" xmlns="" id="{BB1F688A-EECA-AD4B-9974-52A755017E57}"/>
               </a:ext>
             </a:extLst>
           </p:cNvPr>
@@ -8217,17 +8088,7 @@
                 <a:latin typeface="Noto Sans CJK KR Bold" panose="020B0500000000000000" pitchFamily="34" charset="-128"/>
                 <a:ea typeface="Noto Sans CJK KR Bold" panose="020B0500000000000000" pitchFamily="34" charset="-128"/>
               </a:rPr>
-              <a:t>4</a:t>
-            </a:r>
-            <a:r>
-              <a:rPr kumimoji="1" lang="en-US" altLang="ko-KR" sz="2400" b="1" dirty="0" smtClean="0">
-                <a:solidFill>
-                  <a:srgbClr val="009D4F"/>
-                </a:solidFill>
-                <a:latin typeface="Noto Sans CJK KR Bold" panose="020B0500000000000000" pitchFamily="34" charset="-128"/>
-                <a:ea typeface="Noto Sans CJK KR Bold" panose="020B0500000000000000" pitchFamily="34" charset="-128"/>
-              </a:rPr>
-              <a:t>. </a:t>
+              <a:t>4. </a:t>
             </a:r>
             <a:r>
               <a:rPr kumimoji="1" lang="ko-KR" altLang="en-US" sz="2400" b="1" dirty="0" err="1" smtClean="0">
@@ -8251,117 +8112,34 @@
       </p:sp>
       <p:pic>
         <p:nvPicPr>
-          <p:cNvPr id="9" name="그림 8">
-            <a:extLst>
-              <a:ext uri="{FF2B5EF4-FFF2-40B4-BE49-F238E27FC236}">
-                <a16:creationId xmlns="" xmlns:a16="http://schemas.microsoft.com/office/drawing/2014/main" id="{74C8BCAE-A13F-4D75-32EF-7DF5C68C84AC}"/>
-              </a:ext>
-            </a:extLst>
-          </p:cNvPr>
+          <p:cNvPr id="3074" name="Picture 2" descr="C:\Users\cailab\Desktop\화면 캡처 2022-06-17 195827.png"/>
           <p:cNvPicPr>
-            <a:picLocks noChangeAspect="1"/>
+            <a:picLocks noChangeAspect="1" noChangeArrowheads="1"/>
           </p:cNvPicPr>
           <p:nvPr/>
         </p:nvPicPr>
         <p:blipFill>
           <a:blip r:embed="rId2"/>
+          <a:srcRect/>
           <a:stretch>
             <a:fillRect/>
           </a:stretch>
         </p:blipFill>
-        <p:spPr>
-          <a:xfrm>
-            <a:off x="479425" y="2514794"/>
-            <a:ext cx="7732758" cy="4185915"/>
-          </a:xfrm>
-          <a:prstGeom prst="rect">
-            <a:avLst/>
-          </a:prstGeom>
+        <p:spPr bwMode="auto">
+          <a:xfrm>
+            <a:off x="479425" y="1475640"/>
+            <a:ext cx="9207500" cy="5179219"/>
+          </a:xfrm>
+          <a:prstGeom prst="rect">
+            <a:avLst/>
+          </a:prstGeom>
+          <a:noFill/>
         </p:spPr>
       </p:pic>
-      <p:sp>
-        <p:nvSpPr>
-          <p:cNvPr id="8" name="TextBox 7">
-            <a:extLst>
-              <a:ext uri="{FF2B5EF4-FFF2-40B4-BE49-F238E27FC236}">
-                <a16:creationId xmlns="" xmlns:a16="http://schemas.microsoft.com/office/drawing/2014/main" id="{46063DD2-9B38-F147-A0DC-464FBEA0D179}"/>
-              </a:ext>
-            </a:extLst>
-          </p:cNvPr>
-          <p:cNvSpPr txBox="1"/>
-          <p:nvPr/>
-        </p:nvSpPr>
-        <p:spPr>
-          <a:xfrm>
-            <a:off x="479425" y="2066868"/>
-            <a:ext cx="2012089" cy="404150"/>
-          </a:xfrm>
-          <a:prstGeom prst="rect">
-            <a:avLst/>
-          </a:prstGeom>
-          <a:noFill/>
-        </p:spPr>
-        <p:txBody>
-          <a:bodyPr wrap="none" rtlCol="0">
-            <a:spAutoFit/>
-          </a:bodyPr>
-          <a:lstStyle/>
-          <a:p>
-            <a:pPr>
-              <a:lnSpc>
-                <a:spcPct val="150000"/>
-              </a:lnSpc>
-              <a:spcBef>
-                <a:spcPts val="160"/>
-              </a:spcBef>
-              <a:spcAft>
-                <a:spcPts val="160"/>
-              </a:spcAft>
-            </a:pPr>
-            <a:r>
-              <a:rPr kumimoji="1" lang="en-US" altLang="ko-KR" sz="1600" b="1" dirty="0" smtClean="0">
-                <a:solidFill>
-                  <a:srgbClr val="009D4F"/>
-                </a:solidFill>
-                <a:latin typeface="Noto Sans CJK KR Regular" panose="020B0500000000000000" pitchFamily="34" charset="-128"/>
-                <a:ea typeface="Noto Sans CJK KR Regular" panose="020B0500000000000000" pitchFamily="34" charset="-128"/>
-              </a:rPr>
-              <a:t>2. ICDM </a:t>
-            </a:r>
-            <a:r>
-              <a:rPr kumimoji="1" lang="ko-KR" altLang="en-US" sz="1600" b="1" dirty="0" err="1" smtClean="0">
-                <a:solidFill>
-                  <a:srgbClr val="009D4F"/>
-                </a:solidFill>
-                <a:latin typeface="Noto Sans CJK KR Regular" panose="020B0500000000000000" pitchFamily="34" charset="-128"/>
-                <a:ea typeface="Noto Sans CJK KR Regular" panose="020B0500000000000000" pitchFamily="34" charset="-128"/>
-              </a:rPr>
-              <a:t>설비명</a:t>
-            </a:r>
-            <a:r>
-              <a:rPr kumimoji="1" lang="ko-KR" altLang="en-US" sz="1600" b="1" dirty="0" smtClean="0">
-                <a:solidFill>
-                  <a:srgbClr val="009D4F"/>
-                </a:solidFill>
-                <a:latin typeface="Noto Sans CJK KR Regular" panose="020B0500000000000000" pitchFamily="34" charset="-128"/>
-                <a:ea typeface="Noto Sans CJK KR Regular" panose="020B0500000000000000" pitchFamily="34" charset="-128"/>
-              </a:rPr>
-              <a:t> 변경</a:t>
-            </a:r>
-            <a:endParaRPr kumimoji="1" lang="en-US" altLang="ko-KR" sz="1600" b="1" dirty="0">
-              <a:solidFill>
-                <a:srgbClr val="009D4F"/>
-              </a:solidFill>
-              <a:latin typeface="Noto Sans CJK KR Regular" panose="020B0500000000000000" pitchFamily="34" charset="-128"/>
-              <a:ea typeface="Noto Sans CJK KR Regular" panose="020B0500000000000000" pitchFamily="34" charset="-128"/>
-            </a:endParaRPr>
-          </a:p>
-        </p:txBody>
-      </p:sp>
     </p:spTree>
     <p:extLst>
       <p:ext uri="{BB962C8B-B14F-4D97-AF65-F5344CB8AC3E}">
-        <p14:creationId xmlns="" xmlns:p14="http://schemas.microsoft.com/office/powerpoint/2010/main" val="2142710581"/>
+        <p14:creationId xmlns:p14="http://schemas.microsoft.com/office/powerpoint/2010/main" xmlns="" val="2142710581"/>
       </p:ext>
     </p:extLst>
   </p:cSld>
@@ -8660,7 +8438,7 @@
   <a:extraClrSchemeLst/>
   <a:extLst>
     <a:ext uri="{05A4C25C-085E-4340-85A3-A5531E510DB2}">
-      <thm15:themeFamily xmlns="" xmlns:thm15="http://schemas.microsoft.com/office/thememl/2012/main" name="Office Theme" id="{62F939B6-93AF-4DB8-9C6B-D6C7DFDC589F}" vid="{4A3C46E8-61CC-4603-A589-7422A47A8E4A}"/>
+      <thm15:themeFamily xmlns:thm15="http://schemas.microsoft.com/office/thememl/2012/main" xmlns="" name="Office Theme" id="{62F939B6-93AF-4DB8-9C6B-D6C7DFDC589F}" vid="{4A3C46E8-61CC-4603-A589-7422A47A8E4A}"/>
     </a:ext>
   </a:extLst>
 </a:theme>
@@ -8955,7 +8733,7 @@
   <a:extraClrSchemeLst/>
   <a:extLst>
     <a:ext uri="{05A4C25C-085E-4340-85A3-A5531E510DB2}">
-      <thm15:themeFamily xmlns="" xmlns:thm15="http://schemas.microsoft.com/office/thememl/2012/main" name="Office Theme" id="{62F939B6-93AF-4DB8-9C6B-D6C7DFDC589F}" vid="{4A3C46E8-61CC-4603-A589-7422A47A8E4A}"/>
+      <thm15:themeFamily xmlns:thm15="http://schemas.microsoft.com/office/thememl/2012/main" xmlns="" name="Office Theme" id="{62F939B6-93AF-4DB8-9C6B-D6C7DFDC589F}" vid="{4A3C46E8-61CC-4603-A589-7422A47A8E4A}"/>
     </a:ext>
   </a:extLst>
 </a:theme>
